--- a/VIVA SKETCH.pptx
+++ b/VIVA SKETCH.pptx
@@ -11,20 +11,22 @@
     <p:sldId id="276" r:id="rId5"/>
     <p:sldId id="275" r:id="rId6"/>
     <p:sldId id="277" r:id="rId7"/>
-    <p:sldId id="278" r:id="rId8"/>
-    <p:sldId id="280" r:id="rId9"/>
+    <p:sldId id="293" r:id="rId8"/>
+    <p:sldId id="278" r:id="rId9"/>
     <p:sldId id="263" r:id="rId10"/>
-    <p:sldId id="281" r:id="rId11"/>
-    <p:sldId id="282" r:id="rId12"/>
-    <p:sldId id="283" r:id="rId13"/>
-    <p:sldId id="284" r:id="rId14"/>
-    <p:sldId id="285" r:id="rId15"/>
-    <p:sldId id="286" r:id="rId16"/>
-    <p:sldId id="287" r:id="rId17"/>
-    <p:sldId id="288" r:id="rId18"/>
-    <p:sldId id="289" r:id="rId19"/>
-    <p:sldId id="290" r:id="rId20"/>
-    <p:sldId id="264" r:id="rId21"/>
+    <p:sldId id="291" r:id="rId11"/>
+    <p:sldId id="281" r:id="rId12"/>
+    <p:sldId id="282" r:id="rId13"/>
+    <p:sldId id="283" r:id="rId14"/>
+    <p:sldId id="284" r:id="rId15"/>
+    <p:sldId id="285" r:id="rId16"/>
+    <p:sldId id="292" r:id="rId17"/>
+    <p:sldId id="286" r:id="rId18"/>
+    <p:sldId id="287" r:id="rId19"/>
+    <p:sldId id="288" r:id="rId20"/>
+    <p:sldId id="289" r:id="rId21"/>
+    <p:sldId id="290" r:id="rId22"/>
+    <p:sldId id="264" r:id="rId23"/>
   </p:sldIdLst>
   <p:sldSz cx="12192000" cy="6858000"/>
   <p:notesSz cx="6858000" cy="9144000"/>
@@ -134,14 +136,16 @@
             <p14:sldId id="276"/>
             <p14:sldId id="275"/>
             <p14:sldId id="277"/>
+            <p14:sldId id="293"/>
             <p14:sldId id="278"/>
-            <p14:sldId id="280"/>
             <p14:sldId id="263"/>
+            <p14:sldId id="291"/>
             <p14:sldId id="281"/>
             <p14:sldId id="282"/>
             <p14:sldId id="283"/>
             <p14:sldId id="284"/>
             <p14:sldId id="285"/>
+            <p14:sldId id="292"/>
             <p14:sldId id="286"/>
             <p14:sldId id="287"/>
             <p14:sldId id="288"/>
@@ -3614,6 +3618,172 @@
 <file path=ppt/slides/slide10.xml><?xml version="1.0" encoding="utf-8"?>
 <p:sld xmlns:a="http://schemas.openxmlformats.org/drawingml/2006/main" xmlns:r="http://schemas.openxmlformats.org/officeDocument/2006/relationships" xmlns:p="http://schemas.openxmlformats.org/presentationml/2006/main">
   <p:cSld>
+    <p:bg>
+      <p:bgPr>
+        <a:solidFill>
+          <a:schemeClr val="bg1"/>
+        </a:solidFill>
+        <a:effectLst/>
+      </p:bgPr>
+    </p:bg>
+    <p:spTree>
+      <p:nvGrpSpPr>
+        <p:cNvPr id="1" name=""/>
+        <p:cNvGrpSpPr/>
+        <p:nvPr/>
+      </p:nvGrpSpPr>
+      <p:grpSpPr>
+        <a:xfrm>
+          <a:off x="0" y="0"/>
+          <a:ext cx="0" cy="0"/>
+          <a:chOff x="0" y="0"/>
+          <a:chExt cx="0" cy="0"/>
+        </a:xfrm>
+      </p:grpSpPr>
+      <p:sp>
+        <p:nvSpPr>
+          <p:cNvPr id="2" name="Title 1">
+            <a:extLst>
+              <a:ext uri="{FF2B5EF4-FFF2-40B4-BE49-F238E27FC236}">
+                <a16:creationId xmlns:a16="http://schemas.microsoft.com/office/drawing/2014/main" id="{7DFBF24B-9FAA-4B6D-A7D4-408C1B0DE107}"/>
+              </a:ext>
+            </a:extLst>
+          </p:cNvPr>
+          <p:cNvSpPr>
+            <a:spLocks noGrp="1"/>
+          </p:cNvSpPr>
+          <p:nvPr>
+            <p:ph type="title"/>
+          </p:nvPr>
+        </p:nvSpPr>
+        <p:spPr>
+          <a:xfrm>
+            <a:off x="118225" y="1649197"/>
+            <a:ext cx="2743200" cy="2743200"/>
+          </a:xfrm>
+          <a:prstGeom prst="ellipse">
+            <a:avLst/>
+          </a:prstGeom>
+          <a:solidFill>
+            <a:schemeClr val="accent1"/>
+          </a:solidFill>
+          <a:ln w="174625" cmpd="thinThick">
+            <a:solidFill>
+              <a:srgbClr val="002060"/>
+            </a:solidFill>
+          </a:ln>
+        </p:spPr>
+        <p:txBody>
+          <a:bodyPr vert="horz" lIns="91440" tIns="45720" rIns="91440" bIns="45720" rtlCol="0" anchor="ctr">
+            <a:normAutofit/>
+          </a:bodyPr>
+          <a:lstStyle/>
+          <a:p>
+            <a:pPr algn="ctr"/>
+            <a:r>
+              <a:rPr lang="en-US" sz="2600" b="1" dirty="0">
+                <a:solidFill>
+                  <a:srgbClr val="FFFFFF"/>
+                </a:solidFill>
+              </a:rPr>
+              <a:t>INITIAL INSIGHTS</a:t>
+            </a:r>
+          </a:p>
+        </p:txBody>
+      </p:sp>
+      <p:sp>
+        <p:nvSpPr>
+          <p:cNvPr id="36" name="TextBox 35">
+            <a:extLst>
+              <a:ext uri="{FF2B5EF4-FFF2-40B4-BE49-F238E27FC236}">
+                <a16:creationId xmlns:a16="http://schemas.microsoft.com/office/drawing/2014/main" id="{287B2585-1984-426E-BB88-45E76E34259F}"/>
+              </a:ext>
+            </a:extLst>
+          </p:cNvPr>
+          <p:cNvSpPr txBox="1"/>
+          <p:nvPr/>
+        </p:nvSpPr>
+        <p:spPr>
+          <a:xfrm>
+            <a:off x="3323440" y="5661505"/>
+            <a:ext cx="8410575" cy="923330"/>
+          </a:xfrm>
+          <a:prstGeom prst="rect">
+            <a:avLst/>
+          </a:prstGeom>
+          <a:noFill/>
+        </p:spPr>
+        <p:txBody>
+          <a:bodyPr wrap="square" rtlCol="0">
+            <a:spAutoFit/>
+          </a:bodyPr>
+          <a:lstStyle/>
+          <a:p>
+            <a:r>
+              <a:rPr lang="en-US" b="1" dirty="0">
+                <a:solidFill>
+                  <a:srgbClr val="FF0000"/>
+                </a:solidFill>
+              </a:rPr>
+              <a:t>Fig 2. </a:t>
+            </a:r>
+            <a:r>
+              <a:rPr lang="en-US" dirty="0"/>
+              <a:t>	</a:t>
+            </a:r>
+            <a:r>
+              <a:rPr lang="en-US" b="1" dirty="0"/>
+              <a:t>Scatterplot indicating a class divide in choice of support for Conservative 	where AB &amp; C1 had a negative relationship with Conservative, C2 &amp; DE had a 	positive relationship for Conservative.</a:t>
+            </a:r>
+          </a:p>
+        </p:txBody>
+      </p:sp>
+      <p:pic>
+        <p:nvPicPr>
+          <p:cNvPr id="37" name="Content Placeholder 12">
+            <a:extLst>
+              <a:ext uri="{FF2B5EF4-FFF2-40B4-BE49-F238E27FC236}">
+                <a16:creationId xmlns:a16="http://schemas.microsoft.com/office/drawing/2014/main" id="{F088DDCB-28F1-4784-8ED4-2D628E6F35E5}"/>
+              </a:ext>
+            </a:extLst>
+          </p:cNvPr>
+          <p:cNvPicPr>
+            <a:picLocks noChangeAspect="1"/>
+          </p:cNvPicPr>
+          <p:nvPr/>
+        </p:nvPicPr>
+        <p:blipFill>
+          <a:blip r:embed="rId2"/>
+          <a:stretch>
+            <a:fillRect/>
+          </a:stretch>
+        </p:blipFill>
+        <p:spPr>
+          <a:xfrm>
+            <a:off x="3188668" y="491909"/>
+            <a:ext cx="8410593" cy="5057775"/>
+          </a:xfrm>
+          <a:prstGeom prst="rect">
+            <a:avLst/>
+          </a:prstGeom>
+        </p:spPr>
+      </p:pic>
+    </p:spTree>
+    <p:extLst>
+      <p:ext uri="{BB962C8B-B14F-4D97-AF65-F5344CB8AC3E}">
+        <p14:creationId xmlns:p14="http://schemas.microsoft.com/office/powerpoint/2010/main" val="1021846438"/>
+      </p:ext>
+    </p:extLst>
+  </p:cSld>
+  <p:clrMapOvr>
+    <a:masterClrMapping/>
+  </p:clrMapOvr>
+</p:sld>
+</file>
+
+<file path=ppt/slides/slide11.xml><?xml version="1.0" encoding="utf-8"?>
+<p:sld xmlns:a="http://schemas.openxmlformats.org/drawingml/2006/main" xmlns:r="http://schemas.openxmlformats.org/officeDocument/2006/relationships" xmlns:p="http://schemas.openxmlformats.org/presentationml/2006/main">
+  <p:cSld>
     <p:spTree>
       <p:nvGrpSpPr>
         <p:cNvPr id="1" name=""/>
@@ -3751,7 +3921,7 @@
         </p:spPr>
         <p:txBody>
           <a:bodyPr anchor="ctr">
-            <a:normAutofit/>
+            <a:normAutofit fontScale="90000"/>
           </a:bodyPr>
           <a:lstStyle/>
           <a:p>
@@ -3777,7 +3947,7 @@
                   <a:srgbClr val="FFFFFF"/>
                 </a:solidFill>
               </a:rPr>
-              <a:t>LOGISTIC REGRESSION</a:t>
+              <a:t>BINARY LOGISTIC REGRESSION</a:t>
             </a:r>
           </a:p>
         </p:txBody>
@@ -3847,7 +4017,7 @@
 </p:sld>
 </file>
 
-<file path=ppt/slides/slide11.xml><?xml version="1.0" encoding="utf-8"?>
+<file path=ppt/slides/slide12.xml><?xml version="1.0" encoding="utf-8"?>
 <p:sld xmlns:a="http://schemas.openxmlformats.org/drawingml/2006/main" xmlns:r="http://schemas.openxmlformats.org/officeDocument/2006/relationships" xmlns:p="http://schemas.openxmlformats.org/presentationml/2006/main">
   <p:cSld>
     <p:bg>
@@ -4133,8 +4303,8 @@
         </p:nvSpPr>
         <p:spPr>
           <a:xfrm>
-            <a:off x="808147" y="2071211"/>
-            <a:ext cx="7210426" cy="1200329"/>
+            <a:off x="843319" y="1589195"/>
+            <a:ext cx="7210426" cy="923330"/>
           </a:xfrm>
           <a:prstGeom prst="rect">
             <a:avLst/>
@@ -4152,17 +4322,7 @@
             </a:pPr>
             <a:r>
               <a:rPr lang="en-US" dirty="0"/>
-              <a:t>Relevance in answering the questions of interest.</a:t>
-            </a:r>
-          </a:p>
-          <a:p>
-            <a:pPr marL="285750" indent="-285750">
-              <a:buFont typeface="Wingdings" panose="05000000000000000000" pitchFamily="2" charset="2"/>
-              <a:buChar char="q"/>
-            </a:pPr>
-            <a:r>
-              <a:rPr lang="en-US" dirty="0"/>
-              <a:t>Flexibility in terms of assumptions</a:t>
+              <a:t>Models a binary output.</a:t>
             </a:r>
           </a:p>
           <a:p>
@@ -4193,7 +4353,7 @@
         </p:nvSpPr>
         <p:spPr>
           <a:xfrm>
-            <a:off x="733735" y="3428999"/>
+            <a:off x="733735" y="4757283"/>
             <a:ext cx="8906731" cy="1325563"/>
           </a:xfrm>
           <a:prstGeom prst="rect">
@@ -4247,7 +4407,7 @@
         </p:nvCxnSpPr>
         <p:spPr>
           <a:xfrm>
-            <a:off x="808147" y="4404375"/>
+            <a:off x="808147" y="5732659"/>
             <a:ext cx="6024205" cy="0"/>
           </a:xfrm>
           <a:prstGeom prst="line">
@@ -4290,7 +4450,7 @@
         </p:nvSpPr>
         <p:spPr>
           <a:xfrm>
-            <a:off x="808147" y="4699235"/>
+            <a:off x="808147" y="6027519"/>
             <a:ext cx="7210426" cy="646331"/>
           </a:xfrm>
           <a:prstGeom prst="rect">
@@ -4320,6 +4480,153 @@
             <a:r>
               <a:rPr lang="en-US" dirty="0"/>
               <a:t>Low sample size</a:t>
+            </a:r>
+          </a:p>
+        </p:txBody>
+      </p:sp>
+      <p:sp>
+        <p:nvSpPr>
+          <p:cNvPr id="25" name="Title 3">
+            <a:extLst>
+              <a:ext uri="{FF2B5EF4-FFF2-40B4-BE49-F238E27FC236}">
+                <a16:creationId xmlns:a16="http://schemas.microsoft.com/office/drawing/2014/main" id="{727DB42E-BB4C-4B4D-A95A-3E285655616C}"/>
+              </a:ext>
+            </a:extLst>
+          </p:cNvPr>
+          <p:cNvSpPr txBox="1">
+            <a:spLocks/>
+          </p:cNvSpPr>
+          <p:nvPr/>
+        </p:nvSpPr>
+        <p:spPr>
+          <a:xfrm>
+            <a:off x="733735" y="2759060"/>
+            <a:ext cx="8906731" cy="1325563"/>
+          </a:xfrm>
+          <a:prstGeom prst="rect">
+            <a:avLst/>
+          </a:prstGeom>
+        </p:spPr>
+        <p:txBody>
+          <a:bodyPr vert="horz" lIns="91440" tIns="45720" rIns="91440" bIns="45720" rtlCol="0" anchor="ctr">
+            <a:normAutofit/>
+          </a:bodyPr>
+          <a:lstStyle>
+            <a:lvl1pPr algn="l" defTabSz="914400" rtl="0" eaLnBrk="1" latinLnBrk="0" hangingPunct="1">
+              <a:lnSpc>
+                <a:spcPct val="90000"/>
+              </a:lnSpc>
+              <a:spcBef>
+                <a:spcPct val="0"/>
+              </a:spcBef>
+              <a:buNone/>
+              <a:defRPr sz="4400" kern="1200">
+                <a:solidFill>
+                  <a:schemeClr val="tx1"/>
+                </a:solidFill>
+                <a:latin typeface="+mj-lt"/>
+                <a:ea typeface="+mj-ea"/>
+                <a:cs typeface="+mj-cs"/>
+              </a:defRPr>
+            </a:lvl1pPr>
+          </a:lstStyle>
+          <a:p>
+            <a:r>
+              <a:rPr lang="en-US" sz="4000" b="1" dirty="0"/>
+              <a:t>Key Assumptions</a:t>
+            </a:r>
+          </a:p>
+        </p:txBody>
+      </p:sp>
+      <p:cxnSp>
+        <p:nvCxnSpPr>
+          <p:cNvPr id="26" name="Straight Connector 25">
+            <a:extLst>
+              <a:ext uri="{FF2B5EF4-FFF2-40B4-BE49-F238E27FC236}">
+                <a16:creationId xmlns:a16="http://schemas.microsoft.com/office/drawing/2014/main" id="{22B4DE78-FE54-44FE-8475-2CDC4A7EDEAD}"/>
+              </a:ext>
+            </a:extLst>
+          </p:cNvPr>
+          <p:cNvCxnSpPr>
+            <a:cxnSpLocks/>
+          </p:cNvCxnSpPr>
+          <p:nvPr/>
+        </p:nvCxnSpPr>
+        <p:spPr>
+          <a:xfrm>
+            <a:off x="808147" y="3734436"/>
+            <a:ext cx="6024205" cy="0"/>
+          </a:xfrm>
+          <a:prstGeom prst="line">
+            <a:avLst/>
+          </a:prstGeom>
+          <a:ln w="28575">
+            <a:solidFill>
+              <a:srgbClr val="FF0000"/>
+            </a:solidFill>
+            <a:headEnd type="none" w="med" len="med"/>
+            <a:tailEnd type="none" w="med" len="med"/>
+          </a:ln>
+        </p:spPr>
+        <p:style>
+          <a:lnRef idx="1">
+            <a:schemeClr val="accent1"/>
+          </a:lnRef>
+          <a:fillRef idx="0">
+            <a:schemeClr val="accent1"/>
+          </a:fillRef>
+          <a:effectRef idx="0">
+            <a:schemeClr val="accent1"/>
+          </a:effectRef>
+          <a:fontRef idx="minor">
+            <a:schemeClr val="tx1"/>
+          </a:fontRef>
+        </p:style>
+      </p:cxnSp>
+      <p:sp>
+        <p:nvSpPr>
+          <p:cNvPr id="27" name="Rectangle 26">
+            <a:extLst>
+              <a:ext uri="{FF2B5EF4-FFF2-40B4-BE49-F238E27FC236}">
+                <a16:creationId xmlns:a16="http://schemas.microsoft.com/office/drawing/2014/main" id="{D87E9F77-7E85-40B3-ADB6-C8A2E2B83ED0}"/>
+              </a:ext>
+            </a:extLst>
+          </p:cNvPr>
+          <p:cNvSpPr/>
+          <p:nvPr/>
+        </p:nvSpPr>
+        <p:spPr>
+          <a:xfrm>
+            <a:off x="808147" y="4029296"/>
+            <a:ext cx="7210426" cy="646331"/>
+          </a:xfrm>
+          <a:prstGeom prst="rect">
+            <a:avLst/>
+          </a:prstGeom>
+        </p:spPr>
+        <p:txBody>
+          <a:bodyPr wrap="square">
+            <a:spAutoFit/>
+          </a:bodyPr>
+          <a:lstStyle/>
+          <a:p>
+            <a:pPr marL="285750" indent="-285750">
+              <a:buFont typeface="Wingdings" panose="05000000000000000000" pitchFamily="2" charset="2"/>
+              <a:buChar char="q"/>
+            </a:pPr>
+            <a:r>
+              <a:rPr lang="en-US" dirty="0"/>
+              <a:t>Response variable is binary</a:t>
+            </a:r>
+          </a:p>
+          <a:p>
+            <a:pPr marL="285750" indent="-285750">
+              <a:buFont typeface="Wingdings" panose="05000000000000000000" pitchFamily="2" charset="2"/>
+              <a:buChar char="q"/>
+            </a:pPr>
+            <a:r>
+              <a:rPr lang="en-US" dirty="0"/>
+              <a:t>Independent observations</a:t>
             </a:r>
           </a:p>
         </p:txBody>
@@ -4337,7 +4644,7 @@
 </p:sld>
 </file>
 
-<file path=ppt/slides/slide12.xml><?xml version="1.0" encoding="utf-8"?>
+<file path=ppt/slides/slide13.xml><?xml version="1.0" encoding="utf-8"?>
 <p:sld xmlns:a="http://schemas.openxmlformats.org/drawingml/2006/main" xmlns:r="http://schemas.openxmlformats.org/officeDocument/2006/relationships" xmlns:p="http://schemas.openxmlformats.org/presentationml/2006/main">
   <p:cSld>
     <p:bg>
@@ -5948,7 +6255,7 @@
 </p:sld>
 </file>
 
-<file path=ppt/slides/slide13.xml><?xml version="1.0" encoding="utf-8"?>
+<file path=ppt/slides/slide14.xml><?xml version="1.0" encoding="utf-8"?>
 <p:sld xmlns:a="http://schemas.openxmlformats.org/drawingml/2006/main" xmlns:r="http://schemas.openxmlformats.org/officeDocument/2006/relationships" xmlns:p="http://schemas.openxmlformats.org/presentationml/2006/main">
   <p:cSld>
     <p:bg>
@@ -6994,7 +7301,7 @@
 </p:sld>
 </file>
 
-<file path=ppt/slides/slide14.xml><?xml version="1.0" encoding="utf-8"?>
+<file path=ppt/slides/slide15.xml><?xml version="1.0" encoding="utf-8"?>
 <p:sld xmlns:a="http://schemas.openxmlformats.org/drawingml/2006/main" xmlns:r="http://schemas.openxmlformats.org/officeDocument/2006/relationships" xmlns:p="http://schemas.openxmlformats.org/presentationml/2006/main">
   <p:cSld>
     <p:bg>
@@ -7282,8 +7589,8 @@
             </p:nvSpPr>
             <p:spPr>
               <a:xfrm>
-                <a:off x="236665" y="1771690"/>
-                <a:ext cx="6021264" cy="714683"/>
+                <a:off x="835432" y="1623954"/>
+                <a:ext cx="2938368" cy="530466"/>
               </a:xfrm>
               <a:prstGeom prst="rect">
                 <a:avLst/>
@@ -7297,361 +7604,176 @@
               <a:p>
                 <a:pPr/>
                 <a14:m>
-                  <m:oMathPara xmlns:m="http://schemas.openxmlformats.org/officeDocument/2006/math">
-                    <m:oMathParaPr>
-                      <m:jc m:val="left"/>
-                    </m:oMathParaPr>
-                    <m:oMath xmlns:m="http://schemas.openxmlformats.org/officeDocument/2006/math">
-                      <m:r>
-                        <a:rPr lang="en-US" i="1">
-                          <a:latin typeface="Cambria Math" panose="02040503050406030204" pitchFamily="18" charset="0"/>
-                        </a:rPr>
-                        <m:t>𝑙𝑜𝑔𝑖𝑡</m:t>
-                      </m:r>
-                      <m:d>
-                        <m:dPr>
-                          <m:ctrlPr>
-                            <a:rPr lang="en-US" i="1">
-                              <a:latin typeface="Cambria Math" panose="02040503050406030204" pitchFamily="18" charset="0"/>
-                            </a:rPr>
-                          </m:ctrlPr>
-                        </m:dPr>
-                        <m:e>
-                          <m:r>
-                            <a:rPr lang="en-US" i="1">
-                              <a:latin typeface="Cambria Math" panose="02040503050406030204" pitchFamily="18" charset="0"/>
-                            </a:rPr>
-                            <m:t>𝑝</m:t>
-                          </m:r>
-                        </m:e>
-                      </m:d>
-                      <m:r>
-                        <a:rPr lang="en-US" i="1">
-                          <a:latin typeface="Cambria Math" panose="02040503050406030204" pitchFamily="18" charset="0"/>
-                        </a:rPr>
-                        <m:t>=</m:t>
-                      </m:r>
-                      <m:func>
-                        <m:funcPr>
-                          <m:ctrlPr>
-                            <a:rPr lang="en-US" i="1">
-                              <a:latin typeface="Cambria Math" panose="02040503050406030204" pitchFamily="18" charset="0"/>
-                            </a:rPr>
-                          </m:ctrlPr>
-                        </m:funcPr>
-                        <m:fName>
-                          <m:r>
-                            <m:rPr>
-                              <m:sty m:val="p"/>
-                            </m:rPr>
-                            <a:rPr lang="en-US">
-                              <a:latin typeface="Cambria Math" panose="02040503050406030204" pitchFamily="18" charset="0"/>
-                            </a:rPr>
-                            <m:t>ln</m:t>
-                          </m:r>
-                        </m:fName>
-                        <m:e>
-                          <m:d>
-                            <m:dPr>
-                              <m:ctrlPr>
-                                <a:rPr lang="en-US" i="1">
-                                  <a:latin typeface="Cambria Math" panose="02040503050406030204" pitchFamily="18" charset="0"/>
-                                </a:rPr>
-                              </m:ctrlPr>
-                            </m:dPr>
-                            <m:e>
-                              <m:f>
-                                <m:fPr>
-                                  <m:ctrlPr>
-                                    <a:rPr lang="en-US" i="1">
-                                      <a:latin typeface="Cambria Math" panose="02040503050406030204" pitchFamily="18" charset="0"/>
-                                    </a:rPr>
-                                  </m:ctrlPr>
-                                </m:fPr>
-                                <m:num>
-                                  <m:r>
-                                    <a:rPr lang="en-US" i="1">
-                                      <a:latin typeface="Cambria Math" panose="02040503050406030204" pitchFamily="18" charset="0"/>
-                                    </a:rPr>
-                                    <m:t>𝑝</m:t>
-                                  </m:r>
-                                </m:num>
-                                <m:den>
-                                  <m:r>
-                                    <a:rPr lang="en-US" i="1">
-                                      <a:latin typeface="Cambria Math" panose="02040503050406030204" pitchFamily="18" charset="0"/>
-                                    </a:rPr>
-                                    <m:t>1−</m:t>
-                                  </m:r>
-                                  <m:r>
-                                    <a:rPr lang="en-US" i="1">
-                                      <a:latin typeface="Cambria Math" panose="02040503050406030204" pitchFamily="18" charset="0"/>
-                                    </a:rPr>
-                                    <m:t>𝑝</m:t>
-                                  </m:r>
-                                </m:den>
-                              </m:f>
-                            </m:e>
-                          </m:d>
-                        </m:e>
-                      </m:func>
-                      <m:r>
-                        <a:rPr lang="en-US" i="1">
-                          <a:latin typeface="Cambria Math" panose="02040503050406030204" pitchFamily="18" charset="0"/>
-                        </a:rPr>
-                        <m:t>= </m:t>
-                      </m:r>
-                      <m:sSub>
-                        <m:sSubPr>
-                          <m:ctrlPr>
-                            <a:rPr lang="en-US" i="1">
-                              <a:latin typeface="Cambria Math" panose="02040503050406030204" pitchFamily="18" charset="0"/>
-                            </a:rPr>
-                          </m:ctrlPr>
-                        </m:sSubPr>
-                        <m:e>
-                          <m:r>
-                            <a:rPr lang="en-US" i="1">
-                              <a:latin typeface="Cambria Math" panose="02040503050406030204" pitchFamily="18" charset="0"/>
-                            </a:rPr>
-                            <m:t>𝛽</m:t>
-                          </m:r>
-                        </m:e>
-                        <m:sub>
-                          <m:r>
-                            <a:rPr lang="en-US" i="1">
-                              <a:latin typeface="Cambria Math" panose="02040503050406030204" pitchFamily="18" charset="0"/>
-                            </a:rPr>
-                            <m:t>0</m:t>
-                          </m:r>
-                        </m:sub>
-                      </m:sSub>
-                      <m:r>
-                        <a:rPr lang="en-US" i="1">
-                          <a:latin typeface="Cambria Math" panose="02040503050406030204" pitchFamily="18" charset="0"/>
-                        </a:rPr>
-                        <m:t>+ </m:t>
-                      </m:r>
-                      <m:sSub>
-                        <m:sSubPr>
-                          <m:ctrlPr>
-                            <a:rPr lang="en-US" i="1">
-                              <a:latin typeface="Cambria Math" panose="02040503050406030204" pitchFamily="18" charset="0"/>
-                            </a:rPr>
-                          </m:ctrlPr>
-                        </m:sSubPr>
-                        <m:e>
-                          <m:r>
-                            <a:rPr lang="en-US" i="1">
-                              <a:latin typeface="Cambria Math" panose="02040503050406030204" pitchFamily="18" charset="0"/>
-                            </a:rPr>
-                            <m:t>𝛽</m:t>
-                          </m:r>
-                        </m:e>
-                        <m:sub>
-                          <m:r>
-                            <a:rPr lang="en-US" i="1">
-                              <a:latin typeface="Cambria Math" panose="02040503050406030204" pitchFamily="18" charset="0"/>
-                            </a:rPr>
-                            <m:t>1</m:t>
-                          </m:r>
-                        </m:sub>
-                      </m:sSub>
-                      <m:sSub>
-                        <m:sSubPr>
-                          <m:ctrlPr>
-                            <a:rPr lang="en-US" i="1">
-                              <a:latin typeface="Cambria Math" panose="02040503050406030204" pitchFamily="18" charset="0"/>
-                            </a:rPr>
-                          </m:ctrlPr>
-                        </m:sSubPr>
-                        <m:e>
-                          <m:r>
-                            <a:rPr lang="en-US" i="1">
-                              <a:latin typeface="Cambria Math" panose="02040503050406030204" pitchFamily="18" charset="0"/>
-                            </a:rPr>
-                            <m:t>𝑥</m:t>
-                          </m:r>
-                        </m:e>
-                        <m:sub>
-                          <m:r>
-                            <a:rPr lang="en-US" i="1">
-                              <a:latin typeface="Cambria Math" panose="02040503050406030204" pitchFamily="18" charset="0"/>
-                            </a:rPr>
-                            <m:t>1</m:t>
-                          </m:r>
-                        </m:sub>
-                      </m:sSub>
-                      <m:r>
-                        <a:rPr lang="en-US" i="1">
-                          <a:latin typeface="Cambria Math" panose="02040503050406030204" pitchFamily="18" charset="0"/>
-                        </a:rPr>
-                        <m:t>+</m:t>
-                      </m:r>
-                      <m:sSub>
-                        <m:sSubPr>
-                          <m:ctrlPr>
-                            <a:rPr lang="en-US" i="1">
-                              <a:latin typeface="Cambria Math" panose="02040503050406030204" pitchFamily="18" charset="0"/>
-                            </a:rPr>
-                          </m:ctrlPr>
-                        </m:sSubPr>
-                        <m:e>
-                          <m:r>
-                            <a:rPr lang="en-US" i="1">
-                              <a:latin typeface="Cambria Math" panose="02040503050406030204" pitchFamily="18" charset="0"/>
-                            </a:rPr>
-                            <m:t>𝛽</m:t>
-                          </m:r>
-                        </m:e>
-                        <m:sub>
-                          <m:r>
-                            <a:rPr lang="en-US" i="1">
-                              <a:latin typeface="Cambria Math" panose="02040503050406030204" pitchFamily="18" charset="0"/>
-                            </a:rPr>
-                            <m:t>2</m:t>
-                          </m:r>
-                        </m:sub>
-                      </m:sSub>
-                      <m:sSub>
-                        <m:sSubPr>
-                          <m:ctrlPr>
-                            <a:rPr lang="en-US" i="1">
-                              <a:latin typeface="Cambria Math" panose="02040503050406030204" pitchFamily="18" charset="0"/>
-                            </a:rPr>
-                          </m:ctrlPr>
-                        </m:sSubPr>
-                        <m:e>
-                          <m:r>
-                            <a:rPr lang="en-US" i="1">
-                              <a:latin typeface="Cambria Math" panose="02040503050406030204" pitchFamily="18" charset="0"/>
-                            </a:rPr>
-                            <m:t>𝑥</m:t>
-                          </m:r>
-                        </m:e>
-                        <m:sub>
-                          <m:r>
-                            <a:rPr lang="en-US" i="1">
-                              <a:latin typeface="Cambria Math" panose="02040503050406030204" pitchFamily="18" charset="0"/>
-                            </a:rPr>
-                            <m:t>2</m:t>
-                          </m:r>
-                        </m:sub>
-                      </m:sSub>
-                      <m:r>
-                        <a:rPr lang="en-US" i="1">
-                          <a:latin typeface="Cambria Math" panose="02040503050406030204" pitchFamily="18" charset="0"/>
-                        </a:rPr>
-                        <m:t>+</m:t>
-                      </m:r>
-                      <m:sSub>
-                        <m:sSubPr>
-                          <m:ctrlPr>
-                            <a:rPr lang="en-US" i="1">
-                              <a:latin typeface="Cambria Math" panose="02040503050406030204" pitchFamily="18" charset="0"/>
-                            </a:rPr>
-                          </m:ctrlPr>
-                        </m:sSubPr>
-                        <m:e>
-                          <m:r>
-                            <a:rPr lang="en-US" i="1">
-                              <a:latin typeface="Cambria Math" panose="02040503050406030204" pitchFamily="18" charset="0"/>
-                            </a:rPr>
-                            <m:t>𝛽</m:t>
-                          </m:r>
-                        </m:e>
-                        <m:sub>
-                          <m:r>
-                            <a:rPr lang="en-US" i="1">
-                              <a:latin typeface="Cambria Math" panose="02040503050406030204" pitchFamily="18" charset="0"/>
-                            </a:rPr>
-                            <m:t>3</m:t>
-                          </m:r>
-                        </m:sub>
-                      </m:sSub>
-                      <m:sSub>
-                        <m:sSubPr>
-                          <m:ctrlPr>
-                            <a:rPr lang="en-US" i="1">
-                              <a:latin typeface="Cambria Math" panose="02040503050406030204" pitchFamily="18" charset="0"/>
-                            </a:rPr>
-                          </m:ctrlPr>
-                        </m:sSubPr>
-                        <m:e>
-                          <m:r>
-                            <a:rPr lang="en-US" i="1">
-                              <a:latin typeface="Cambria Math" panose="02040503050406030204" pitchFamily="18" charset="0"/>
-                            </a:rPr>
-                            <m:t>𝑥</m:t>
-                          </m:r>
-                        </m:e>
-                        <m:sub>
-                          <m:r>
-                            <a:rPr lang="en-US" i="1">
-                              <a:latin typeface="Cambria Math" panose="02040503050406030204" pitchFamily="18" charset="0"/>
-                            </a:rPr>
-                            <m:t>3</m:t>
-                          </m:r>
-                        </m:sub>
-                      </m:sSub>
-                      <m:r>
-                        <a:rPr lang="en-US" i="1">
-                          <a:latin typeface="Cambria Math" panose="02040503050406030204" pitchFamily="18" charset="0"/>
-                        </a:rPr>
-                        <m:t>+</m:t>
-                      </m:r>
-                      <m:sSub>
-                        <m:sSubPr>
-                          <m:ctrlPr>
-                            <a:rPr lang="en-US" i="1">
-                              <a:latin typeface="Cambria Math" panose="02040503050406030204" pitchFamily="18" charset="0"/>
-                            </a:rPr>
-                          </m:ctrlPr>
-                        </m:sSubPr>
-                        <m:e>
-                          <m:r>
-                            <a:rPr lang="en-US" i="1">
-                              <a:latin typeface="Cambria Math" panose="02040503050406030204" pitchFamily="18" charset="0"/>
-                            </a:rPr>
-                            <m:t>𝛽</m:t>
-                          </m:r>
-                        </m:e>
-                        <m:sub>
-                          <m:r>
-                            <a:rPr lang="en-US" i="1">
-                              <a:latin typeface="Cambria Math" panose="02040503050406030204" pitchFamily="18" charset="0"/>
-                            </a:rPr>
-                            <m:t>4</m:t>
-                          </m:r>
-                        </m:sub>
-                      </m:sSub>
-                      <m:sSub>
-                        <m:sSubPr>
-                          <m:ctrlPr>
-                            <a:rPr lang="en-US" i="1">
-                              <a:latin typeface="Cambria Math" panose="02040503050406030204" pitchFamily="18" charset="0"/>
-                            </a:rPr>
-                          </m:ctrlPr>
-                        </m:sSubPr>
-                        <m:e>
-                          <m:r>
-                            <a:rPr lang="en-US" i="1">
-                              <a:latin typeface="Cambria Math" panose="02040503050406030204" pitchFamily="18" charset="0"/>
-                            </a:rPr>
-                            <m:t>𝑥</m:t>
-                          </m:r>
-                        </m:e>
-                        <m:sub>
-                          <m:r>
-                            <a:rPr lang="en-US" i="1">
-                              <a:latin typeface="Cambria Math" panose="02040503050406030204" pitchFamily="18" charset="0"/>
-                            </a:rPr>
-                            <m:t>4</m:t>
-                          </m:r>
-                        </m:sub>
-                      </m:sSub>
-                    </m:oMath>
-                  </m:oMathPara>
+                  <m:oMath xmlns:m="http://schemas.openxmlformats.org/officeDocument/2006/math">
+                    <m:r>
+                      <a:rPr lang="en-US" i="1" smtClean="0">
+                        <a:latin typeface="Cambria Math" panose="02040503050406030204" pitchFamily="18" charset="0"/>
+                      </a:rPr>
+                      <m:t>𝑙𝑜𝑔𝑖𝑡</m:t>
+                    </m:r>
+                    <m:r>
+                      <a:rPr lang="en-US" b="0" i="1" smtClean="0">
+                        <a:latin typeface="Cambria Math" panose="02040503050406030204" pitchFamily="18" charset="0"/>
+                      </a:rPr>
+                      <m:t>(</m:t>
+                    </m:r>
+                    <m:acc>
+                      <m:accPr>
+                        <m:chr m:val="̂"/>
+                        <m:ctrlPr>
+                          <a:rPr lang="en-US" i="1" smtClean="0">
+                            <a:latin typeface="Cambria Math" panose="02040503050406030204" pitchFamily="18" charset="0"/>
+                          </a:rPr>
+                        </m:ctrlPr>
+                      </m:accPr>
+                      <m:e>
+                        <m:r>
+                          <a:rPr lang="en-US" b="0" i="1" smtClean="0">
+                            <a:latin typeface="Cambria Math" panose="02040503050406030204" pitchFamily="18" charset="0"/>
+                          </a:rPr>
+                          <m:t>𝑝</m:t>
+                        </m:r>
+                      </m:e>
+                    </m:acc>
+                    <m:r>
+                      <a:rPr lang="en-US" b="0" i="1" smtClean="0">
+                        <a:latin typeface="Cambria Math" panose="02040503050406030204" pitchFamily="18" charset="0"/>
+                      </a:rPr>
+                      <m:t>)</m:t>
+                    </m:r>
+                    <m:r>
+                      <a:rPr lang="en-US" i="1">
+                        <a:latin typeface="Cambria Math" panose="02040503050406030204" pitchFamily="18" charset="0"/>
+                      </a:rPr>
+                      <m:t>=</m:t>
+                    </m:r>
+                    <m:func>
+                      <m:funcPr>
+                        <m:ctrlPr>
+                          <a:rPr lang="en-US" i="1">
+                            <a:latin typeface="Cambria Math" panose="02040503050406030204" pitchFamily="18" charset="0"/>
+                          </a:rPr>
+                        </m:ctrlPr>
+                      </m:funcPr>
+                      <m:fName>
+                        <m:r>
+                          <m:rPr>
+                            <m:sty m:val="p"/>
+                          </m:rPr>
+                          <a:rPr lang="en-US">
+                            <a:latin typeface="Cambria Math" panose="02040503050406030204" pitchFamily="18" charset="0"/>
+                          </a:rPr>
+                          <m:t>ln</m:t>
+                        </m:r>
+                      </m:fName>
+                      <m:e>
+                        <m:d>
+                          <m:dPr>
+                            <m:ctrlPr>
+                              <a:rPr lang="en-US" i="1">
+                                <a:latin typeface="Cambria Math" panose="02040503050406030204" pitchFamily="18" charset="0"/>
+                              </a:rPr>
+                            </m:ctrlPr>
+                          </m:dPr>
+                          <m:e>
+                            <m:f>
+                              <m:fPr>
+                                <m:ctrlPr>
+                                  <a:rPr lang="en-US" i="1">
+                                    <a:latin typeface="Cambria Math" panose="02040503050406030204" pitchFamily="18" charset="0"/>
+                                  </a:rPr>
+                                </m:ctrlPr>
+                              </m:fPr>
+                              <m:num>
+                                <m:acc>
+                                  <m:accPr>
+                                    <m:chr m:val="̂"/>
+                                    <m:ctrlPr>
+                                      <a:rPr lang="en-US" i="1" smtClean="0">
+                                        <a:latin typeface="Cambria Math" panose="02040503050406030204" pitchFamily="18" charset="0"/>
+                                      </a:rPr>
+                                    </m:ctrlPr>
+                                  </m:accPr>
+                                  <m:e>
+                                    <m:r>
+                                      <a:rPr lang="en-US" b="0" i="1" smtClean="0">
+                                        <a:latin typeface="Cambria Math" panose="02040503050406030204" pitchFamily="18" charset="0"/>
+                                      </a:rPr>
+                                      <m:t>𝑝</m:t>
+                                    </m:r>
+                                  </m:e>
+                                </m:acc>
+                              </m:num>
+                              <m:den>
+                                <m:r>
+                                  <a:rPr lang="en-US" i="1">
+                                    <a:latin typeface="Cambria Math" panose="02040503050406030204" pitchFamily="18" charset="0"/>
+                                  </a:rPr>
+                                  <m:t>1−</m:t>
+                                </m:r>
+                                <m:acc>
+                                  <m:accPr>
+                                    <m:chr m:val="̂"/>
+                                    <m:ctrlPr>
+                                      <a:rPr lang="en-US" i="1" smtClean="0">
+                                        <a:latin typeface="Cambria Math" panose="02040503050406030204" pitchFamily="18" charset="0"/>
+                                      </a:rPr>
+                                    </m:ctrlPr>
+                                  </m:accPr>
+                                  <m:e>
+                                    <m:r>
+                                      <a:rPr lang="en-US" b="0" i="1" smtClean="0">
+                                        <a:latin typeface="Cambria Math" panose="02040503050406030204" pitchFamily="18" charset="0"/>
+                                      </a:rPr>
+                                      <m:t>𝑝</m:t>
+                                    </m:r>
+                                  </m:e>
+                                </m:acc>
+                              </m:den>
+                            </m:f>
+                          </m:e>
+                        </m:d>
+                      </m:e>
+                    </m:func>
+                    <m:r>
+                      <a:rPr lang="en-US" i="1">
+                        <a:latin typeface="Cambria Math" panose="02040503050406030204" pitchFamily="18" charset="0"/>
+                      </a:rPr>
+                      <m:t>=</m:t>
+                    </m:r>
+                  </m:oMath>
+                </a14:m>
+                <a:r>
+                  <a:rPr lang="en-US" dirty="0"/>
+                  <a:t> </a:t>
+                </a:r>
+                <a14:m>
+                  <m:oMath xmlns:m="http://schemas.openxmlformats.org/officeDocument/2006/math">
+                    <m:r>
+                      <a:rPr lang="en-US" b="0" i="1" dirty="0" smtClean="0">
+                        <a:latin typeface="Cambria Math" panose="02040503050406030204" pitchFamily="18" charset="0"/>
+                      </a:rPr>
+                      <m:t>𝑔</m:t>
+                    </m:r>
+                    <m:r>
+                      <a:rPr lang="en-US" b="0" i="1" dirty="0" smtClean="0">
+                        <a:latin typeface="Cambria Math" panose="02040503050406030204" pitchFamily="18" charset="0"/>
+                      </a:rPr>
+                      <m:t>(</m:t>
+                    </m:r>
+                    <m:r>
+                      <a:rPr lang="en-US" b="0" i="1" dirty="0" smtClean="0">
+                        <a:latin typeface="Cambria Math" panose="02040503050406030204" pitchFamily="18" charset="0"/>
+                      </a:rPr>
+                      <m:t>𝑥</m:t>
+                    </m:r>
+                    <m:r>
+                      <a:rPr lang="en-US" b="0" i="1" dirty="0" smtClean="0">
+                        <a:latin typeface="Cambria Math" panose="02040503050406030204" pitchFamily="18" charset="0"/>
+                      </a:rPr>
+                      <m:t>)</m:t>
+                    </m:r>
+                  </m:oMath>
                 </a14:m>
                 <a:endParaRPr lang="en-US" dirty="0"/>
               </a:p>
@@ -7675,8 +7797,8 @@
             </p:nvSpPr>
             <p:spPr>
               <a:xfrm>
-                <a:off x="236665" y="1771690"/>
-                <a:ext cx="6021264" cy="714683"/>
+                <a:off x="835432" y="1623954"/>
+                <a:ext cx="2938368" cy="530466"/>
               </a:xfrm>
               <a:prstGeom prst="rect">
                 <a:avLst/>
@@ -7684,7 +7806,7 @@
               <a:blipFill>
                 <a:blip r:embed="rId4"/>
                 <a:stretch>
-                  <a:fillRect/>
+                  <a:fillRect l="-622" t="-1149" b="-2299"/>
                 </a:stretch>
               </a:blipFill>
             </p:spPr>
@@ -7703,541 +7825,6 @@
           </p:sp>
         </mc:Fallback>
       </mc:AlternateContent>
-      <p:graphicFrame>
-        <p:nvGraphicFramePr>
-          <p:cNvPr id="13" name="Table 12">
-            <a:extLst>
-              <a:ext uri="{FF2B5EF4-FFF2-40B4-BE49-F238E27FC236}">
-                <a16:creationId xmlns:a16="http://schemas.microsoft.com/office/drawing/2014/main" id="{7C30F62F-A4BE-4DBF-9D08-4731D4C76F74}"/>
-              </a:ext>
-            </a:extLst>
-          </p:cNvPr>
-          <p:cNvGraphicFramePr>
-            <a:graphicFrameLocks noGrp="1"/>
-          </p:cNvGraphicFramePr>
-          <p:nvPr>
-            <p:extLst>
-              <p:ext uri="{D42A27DB-BD31-4B8C-83A1-F6EECF244321}">
-                <p14:modId xmlns:p14="http://schemas.microsoft.com/office/powerpoint/2010/main" val="557231780"/>
-              </p:ext>
-            </p:extLst>
-          </p:nvPr>
-        </p:nvGraphicFramePr>
-        <p:xfrm>
-          <a:off x="6103620" y="1535430"/>
-          <a:ext cx="5859336" cy="4028355"/>
-        </p:xfrm>
-        <a:graphic>
-          <a:graphicData uri="http://schemas.openxmlformats.org/drawingml/2006/table">
-            <a:tbl>
-              <a:tblPr firstRow="1" bandRow="1">
-                <a:tableStyleId>{5C22544A-7EE6-4342-B048-85BDC9FD1C3A}</a:tableStyleId>
-              </a:tblPr>
-              <a:tblGrid>
-                <a:gridCol w="1600200">
-                  <a:extLst>
-                    <a:ext uri="{9D8B030D-6E8A-4147-A177-3AD203B41FA5}">
-                      <a16:colId xmlns:a16="http://schemas.microsoft.com/office/drawing/2014/main" val="3046630061"/>
-                    </a:ext>
-                  </a:extLst>
-                </a:gridCol>
-                <a:gridCol w="828675">
-                  <a:extLst>
-                    <a:ext uri="{9D8B030D-6E8A-4147-A177-3AD203B41FA5}">
-                      <a16:colId xmlns:a16="http://schemas.microsoft.com/office/drawing/2014/main" val="892586369"/>
-                    </a:ext>
-                  </a:extLst>
-                </a:gridCol>
-                <a:gridCol w="942975">
-                  <a:extLst>
-                    <a:ext uri="{9D8B030D-6E8A-4147-A177-3AD203B41FA5}">
-                      <a16:colId xmlns:a16="http://schemas.microsoft.com/office/drawing/2014/main" val="299683461"/>
-                    </a:ext>
-                  </a:extLst>
-                </a:gridCol>
-                <a:gridCol w="847725">
-                  <a:extLst>
-                    <a:ext uri="{9D8B030D-6E8A-4147-A177-3AD203B41FA5}">
-                      <a16:colId xmlns:a16="http://schemas.microsoft.com/office/drawing/2014/main" val="883393744"/>
-                    </a:ext>
-                  </a:extLst>
-                </a:gridCol>
-                <a:gridCol w="832901">
-                  <a:extLst>
-                    <a:ext uri="{9D8B030D-6E8A-4147-A177-3AD203B41FA5}">
-                      <a16:colId xmlns:a16="http://schemas.microsoft.com/office/drawing/2014/main" val="2325041783"/>
-                    </a:ext>
-                  </a:extLst>
-                </a:gridCol>
-                <a:gridCol w="806860">
-                  <a:extLst>
-                    <a:ext uri="{9D8B030D-6E8A-4147-A177-3AD203B41FA5}">
-                      <a16:colId xmlns:a16="http://schemas.microsoft.com/office/drawing/2014/main" val="3296009009"/>
-                    </a:ext>
-                  </a:extLst>
-                </a:gridCol>
-              </a:tblGrid>
-              <a:tr h="914400">
-                <a:tc>
-                  <a:txBody>
-                    <a:bodyPr/>
-                    <a:lstStyle/>
-                    <a:p>
-                      <a:r>
-                        <a:rPr lang="en-US" dirty="0"/>
-                        <a:t>Variable Name</a:t>
-                      </a:r>
-                    </a:p>
-                  </a:txBody>
-                  <a:tcPr/>
-                </a:tc>
-                <a:tc>
-                  <a:txBody>
-                    <a:bodyPr/>
-                    <a:lstStyle/>
-                    <a:p>
-                      <a:r>
-                        <a:rPr lang="en-US" dirty="0"/>
-                        <a:t>exp(</a:t>
-                      </a:r>
-                      <a:r>
-                        <a:rPr lang="el-GR" dirty="0"/>
-                        <a:t>β</a:t>
-                      </a:r>
-                      <a:r>
-                        <a:rPr lang="en-US" dirty="0"/>
-                        <a:t>)</a:t>
-                      </a:r>
-                    </a:p>
-                  </a:txBody>
-                  <a:tcPr/>
-                </a:tc>
-                <a:tc>
-                  <a:txBody>
-                    <a:bodyPr/>
-                    <a:lstStyle/>
-                    <a:p>
-                      <a:r>
-                        <a:rPr lang="en-US" dirty="0"/>
-                        <a:t>Std. Error</a:t>
-                      </a:r>
-                    </a:p>
-                  </a:txBody>
-                  <a:tcPr/>
-                </a:tc>
-                <a:tc>
-                  <a:txBody>
-                    <a:bodyPr/>
-                    <a:lstStyle/>
-                    <a:p>
-                      <a:r>
-                        <a:rPr lang="en-US" dirty="0"/>
-                        <a:t>2.5%</a:t>
-                      </a:r>
-                    </a:p>
-                  </a:txBody>
-                  <a:tcPr/>
-                </a:tc>
-                <a:tc>
-                  <a:txBody>
-                    <a:bodyPr/>
-                    <a:lstStyle/>
-                    <a:p>
-                      <a:r>
-                        <a:rPr lang="en-US" dirty="0"/>
-                        <a:t>97.5%</a:t>
-                      </a:r>
-                    </a:p>
-                  </a:txBody>
-                  <a:tcPr/>
-                </a:tc>
-                <a:tc>
-                  <a:txBody>
-                    <a:bodyPr/>
-                    <a:lstStyle/>
-                    <a:p>
-                      <a:r>
-                        <a:rPr lang="en-US" dirty="0"/>
-                        <a:t>P-Value</a:t>
-                      </a:r>
-                    </a:p>
-                  </a:txBody>
-                  <a:tcPr/>
-                </a:tc>
-                <a:extLst>
-                  <a:ext uri="{0D108BD9-81ED-4DB2-BD59-A6C34878D82A}">
-                    <a16:rowId xmlns:a16="http://schemas.microsoft.com/office/drawing/2014/main" val="176774479"/>
-                  </a:ext>
-                </a:extLst>
-              </a:tr>
-              <a:tr h="703151">
-                <a:tc>
-                  <a:txBody>
-                    <a:bodyPr/>
-                    <a:lstStyle/>
-                    <a:p>
-                      <a:r>
-                        <a:rPr lang="en-US" dirty="0">
-                          <a:solidFill>
-                            <a:srgbClr val="FF0000"/>
-                          </a:solidFill>
-                        </a:rPr>
-                        <a:t>Social Grade AB</a:t>
-                      </a:r>
-                    </a:p>
-                  </a:txBody>
-                  <a:tcPr/>
-                </a:tc>
-                <a:tc>
-                  <a:txBody>
-                    <a:bodyPr/>
-                    <a:lstStyle/>
-                    <a:p>
-                      <a:r>
-                        <a:rPr lang="en-US" dirty="0"/>
-                        <a:t>0.83</a:t>
-                      </a:r>
-                    </a:p>
-                  </a:txBody>
-                  <a:tcPr/>
-                </a:tc>
-                <a:tc>
-                  <a:txBody>
-                    <a:bodyPr/>
-                    <a:lstStyle/>
-                    <a:p>
-                      <a:r>
-                        <a:rPr lang="en-US" dirty="0"/>
-                        <a:t>0.07</a:t>
-                      </a:r>
-                    </a:p>
-                  </a:txBody>
-                  <a:tcPr/>
-                </a:tc>
-                <a:tc>
-                  <a:txBody>
-                    <a:bodyPr/>
-                    <a:lstStyle/>
-                    <a:p>
-                      <a:r>
-                        <a:rPr lang="en-US" dirty="0"/>
-                        <a:t>0.71</a:t>
-                      </a:r>
-                    </a:p>
-                  </a:txBody>
-                  <a:tcPr/>
-                </a:tc>
-                <a:tc>
-                  <a:txBody>
-                    <a:bodyPr/>
-                    <a:lstStyle/>
-                    <a:p>
-                      <a:r>
-                        <a:rPr lang="en-US" dirty="0"/>
-                        <a:t>0.95</a:t>
-                      </a:r>
-                    </a:p>
-                  </a:txBody>
-                  <a:tcPr/>
-                </a:tc>
-                <a:tc>
-                  <a:txBody>
-                    <a:bodyPr/>
-                    <a:lstStyle/>
-                    <a:p>
-                      <a:r>
-                        <a:rPr lang="en-US" dirty="0"/>
-                        <a:t>&lt;0.05</a:t>
-                      </a:r>
-                    </a:p>
-                  </a:txBody>
-                  <a:tcPr/>
-                </a:tc>
-                <a:extLst>
-                  <a:ext uri="{0D108BD9-81ED-4DB2-BD59-A6C34878D82A}">
-                    <a16:rowId xmlns:a16="http://schemas.microsoft.com/office/drawing/2014/main" val="766567647"/>
-                  </a:ext>
-                </a:extLst>
-              </a:tr>
-              <a:tr h="1004502">
-                <a:tc>
-                  <a:txBody>
-                    <a:bodyPr/>
-                    <a:lstStyle/>
-                    <a:p>
-                      <a:r>
-                        <a:rPr lang="en-US" dirty="0">
-                          <a:solidFill>
-                            <a:srgbClr val="FF0000"/>
-                          </a:solidFill>
-                        </a:rPr>
-                        <a:t>Conservative Vote Share 2017</a:t>
-                      </a:r>
-                    </a:p>
-                  </a:txBody>
-                  <a:tcPr/>
-                </a:tc>
-                <a:tc>
-                  <a:txBody>
-                    <a:bodyPr/>
-                    <a:lstStyle/>
-                    <a:p>
-                      <a:r>
-                        <a:rPr lang="en-US" dirty="0"/>
-                        <a:t>1.24</a:t>
-                      </a:r>
-                    </a:p>
-                  </a:txBody>
-                  <a:tcPr/>
-                </a:tc>
-                <a:tc>
-                  <a:txBody>
-                    <a:bodyPr/>
-                    <a:lstStyle/>
-                    <a:p>
-                      <a:r>
-                        <a:rPr lang="en-US" dirty="0"/>
-                        <a:t>0.04</a:t>
-                      </a:r>
-                    </a:p>
-                  </a:txBody>
-                  <a:tcPr/>
-                </a:tc>
-                <a:tc>
-                  <a:txBody>
-                    <a:bodyPr/>
-                    <a:lstStyle/>
-                    <a:p>
-                      <a:r>
-                        <a:rPr lang="en-US" dirty="0"/>
-                        <a:t>1.16</a:t>
-                      </a:r>
-                    </a:p>
-                  </a:txBody>
-                  <a:tcPr/>
-                </a:tc>
-                <a:tc>
-                  <a:txBody>
-                    <a:bodyPr/>
-                    <a:lstStyle/>
-                    <a:p>
-                      <a:r>
-                        <a:rPr lang="en-US" dirty="0"/>
-                        <a:t>1.36</a:t>
-                      </a:r>
-                    </a:p>
-                  </a:txBody>
-                  <a:tcPr/>
-                </a:tc>
-                <a:tc>
-                  <a:txBody>
-                    <a:bodyPr/>
-                    <a:lstStyle/>
-                    <a:p>
-                      <a:r>
-                        <a:rPr lang="en-US" dirty="0"/>
-                        <a:t>&lt;0.05</a:t>
-                      </a:r>
-                    </a:p>
-                  </a:txBody>
-                  <a:tcPr/>
-                </a:tc>
-                <a:extLst>
-                  <a:ext uri="{0D108BD9-81ED-4DB2-BD59-A6C34878D82A}">
-                    <a16:rowId xmlns:a16="http://schemas.microsoft.com/office/drawing/2014/main" val="2414665638"/>
-                  </a:ext>
-                </a:extLst>
-              </a:tr>
-              <a:tr h="703151">
-                <a:tc>
-                  <a:txBody>
-                    <a:bodyPr/>
-                    <a:lstStyle/>
-                    <a:p>
-                      <a:r>
-                        <a:rPr lang="en-US" dirty="0" err="1">
-                          <a:solidFill>
-                            <a:srgbClr val="FF0000"/>
-                          </a:solidFill>
-                        </a:rPr>
-                        <a:t>LibDem</a:t>
-                      </a:r>
-                      <a:r>
-                        <a:rPr lang="en-US" dirty="0">
-                          <a:solidFill>
-                            <a:srgbClr val="FF0000"/>
-                          </a:solidFill>
-                        </a:rPr>
-                        <a:t> Vote Share 2017</a:t>
-                      </a:r>
-                    </a:p>
-                  </a:txBody>
-                  <a:tcPr/>
-                </a:tc>
-                <a:tc>
-                  <a:txBody>
-                    <a:bodyPr/>
-                    <a:lstStyle/>
-                    <a:p>
-                      <a:r>
-                        <a:rPr lang="en-US" dirty="0"/>
-                        <a:t>1.09</a:t>
-                      </a:r>
-                    </a:p>
-                  </a:txBody>
-                  <a:tcPr/>
-                </a:tc>
-                <a:tc>
-                  <a:txBody>
-                    <a:bodyPr/>
-                    <a:lstStyle/>
-                    <a:p>
-                      <a:r>
-                        <a:rPr lang="en-US" dirty="0"/>
-                        <a:t>0.03</a:t>
-                      </a:r>
-                    </a:p>
-                  </a:txBody>
-                  <a:tcPr/>
-                </a:tc>
-                <a:tc>
-                  <a:txBody>
-                    <a:bodyPr/>
-                    <a:lstStyle/>
-                    <a:p>
-                      <a:r>
-                        <a:rPr lang="en-US" dirty="0"/>
-                        <a:t>1.04</a:t>
-                      </a:r>
-                    </a:p>
-                  </a:txBody>
-                  <a:tcPr/>
-                </a:tc>
-                <a:tc>
-                  <a:txBody>
-                    <a:bodyPr/>
-                    <a:lstStyle/>
-                    <a:p>
-                      <a:r>
-                        <a:rPr lang="en-US" dirty="0"/>
-                        <a:t>1.16</a:t>
-                      </a:r>
-                    </a:p>
-                  </a:txBody>
-                  <a:tcPr/>
-                </a:tc>
-                <a:tc>
-                  <a:txBody>
-                    <a:bodyPr/>
-                    <a:lstStyle/>
-                    <a:p>
-                      <a:r>
-                        <a:rPr lang="en-US" dirty="0"/>
-                        <a:t>&lt;0.05</a:t>
-                      </a:r>
-                    </a:p>
-                  </a:txBody>
-                  <a:tcPr/>
-                </a:tc>
-                <a:extLst>
-                  <a:ext uri="{0D108BD9-81ED-4DB2-BD59-A6C34878D82A}">
-                    <a16:rowId xmlns:a16="http://schemas.microsoft.com/office/drawing/2014/main" val="3182045812"/>
-                  </a:ext>
-                </a:extLst>
-              </a:tr>
-              <a:tr h="703151">
-                <a:tc>
-                  <a:txBody>
-                    <a:bodyPr/>
-                    <a:lstStyle/>
-                    <a:p>
-                      <a:r>
-                        <a:rPr lang="en-US" dirty="0">
-                          <a:solidFill>
-                            <a:srgbClr val="FF0000"/>
-                          </a:solidFill>
-                        </a:rPr>
-                        <a:t>Leave EU Vote</a:t>
-                      </a:r>
-                    </a:p>
-                  </a:txBody>
-                  <a:tcPr/>
-                </a:tc>
-                <a:tc>
-                  <a:txBody>
-                    <a:bodyPr/>
-                    <a:lstStyle/>
-                    <a:p>
-                      <a:r>
-                        <a:rPr lang="en-US" dirty="0"/>
-                        <a:t>0.82</a:t>
-                      </a:r>
-                    </a:p>
-                  </a:txBody>
-                  <a:tcPr/>
-                </a:tc>
-                <a:tc>
-                  <a:txBody>
-                    <a:bodyPr/>
-                    <a:lstStyle/>
-                    <a:p>
-                      <a:r>
-                        <a:rPr lang="en-US" dirty="0"/>
-                        <a:t>0.06</a:t>
-                      </a:r>
-                    </a:p>
-                  </a:txBody>
-                  <a:tcPr/>
-                </a:tc>
-                <a:tc>
-                  <a:txBody>
-                    <a:bodyPr/>
-                    <a:lstStyle/>
-                    <a:p>
-                      <a:r>
-                        <a:rPr lang="en-US" dirty="0"/>
-                        <a:t>0.73</a:t>
-                      </a:r>
-                    </a:p>
-                  </a:txBody>
-                  <a:tcPr/>
-                </a:tc>
-                <a:tc>
-                  <a:txBody>
-                    <a:bodyPr/>
-                    <a:lstStyle/>
-                    <a:p>
-                      <a:r>
-                        <a:rPr lang="en-US" dirty="0"/>
-                        <a:t>0.91</a:t>
-                      </a:r>
-                    </a:p>
-                  </a:txBody>
-                  <a:tcPr/>
-                </a:tc>
-                <a:tc>
-                  <a:txBody>
-                    <a:bodyPr/>
-                    <a:lstStyle/>
-                    <a:p>
-                      <a:r>
-                        <a:rPr lang="en-US" dirty="0"/>
-                        <a:t>&lt;0.05</a:t>
-                      </a:r>
-                    </a:p>
-                  </a:txBody>
-                  <a:tcPr/>
-                </a:tc>
-                <a:extLst>
-                  <a:ext uri="{0D108BD9-81ED-4DB2-BD59-A6C34878D82A}">
-                    <a16:rowId xmlns:a16="http://schemas.microsoft.com/office/drawing/2014/main" val="1121486022"/>
-                  </a:ext>
-                </a:extLst>
-              </a:tr>
-            </a:tbl>
-          </a:graphicData>
-        </a:graphic>
-      </p:graphicFrame>
       <mc:AlternateContent xmlns:mc="http://schemas.openxmlformats.org/markup-compatibility/2006">
         <mc:Choice xmlns:a14="http://schemas.microsoft.com/office/drawing/2010/main" Requires="a14">
           <p:sp>
@@ -8254,8 +7841,8 @@
             </p:nvSpPr>
             <p:spPr>
               <a:xfrm>
-                <a:off x="482490" y="2794099"/>
-                <a:ext cx="5495925" cy="3409972"/>
+                <a:off x="902235" y="4231389"/>
+                <a:ext cx="5743129" cy="3416320"/>
               </a:xfrm>
               <a:prstGeom prst="rect">
                 <a:avLst/>
@@ -8284,17 +7871,41 @@
                       <m:jc m:val="centerGroup"/>
                     </m:oMathParaPr>
                     <m:oMath xmlns:m="http://schemas.openxmlformats.org/officeDocument/2006/math">
-                      <m:r>
-                        <a:rPr lang="en-US" i="1">
-                          <a:latin typeface="Cambria Math" panose="02040503050406030204" pitchFamily="18" charset="0"/>
-                        </a:rPr>
-                        <m:t>𝑝</m:t>
-                      </m:r>
+                      <m:acc>
+                        <m:accPr>
+                          <m:chr m:val="̂"/>
+                          <m:ctrlPr>
+                            <a:rPr lang="en-US" i="1" smtClean="0">
+                              <a:latin typeface="Cambria Math" panose="02040503050406030204" pitchFamily="18" charset="0"/>
+                            </a:rPr>
+                          </m:ctrlPr>
+                        </m:accPr>
+                        <m:e>
+                          <m:r>
+                            <a:rPr lang="en-US" b="0" i="1" smtClean="0">
+                              <a:latin typeface="Cambria Math" panose="02040503050406030204" pitchFamily="18" charset="0"/>
+                            </a:rPr>
+                            <m:t>𝑝</m:t>
+                          </m:r>
+                        </m:e>
+                      </m:acc>
                       <m:r>
                         <a:rPr lang="en-US" i="1">
                           <a:latin typeface="Cambria Math" panose="02040503050406030204" pitchFamily="18" charset="0"/>
                         </a:rPr>
                         <m:t>=</m:t>
+                      </m:r>
+                      <m:r>
+                        <a:rPr lang="en-US" b="0" i="1" smtClean="0">
+                          <a:latin typeface="Cambria Math" panose="02040503050406030204" pitchFamily="18" charset="0"/>
+                        </a:rPr>
+                        <m:t>𝑒𝑥𝑝𝑒𝑐𝑡𝑒𝑑</m:t>
+                      </m:r>
+                      <m:r>
+                        <a:rPr lang="en-US" b="0" i="1" smtClean="0">
+                          <a:latin typeface="Cambria Math" panose="02040503050406030204" pitchFamily="18" charset="0"/>
+                        </a:rPr>
+                        <m:t> </m:t>
                       </m:r>
                       <m:r>
                         <a:rPr lang="en-US" i="1">
@@ -8356,18 +7967,6 @@
                         </a:rPr>
                         <m:t> </m:t>
                       </m:r>
-                      <m:r>
-                        <a:rPr lang="en-US" i="1">
-                          <a:latin typeface="Cambria Math" panose="02040503050406030204" pitchFamily="18" charset="0"/>
-                        </a:rPr>
-                        <m:t>𝑙𝑜𝑠𝑖𝑛𝑔</m:t>
-                      </m:r>
-                      <m:r>
-                        <a:rPr lang="en-US" i="1">
-                          <a:latin typeface="Cambria Math" panose="02040503050406030204" pitchFamily="18" charset="0"/>
-                        </a:rPr>
-                        <m:t> </m:t>
-                      </m:r>
                     </m:oMath>
                   </m:oMathPara>
                 </a14:m>
@@ -8382,6 +7981,18 @@
                       <m:jc m:val="centerGroup"/>
                     </m:oMathParaPr>
                     <m:oMath xmlns:m="http://schemas.openxmlformats.org/officeDocument/2006/math">
+                      <m:r>
+                        <a:rPr lang="en-US" i="1">
+                          <a:latin typeface="Cambria Math" panose="02040503050406030204" pitchFamily="18" charset="0"/>
+                        </a:rPr>
+                        <m:t>𝑙𝑜𝑠𝑖𝑛𝑔</m:t>
+                      </m:r>
+                      <m:r>
+                        <a:rPr lang="en-US" i="1">
+                          <a:latin typeface="Cambria Math" panose="02040503050406030204" pitchFamily="18" charset="0"/>
+                        </a:rPr>
+                        <m:t> </m:t>
+                      </m:r>
                       <m:r>
                         <a:rPr lang="en-US" i="1">
                           <a:latin typeface="Cambria Math" panose="02040503050406030204" pitchFamily="18" charset="0"/>
@@ -8782,8 +8393,8 @@
             </p:nvSpPr>
             <p:spPr>
               <a:xfrm>
-                <a:off x="482490" y="2794099"/>
-                <a:ext cx="5495925" cy="3409972"/>
+                <a:off x="902235" y="4231389"/>
+                <a:ext cx="5743129" cy="3416320"/>
               </a:xfrm>
               <a:prstGeom prst="rect">
                 <a:avLst/>
@@ -8791,7 +8402,7 @@
               <a:blipFill>
                 <a:blip r:embed="rId5"/>
                 <a:stretch>
-                  <a:fillRect l="-887" t="-893"/>
+                  <a:fillRect l="-849" t="-891"/>
                 </a:stretch>
               </a:blipFill>
             </p:spPr>
@@ -8810,6 +8421,885 @@
           </p:sp>
         </mc:Fallback>
       </mc:AlternateContent>
+      <mc:AlternateContent xmlns:mc="http://schemas.openxmlformats.org/markup-compatibility/2006">
+        <mc:Choice xmlns:a14="http://schemas.microsoft.com/office/drawing/2010/main" Requires="a14">
+          <p:sp>
+            <p:nvSpPr>
+              <p:cNvPr id="15" name="Rectangle 14">
+                <a:extLst>
+                  <a:ext uri="{FF2B5EF4-FFF2-40B4-BE49-F238E27FC236}">
+                    <a16:creationId xmlns:a16="http://schemas.microsoft.com/office/drawing/2014/main" id="{33B769B9-2F3D-4F87-A1B0-A1451F94A712}"/>
+                  </a:ext>
+                </a:extLst>
+              </p:cNvPr>
+              <p:cNvSpPr/>
+              <p:nvPr/>
+            </p:nvSpPr>
+            <p:spPr>
+              <a:xfrm>
+                <a:off x="851408" y="3483431"/>
+                <a:ext cx="4216282" cy="369332"/>
+              </a:xfrm>
+              <a:prstGeom prst="rect">
+                <a:avLst/>
+              </a:prstGeom>
+            </p:spPr>
+            <p:txBody>
+              <a:bodyPr wrap="none">
+                <a:spAutoFit/>
+              </a:bodyPr>
+              <a:lstStyle/>
+              <a:p>
+                <a:pPr/>
+                <a14:m>
+                  <m:oMathPara xmlns:m="http://schemas.openxmlformats.org/officeDocument/2006/math">
+                    <m:oMathParaPr>
+                      <m:jc m:val="left"/>
+                    </m:oMathParaPr>
+                    <m:oMath xmlns:m="http://schemas.openxmlformats.org/officeDocument/2006/math">
+                      <m:r>
+                        <a:rPr lang="en-US" b="0" i="1" dirty="0" smtClean="0">
+                          <a:latin typeface="Cambria Math" panose="02040503050406030204" pitchFamily="18" charset="0"/>
+                        </a:rPr>
+                        <m:t>𝑔</m:t>
+                      </m:r>
+                      <m:d>
+                        <m:dPr>
+                          <m:ctrlPr>
+                            <a:rPr lang="en-US" b="0" i="1" dirty="0" smtClean="0">
+                              <a:latin typeface="Cambria Math" panose="02040503050406030204" pitchFamily="18" charset="0"/>
+                            </a:rPr>
+                          </m:ctrlPr>
+                        </m:dPr>
+                        <m:e>
+                          <m:r>
+                            <a:rPr lang="en-US" b="0" i="1" dirty="0" smtClean="0">
+                              <a:latin typeface="Cambria Math" panose="02040503050406030204" pitchFamily="18" charset="0"/>
+                            </a:rPr>
+                            <m:t>𝑥</m:t>
+                          </m:r>
+                        </m:e>
+                      </m:d>
+                      <m:r>
+                        <a:rPr lang="en-US" b="0" i="1" dirty="0" smtClean="0">
+                          <a:latin typeface="Cambria Math" panose="02040503050406030204" pitchFamily="18" charset="0"/>
+                        </a:rPr>
+                        <m:t>=</m:t>
+                      </m:r>
+                      <m:sSub>
+                        <m:sSubPr>
+                          <m:ctrlPr>
+                            <a:rPr lang="en-US" i="1" smtClean="0">
+                              <a:latin typeface="Cambria Math" panose="02040503050406030204" pitchFamily="18" charset="0"/>
+                            </a:rPr>
+                          </m:ctrlPr>
+                        </m:sSubPr>
+                        <m:e>
+                          <m:r>
+                            <a:rPr lang="en-US" i="1">
+                              <a:latin typeface="Cambria Math" panose="02040503050406030204" pitchFamily="18" charset="0"/>
+                            </a:rPr>
+                            <m:t>𝛽</m:t>
+                          </m:r>
+                        </m:e>
+                        <m:sub>
+                          <m:r>
+                            <a:rPr lang="en-US" i="1">
+                              <a:latin typeface="Cambria Math" panose="02040503050406030204" pitchFamily="18" charset="0"/>
+                            </a:rPr>
+                            <m:t>0</m:t>
+                          </m:r>
+                        </m:sub>
+                      </m:sSub>
+                      <m:r>
+                        <a:rPr lang="en-US" i="1">
+                          <a:latin typeface="Cambria Math" panose="02040503050406030204" pitchFamily="18" charset="0"/>
+                        </a:rPr>
+                        <m:t>+ </m:t>
+                      </m:r>
+                      <m:sSub>
+                        <m:sSubPr>
+                          <m:ctrlPr>
+                            <a:rPr lang="en-US" i="1">
+                              <a:latin typeface="Cambria Math" panose="02040503050406030204" pitchFamily="18" charset="0"/>
+                            </a:rPr>
+                          </m:ctrlPr>
+                        </m:sSubPr>
+                        <m:e>
+                          <m:r>
+                            <a:rPr lang="en-US" i="1">
+                              <a:latin typeface="Cambria Math" panose="02040503050406030204" pitchFamily="18" charset="0"/>
+                            </a:rPr>
+                            <m:t>𝛽</m:t>
+                          </m:r>
+                        </m:e>
+                        <m:sub>
+                          <m:r>
+                            <a:rPr lang="en-US" i="1">
+                              <a:latin typeface="Cambria Math" panose="02040503050406030204" pitchFamily="18" charset="0"/>
+                            </a:rPr>
+                            <m:t>1</m:t>
+                          </m:r>
+                        </m:sub>
+                      </m:sSub>
+                      <m:sSub>
+                        <m:sSubPr>
+                          <m:ctrlPr>
+                            <a:rPr lang="en-US" i="1">
+                              <a:latin typeface="Cambria Math" panose="02040503050406030204" pitchFamily="18" charset="0"/>
+                            </a:rPr>
+                          </m:ctrlPr>
+                        </m:sSubPr>
+                        <m:e>
+                          <m:r>
+                            <a:rPr lang="en-US" i="1">
+                              <a:latin typeface="Cambria Math" panose="02040503050406030204" pitchFamily="18" charset="0"/>
+                            </a:rPr>
+                            <m:t>𝑥</m:t>
+                          </m:r>
+                        </m:e>
+                        <m:sub>
+                          <m:r>
+                            <a:rPr lang="en-US" i="1">
+                              <a:latin typeface="Cambria Math" panose="02040503050406030204" pitchFamily="18" charset="0"/>
+                            </a:rPr>
+                            <m:t>1</m:t>
+                          </m:r>
+                        </m:sub>
+                      </m:sSub>
+                      <m:r>
+                        <a:rPr lang="en-US" i="1">
+                          <a:latin typeface="Cambria Math" panose="02040503050406030204" pitchFamily="18" charset="0"/>
+                        </a:rPr>
+                        <m:t>+</m:t>
+                      </m:r>
+                      <m:sSub>
+                        <m:sSubPr>
+                          <m:ctrlPr>
+                            <a:rPr lang="en-US" i="1">
+                              <a:latin typeface="Cambria Math" panose="02040503050406030204" pitchFamily="18" charset="0"/>
+                            </a:rPr>
+                          </m:ctrlPr>
+                        </m:sSubPr>
+                        <m:e>
+                          <m:r>
+                            <a:rPr lang="en-US" i="1">
+                              <a:latin typeface="Cambria Math" panose="02040503050406030204" pitchFamily="18" charset="0"/>
+                            </a:rPr>
+                            <m:t>𝛽</m:t>
+                          </m:r>
+                        </m:e>
+                        <m:sub>
+                          <m:r>
+                            <a:rPr lang="en-US" i="1">
+                              <a:latin typeface="Cambria Math" panose="02040503050406030204" pitchFamily="18" charset="0"/>
+                            </a:rPr>
+                            <m:t>2</m:t>
+                          </m:r>
+                        </m:sub>
+                      </m:sSub>
+                      <m:sSub>
+                        <m:sSubPr>
+                          <m:ctrlPr>
+                            <a:rPr lang="en-US" i="1">
+                              <a:latin typeface="Cambria Math" panose="02040503050406030204" pitchFamily="18" charset="0"/>
+                            </a:rPr>
+                          </m:ctrlPr>
+                        </m:sSubPr>
+                        <m:e>
+                          <m:r>
+                            <a:rPr lang="en-US" i="1">
+                              <a:latin typeface="Cambria Math" panose="02040503050406030204" pitchFamily="18" charset="0"/>
+                            </a:rPr>
+                            <m:t>𝑥</m:t>
+                          </m:r>
+                        </m:e>
+                        <m:sub>
+                          <m:r>
+                            <a:rPr lang="en-US" i="1">
+                              <a:latin typeface="Cambria Math" panose="02040503050406030204" pitchFamily="18" charset="0"/>
+                            </a:rPr>
+                            <m:t>2</m:t>
+                          </m:r>
+                        </m:sub>
+                      </m:sSub>
+                      <m:r>
+                        <a:rPr lang="en-US" i="1">
+                          <a:latin typeface="Cambria Math" panose="02040503050406030204" pitchFamily="18" charset="0"/>
+                        </a:rPr>
+                        <m:t>+</m:t>
+                      </m:r>
+                      <m:sSub>
+                        <m:sSubPr>
+                          <m:ctrlPr>
+                            <a:rPr lang="en-US" i="1">
+                              <a:latin typeface="Cambria Math" panose="02040503050406030204" pitchFamily="18" charset="0"/>
+                            </a:rPr>
+                          </m:ctrlPr>
+                        </m:sSubPr>
+                        <m:e>
+                          <m:r>
+                            <a:rPr lang="en-US" i="1">
+                              <a:latin typeface="Cambria Math" panose="02040503050406030204" pitchFamily="18" charset="0"/>
+                            </a:rPr>
+                            <m:t>𝛽</m:t>
+                          </m:r>
+                        </m:e>
+                        <m:sub>
+                          <m:r>
+                            <a:rPr lang="en-US" i="1">
+                              <a:latin typeface="Cambria Math" panose="02040503050406030204" pitchFamily="18" charset="0"/>
+                            </a:rPr>
+                            <m:t>3</m:t>
+                          </m:r>
+                        </m:sub>
+                      </m:sSub>
+                      <m:sSub>
+                        <m:sSubPr>
+                          <m:ctrlPr>
+                            <a:rPr lang="en-US" i="1">
+                              <a:latin typeface="Cambria Math" panose="02040503050406030204" pitchFamily="18" charset="0"/>
+                            </a:rPr>
+                          </m:ctrlPr>
+                        </m:sSubPr>
+                        <m:e>
+                          <m:r>
+                            <a:rPr lang="en-US" i="1">
+                              <a:latin typeface="Cambria Math" panose="02040503050406030204" pitchFamily="18" charset="0"/>
+                            </a:rPr>
+                            <m:t>𝑥</m:t>
+                          </m:r>
+                        </m:e>
+                        <m:sub>
+                          <m:r>
+                            <a:rPr lang="en-US" i="1">
+                              <a:latin typeface="Cambria Math" panose="02040503050406030204" pitchFamily="18" charset="0"/>
+                            </a:rPr>
+                            <m:t>3</m:t>
+                          </m:r>
+                        </m:sub>
+                      </m:sSub>
+                      <m:r>
+                        <a:rPr lang="en-US" i="1">
+                          <a:latin typeface="Cambria Math" panose="02040503050406030204" pitchFamily="18" charset="0"/>
+                        </a:rPr>
+                        <m:t>+</m:t>
+                      </m:r>
+                      <m:sSub>
+                        <m:sSubPr>
+                          <m:ctrlPr>
+                            <a:rPr lang="en-US" i="1">
+                              <a:latin typeface="Cambria Math" panose="02040503050406030204" pitchFamily="18" charset="0"/>
+                            </a:rPr>
+                          </m:ctrlPr>
+                        </m:sSubPr>
+                        <m:e>
+                          <m:r>
+                            <a:rPr lang="en-US" i="1">
+                              <a:latin typeface="Cambria Math" panose="02040503050406030204" pitchFamily="18" charset="0"/>
+                            </a:rPr>
+                            <m:t>𝛽</m:t>
+                          </m:r>
+                        </m:e>
+                        <m:sub>
+                          <m:r>
+                            <a:rPr lang="en-US" i="1">
+                              <a:latin typeface="Cambria Math" panose="02040503050406030204" pitchFamily="18" charset="0"/>
+                            </a:rPr>
+                            <m:t>4</m:t>
+                          </m:r>
+                        </m:sub>
+                      </m:sSub>
+                      <m:sSub>
+                        <m:sSubPr>
+                          <m:ctrlPr>
+                            <a:rPr lang="en-US" i="1">
+                              <a:latin typeface="Cambria Math" panose="02040503050406030204" pitchFamily="18" charset="0"/>
+                            </a:rPr>
+                          </m:ctrlPr>
+                        </m:sSubPr>
+                        <m:e>
+                          <m:r>
+                            <a:rPr lang="en-US" i="1">
+                              <a:latin typeface="Cambria Math" panose="02040503050406030204" pitchFamily="18" charset="0"/>
+                            </a:rPr>
+                            <m:t>𝑥</m:t>
+                          </m:r>
+                        </m:e>
+                        <m:sub>
+                          <m:r>
+                            <a:rPr lang="en-US" i="1">
+                              <a:latin typeface="Cambria Math" panose="02040503050406030204" pitchFamily="18" charset="0"/>
+                            </a:rPr>
+                            <m:t>4</m:t>
+                          </m:r>
+                        </m:sub>
+                      </m:sSub>
+                    </m:oMath>
+                  </m:oMathPara>
+                </a14:m>
+                <a:endParaRPr lang="en-US" dirty="0"/>
+              </a:p>
+            </p:txBody>
+          </p:sp>
+        </mc:Choice>
+        <mc:Fallback>
+          <p:sp>
+            <p:nvSpPr>
+              <p:cNvPr id="15" name="Rectangle 14">
+                <a:extLst>
+                  <a:ext uri="{FF2B5EF4-FFF2-40B4-BE49-F238E27FC236}">
+                    <a16:creationId xmlns:a16="http://schemas.microsoft.com/office/drawing/2014/main" id="{33B769B9-2F3D-4F87-A1B0-A1451F94A712}"/>
+                  </a:ext>
+                </a:extLst>
+              </p:cNvPr>
+              <p:cNvSpPr>
+                <a:spLocks noRot="1" noChangeAspect="1" noMove="1" noResize="1" noEditPoints="1" noAdjustHandles="1" noChangeArrowheads="1" noChangeShapeType="1" noTextEdit="1"/>
+              </p:cNvSpPr>
+              <p:nvPr/>
+            </p:nvSpPr>
+            <p:spPr>
+              <a:xfrm>
+                <a:off x="851408" y="3483431"/>
+                <a:ext cx="4216282" cy="369332"/>
+              </a:xfrm>
+              <a:prstGeom prst="rect">
+                <a:avLst/>
+              </a:prstGeom>
+              <a:blipFill>
+                <a:blip r:embed="rId6"/>
+                <a:stretch>
+                  <a:fillRect b="-13115"/>
+                </a:stretch>
+              </a:blipFill>
+            </p:spPr>
+            <p:txBody>
+              <a:bodyPr/>
+              <a:lstStyle/>
+              <a:p>
+                <a:r>
+                  <a:rPr lang="en-US">
+                    <a:noFill/>
+                  </a:rPr>
+                  <a:t> </a:t>
+                </a:r>
+              </a:p>
+            </p:txBody>
+          </p:sp>
+        </mc:Fallback>
+      </mc:AlternateContent>
+      <mc:AlternateContent xmlns:mc="http://schemas.openxmlformats.org/markup-compatibility/2006">
+        <mc:Choice xmlns:a14="http://schemas.microsoft.com/office/drawing/2010/main" Requires="a14">
+          <p:sp>
+            <p:nvSpPr>
+              <p:cNvPr id="16" name="Rectangle 15">
+                <a:extLst>
+                  <a:ext uri="{FF2B5EF4-FFF2-40B4-BE49-F238E27FC236}">
+                    <a16:creationId xmlns:a16="http://schemas.microsoft.com/office/drawing/2014/main" id="{B03D0932-316A-442A-925C-9187ED49F8BD}"/>
+                  </a:ext>
+                </a:extLst>
+              </p:cNvPr>
+              <p:cNvSpPr/>
+              <p:nvPr/>
+            </p:nvSpPr>
+            <p:spPr>
+              <a:xfrm>
+                <a:off x="835432" y="2488208"/>
+                <a:ext cx="1618648" cy="669735"/>
+              </a:xfrm>
+              <a:prstGeom prst="rect">
+                <a:avLst/>
+              </a:prstGeom>
+            </p:spPr>
+            <p:txBody>
+              <a:bodyPr wrap="none">
+                <a:spAutoFit/>
+              </a:bodyPr>
+              <a:lstStyle/>
+              <a:p>
+                <a:pPr/>
+                <a14:m>
+                  <m:oMathPara xmlns:m="http://schemas.openxmlformats.org/officeDocument/2006/math">
+                    <m:oMathParaPr>
+                      <m:jc m:val="left"/>
+                    </m:oMathParaPr>
+                    <m:oMath xmlns:m="http://schemas.openxmlformats.org/officeDocument/2006/math">
+                      <m:acc>
+                        <m:accPr>
+                          <m:chr m:val="̂"/>
+                          <m:ctrlPr>
+                            <a:rPr lang="en-US" i="1" smtClean="0">
+                              <a:latin typeface="Cambria Math" panose="02040503050406030204" pitchFamily="18" charset="0"/>
+                            </a:rPr>
+                          </m:ctrlPr>
+                        </m:accPr>
+                        <m:e>
+                          <m:r>
+                            <a:rPr lang="en-US" b="0" i="1" smtClean="0">
+                              <a:latin typeface="Cambria Math" panose="02040503050406030204" pitchFamily="18" charset="0"/>
+                            </a:rPr>
+                            <m:t>𝑝</m:t>
+                          </m:r>
+                        </m:e>
+                      </m:acc>
+                      <m:r>
+                        <a:rPr lang="en-US" b="0" i="1" smtClean="0">
+                          <a:latin typeface="Cambria Math" panose="02040503050406030204" pitchFamily="18" charset="0"/>
+                        </a:rPr>
+                        <m:t>= </m:t>
+                      </m:r>
+                      <m:f>
+                        <m:fPr>
+                          <m:ctrlPr>
+                            <a:rPr lang="en-US" b="0" i="1" smtClean="0">
+                              <a:latin typeface="Cambria Math" panose="02040503050406030204" pitchFamily="18" charset="0"/>
+                            </a:rPr>
+                          </m:ctrlPr>
+                        </m:fPr>
+                        <m:num>
+                          <m:sSup>
+                            <m:sSupPr>
+                              <m:ctrlPr>
+                                <a:rPr lang="en-US" b="0" i="1" smtClean="0">
+                                  <a:latin typeface="Cambria Math" panose="02040503050406030204" pitchFamily="18" charset="0"/>
+                                </a:rPr>
+                              </m:ctrlPr>
+                            </m:sSupPr>
+                            <m:e>
+                              <m:r>
+                                <a:rPr lang="en-US" b="0" i="1" smtClean="0">
+                                  <a:latin typeface="Cambria Math" panose="02040503050406030204" pitchFamily="18" charset="0"/>
+                                </a:rPr>
+                                <m:t>𝑒</m:t>
+                              </m:r>
+                            </m:e>
+                            <m:sup>
+                              <m:r>
+                                <a:rPr lang="en-US" b="0" i="1" smtClean="0">
+                                  <a:latin typeface="Cambria Math" panose="02040503050406030204" pitchFamily="18" charset="0"/>
+                                </a:rPr>
+                                <m:t>𝑔</m:t>
+                              </m:r>
+                              <m:r>
+                                <a:rPr lang="en-US" b="0" i="1" smtClean="0">
+                                  <a:latin typeface="Cambria Math" panose="02040503050406030204" pitchFamily="18" charset="0"/>
+                                </a:rPr>
+                                <m:t>(</m:t>
+                              </m:r>
+                              <m:r>
+                                <a:rPr lang="en-US" b="0" i="1" smtClean="0">
+                                  <a:latin typeface="Cambria Math" panose="02040503050406030204" pitchFamily="18" charset="0"/>
+                                </a:rPr>
+                                <m:t>𝑥</m:t>
+                              </m:r>
+                              <m:r>
+                                <a:rPr lang="en-US" b="0" i="1" smtClean="0">
+                                  <a:latin typeface="Cambria Math" panose="02040503050406030204" pitchFamily="18" charset="0"/>
+                                </a:rPr>
+                                <m:t>)</m:t>
+                              </m:r>
+                            </m:sup>
+                          </m:sSup>
+                        </m:num>
+                        <m:den>
+                          <m:r>
+                            <a:rPr lang="en-US" b="0" i="1" smtClean="0">
+                              <a:latin typeface="Cambria Math" panose="02040503050406030204" pitchFamily="18" charset="0"/>
+                            </a:rPr>
+                            <m:t>1+</m:t>
+                          </m:r>
+                          <m:sSup>
+                            <m:sSupPr>
+                              <m:ctrlPr>
+                                <a:rPr lang="en-US" b="0" i="1" smtClean="0">
+                                  <a:latin typeface="Cambria Math" panose="02040503050406030204" pitchFamily="18" charset="0"/>
+                                </a:rPr>
+                              </m:ctrlPr>
+                            </m:sSupPr>
+                            <m:e>
+                              <m:r>
+                                <a:rPr lang="en-US" b="0" i="1" smtClean="0">
+                                  <a:latin typeface="Cambria Math" panose="02040503050406030204" pitchFamily="18" charset="0"/>
+                                </a:rPr>
+                                <m:t>𝑒</m:t>
+                              </m:r>
+                            </m:e>
+                            <m:sup>
+                              <m:r>
+                                <a:rPr lang="en-US" b="0" i="1" smtClean="0">
+                                  <a:latin typeface="Cambria Math" panose="02040503050406030204" pitchFamily="18" charset="0"/>
+                                </a:rPr>
+                                <m:t>𝑔</m:t>
+                              </m:r>
+                              <m:r>
+                                <a:rPr lang="en-US" b="0" i="1" smtClean="0">
+                                  <a:latin typeface="Cambria Math" panose="02040503050406030204" pitchFamily="18" charset="0"/>
+                                </a:rPr>
+                                <m:t>(</m:t>
+                              </m:r>
+                              <m:r>
+                                <a:rPr lang="en-US" b="0" i="1" smtClean="0">
+                                  <a:latin typeface="Cambria Math" panose="02040503050406030204" pitchFamily="18" charset="0"/>
+                                </a:rPr>
+                                <m:t>𝑥</m:t>
+                              </m:r>
+                              <m:r>
+                                <a:rPr lang="en-US" b="0" i="1" smtClean="0">
+                                  <a:latin typeface="Cambria Math" panose="02040503050406030204" pitchFamily="18" charset="0"/>
+                                </a:rPr>
+                                <m:t>)</m:t>
+                              </m:r>
+                            </m:sup>
+                          </m:sSup>
+                        </m:den>
+                      </m:f>
+                    </m:oMath>
+                  </m:oMathPara>
+                </a14:m>
+                <a:endParaRPr lang="en-US" dirty="0"/>
+              </a:p>
+            </p:txBody>
+          </p:sp>
+        </mc:Choice>
+        <mc:Fallback>
+          <p:sp>
+            <p:nvSpPr>
+              <p:cNvPr id="16" name="Rectangle 15">
+                <a:extLst>
+                  <a:ext uri="{FF2B5EF4-FFF2-40B4-BE49-F238E27FC236}">
+                    <a16:creationId xmlns:a16="http://schemas.microsoft.com/office/drawing/2014/main" id="{B03D0932-316A-442A-925C-9187ED49F8BD}"/>
+                  </a:ext>
+                </a:extLst>
+              </p:cNvPr>
+              <p:cNvSpPr>
+                <a:spLocks noRot="1" noChangeAspect="1" noMove="1" noResize="1" noEditPoints="1" noAdjustHandles="1" noChangeArrowheads="1" noChangeShapeType="1" noTextEdit="1"/>
+              </p:cNvSpPr>
+              <p:nvPr/>
+            </p:nvSpPr>
+            <p:spPr>
+              <a:xfrm>
+                <a:off x="835432" y="2488208"/>
+                <a:ext cx="1618648" cy="669735"/>
+              </a:xfrm>
+              <a:prstGeom prst="rect">
+                <a:avLst/>
+              </a:prstGeom>
+              <a:blipFill>
+                <a:blip r:embed="rId7"/>
+                <a:stretch>
+                  <a:fillRect/>
+                </a:stretch>
+              </a:blipFill>
+            </p:spPr>
+            <p:txBody>
+              <a:bodyPr/>
+              <a:lstStyle/>
+              <a:p>
+                <a:r>
+                  <a:rPr lang="en-US">
+                    <a:noFill/>
+                  </a:rPr>
+                  <a:t> </a:t>
+                </a:r>
+              </a:p>
+            </p:txBody>
+          </p:sp>
+        </mc:Fallback>
+      </mc:AlternateContent>
+      <p:cxnSp>
+        <p:nvCxnSpPr>
+          <p:cNvPr id="8" name="Straight Connector 7">
+            <a:extLst>
+              <a:ext uri="{FF2B5EF4-FFF2-40B4-BE49-F238E27FC236}">
+                <a16:creationId xmlns:a16="http://schemas.microsoft.com/office/drawing/2014/main" id="{37F367C4-A5AE-404D-A83C-057812DEC50A}"/>
+              </a:ext>
+            </a:extLst>
+          </p:cNvPr>
+          <p:cNvCxnSpPr>
+            <a:cxnSpLocks/>
+          </p:cNvCxnSpPr>
+          <p:nvPr/>
+        </p:nvCxnSpPr>
+        <p:spPr>
+          <a:xfrm>
+            <a:off x="3890607" y="1889187"/>
+            <a:ext cx="1828800" cy="0"/>
+          </a:xfrm>
+          <a:prstGeom prst="line">
+            <a:avLst/>
+          </a:prstGeom>
+          <a:ln w="19050">
+            <a:prstDash val="sysDot"/>
+          </a:ln>
+        </p:spPr>
+        <p:style>
+          <a:lnRef idx="1">
+            <a:schemeClr val="accent1"/>
+          </a:lnRef>
+          <a:fillRef idx="0">
+            <a:schemeClr val="accent1"/>
+          </a:fillRef>
+          <a:effectRef idx="0">
+            <a:schemeClr val="accent1"/>
+          </a:effectRef>
+          <a:fontRef idx="minor">
+            <a:schemeClr val="tx1"/>
+          </a:fontRef>
+        </p:style>
+      </p:cxnSp>
+      <p:cxnSp>
+        <p:nvCxnSpPr>
+          <p:cNvPr id="21" name="Straight Connector 20">
+            <a:extLst>
+              <a:ext uri="{FF2B5EF4-FFF2-40B4-BE49-F238E27FC236}">
+                <a16:creationId xmlns:a16="http://schemas.microsoft.com/office/drawing/2014/main" id="{1EF13AA3-3813-4F24-AEC7-426C814D243E}"/>
+              </a:ext>
+            </a:extLst>
+          </p:cNvPr>
+          <p:cNvCxnSpPr>
+            <a:cxnSpLocks/>
+          </p:cNvCxnSpPr>
+          <p:nvPr/>
+        </p:nvCxnSpPr>
+        <p:spPr>
+          <a:xfrm>
+            <a:off x="2571946" y="2898235"/>
+            <a:ext cx="3075595" cy="0"/>
+          </a:xfrm>
+          <a:prstGeom prst="line">
+            <a:avLst/>
+          </a:prstGeom>
+          <a:ln w="19050">
+            <a:prstDash val="sysDot"/>
+          </a:ln>
+        </p:spPr>
+        <p:style>
+          <a:lnRef idx="1">
+            <a:schemeClr val="accent1"/>
+          </a:lnRef>
+          <a:fillRef idx="0">
+            <a:schemeClr val="accent1"/>
+          </a:fillRef>
+          <a:effectRef idx="0">
+            <a:schemeClr val="accent1"/>
+          </a:effectRef>
+          <a:fontRef idx="minor">
+            <a:schemeClr val="tx1"/>
+          </a:fontRef>
+        </p:style>
+      </p:cxnSp>
+      <p:cxnSp>
+        <p:nvCxnSpPr>
+          <p:cNvPr id="23" name="Straight Connector 22">
+            <a:extLst>
+              <a:ext uri="{FF2B5EF4-FFF2-40B4-BE49-F238E27FC236}">
+                <a16:creationId xmlns:a16="http://schemas.microsoft.com/office/drawing/2014/main" id="{F30A423A-393D-453D-AB1E-15C180241B1F}"/>
+              </a:ext>
+            </a:extLst>
+          </p:cNvPr>
+          <p:cNvCxnSpPr>
+            <a:cxnSpLocks/>
+          </p:cNvCxnSpPr>
+          <p:nvPr/>
+        </p:nvCxnSpPr>
+        <p:spPr>
+          <a:xfrm>
+            <a:off x="4995586" y="3712461"/>
+            <a:ext cx="651955" cy="0"/>
+          </a:xfrm>
+          <a:prstGeom prst="line">
+            <a:avLst/>
+          </a:prstGeom>
+          <a:ln w="19050">
+            <a:prstDash val="sysDot"/>
+          </a:ln>
+        </p:spPr>
+        <p:style>
+          <a:lnRef idx="1">
+            <a:schemeClr val="accent1"/>
+          </a:lnRef>
+          <a:fillRef idx="0">
+            <a:schemeClr val="accent1"/>
+          </a:fillRef>
+          <a:effectRef idx="0">
+            <a:schemeClr val="accent1"/>
+          </a:effectRef>
+          <a:fontRef idx="minor">
+            <a:schemeClr val="tx1"/>
+          </a:fontRef>
+        </p:style>
+      </p:cxnSp>
+      <p:sp>
+        <p:nvSpPr>
+          <p:cNvPr id="25" name="Oval 24">
+            <a:extLst>
+              <a:ext uri="{FF2B5EF4-FFF2-40B4-BE49-F238E27FC236}">
+                <a16:creationId xmlns:a16="http://schemas.microsoft.com/office/drawing/2014/main" id="{8C0F4BE3-FA43-47AA-A89D-F295C3302F28}"/>
+              </a:ext>
+            </a:extLst>
+          </p:cNvPr>
+          <p:cNvSpPr/>
+          <p:nvPr/>
+        </p:nvSpPr>
+        <p:spPr>
+          <a:xfrm>
+            <a:off x="5779322" y="1651739"/>
+            <a:ext cx="538254" cy="530466"/>
+          </a:xfrm>
+          <a:prstGeom prst="ellipse">
+            <a:avLst/>
+          </a:prstGeom>
+          <a:solidFill>
+            <a:srgbClr val="FF0000"/>
+          </a:solidFill>
+          <a:ln>
+            <a:solidFill>
+              <a:schemeClr val="bg1"/>
+            </a:solidFill>
+          </a:ln>
+        </p:spPr>
+        <p:style>
+          <a:lnRef idx="2">
+            <a:schemeClr val="accent1">
+              <a:shade val="50000"/>
+            </a:schemeClr>
+          </a:lnRef>
+          <a:fillRef idx="1">
+            <a:schemeClr val="accent1"/>
+          </a:fillRef>
+          <a:effectRef idx="0">
+            <a:schemeClr val="accent1"/>
+          </a:effectRef>
+          <a:fontRef idx="minor">
+            <a:schemeClr val="lt1"/>
+          </a:fontRef>
+        </p:style>
+        <p:txBody>
+          <a:bodyPr rtlCol="0" anchor="ctr"/>
+          <a:lstStyle/>
+          <a:p>
+            <a:pPr algn="ctr"/>
+            <a:r>
+              <a:rPr lang="en-US" sz="1400" dirty="0"/>
+              <a:t>i</a:t>
+            </a:r>
+          </a:p>
+        </p:txBody>
+      </p:sp>
+      <p:sp>
+        <p:nvSpPr>
+          <p:cNvPr id="31" name="Oval 30">
+            <a:extLst>
+              <a:ext uri="{FF2B5EF4-FFF2-40B4-BE49-F238E27FC236}">
+                <a16:creationId xmlns:a16="http://schemas.microsoft.com/office/drawing/2014/main" id="{CC81D183-AC56-432D-8976-E8FF9E1DE5C8}"/>
+              </a:ext>
+            </a:extLst>
+          </p:cNvPr>
+          <p:cNvSpPr/>
+          <p:nvPr/>
+        </p:nvSpPr>
+        <p:spPr>
+          <a:xfrm>
+            <a:off x="5784180" y="2687632"/>
+            <a:ext cx="538254" cy="530466"/>
+          </a:xfrm>
+          <a:prstGeom prst="ellipse">
+            <a:avLst/>
+          </a:prstGeom>
+          <a:solidFill>
+            <a:srgbClr val="FF0000"/>
+          </a:solidFill>
+          <a:ln>
+            <a:solidFill>
+              <a:schemeClr val="bg1"/>
+            </a:solidFill>
+          </a:ln>
+        </p:spPr>
+        <p:style>
+          <a:lnRef idx="2">
+            <a:schemeClr val="accent1">
+              <a:shade val="50000"/>
+            </a:schemeClr>
+          </a:lnRef>
+          <a:fillRef idx="1">
+            <a:schemeClr val="accent1"/>
+          </a:fillRef>
+          <a:effectRef idx="0">
+            <a:schemeClr val="accent1"/>
+          </a:effectRef>
+          <a:fontRef idx="minor">
+            <a:schemeClr val="lt1"/>
+          </a:fontRef>
+        </p:style>
+        <p:txBody>
+          <a:bodyPr rtlCol="0" anchor="ctr"/>
+          <a:lstStyle/>
+          <a:p>
+            <a:pPr algn="ctr"/>
+            <a:r>
+              <a:rPr lang="en-US" sz="1400" dirty="0"/>
+              <a:t>ii</a:t>
+            </a:r>
+          </a:p>
+        </p:txBody>
+      </p:sp>
+      <p:sp>
+        <p:nvSpPr>
+          <p:cNvPr id="32" name="Oval 31">
+            <a:extLst>
+              <a:ext uri="{FF2B5EF4-FFF2-40B4-BE49-F238E27FC236}">
+                <a16:creationId xmlns:a16="http://schemas.microsoft.com/office/drawing/2014/main" id="{DF1E0605-BF22-46F2-AE61-07A7FB518BD1}"/>
+              </a:ext>
+            </a:extLst>
+          </p:cNvPr>
+          <p:cNvSpPr/>
+          <p:nvPr/>
+        </p:nvSpPr>
+        <p:spPr>
+          <a:xfrm>
+            <a:off x="5774949" y="3470033"/>
+            <a:ext cx="538254" cy="530466"/>
+          </a:xfrm>
+          <a:prstGeom prst="ellipse">
+            <a:avLst/>
+          </a:prstGeom>
+          <a:solidFill>
+            <a:srgbClr val="FF0000"/>
+          </a:solidFill>
+          <a:ln>
+            <a:solidFill>
+              <a:schemeClr val="bg1"/>
+            </a:solidFill>
+          </a:ln>
+        </p:spPr>
+        <p:style>
+          <a:lnRef idx="2">
+            <a:schemeClr val="accent1">
+              <a:shade val="50000"/>
+            </a:schemeClr>
+          </a:lnRef>
+          <a:fillRef idx="1">
+            <a:schemeClr val="accent1"/>
+          </a:fillRef>
+          <a:effectRef idx="0">
+            <a:schemeClr val="accent1"/>
+          </a:effectRef>
+          <a:fontRef idx="minor">
+            <a:schemeClr val="lt1"/>
+          </a:fontRef>
+        </p:style>
+        <p:txBody>
+          <a:bodyPr rtlCol="0" anchor="ctr"/>
+          <a:lstStyle/>
+          <a:p>
+            <a:pPr algn="ctr"/>
+            <a:r>
+              <a:rPr lang="en-US" sz="1400" dirty="0"/>
+              <a:t>iii</a:t>
+            </a:r>
+          </a:p>
+        </p:txBody>
+      </p:sp>
     </p:spTree>
     <p:extLst>
       <p:ext uri="{BB962C8B-B14F-4D97-AF65-F5344CB8AC3E}">
@@ -8823,7 +9313,966 @@
 </p:sld>
 </file>
 
-<file path=ppt/slides/slide15.xml><?xml version="1.0" encoding="utf-8"?>
+<file path=ppt/slides/slide16.xml><?xml version="1.0" encoding="utf-8"?>
+<p:sld xmlns:a="http://schemas.openxmlformats.org/drawingml/2006/main" xmlns:r="http://schemas.openxmlformats.org/officeDocument/2006/relationships" xmlns:p="http://schemas.openxmlformats.org/presentationml/2006/main">
+  <p:cSld>
+    <p:bg>
+      <p:bgPr>
+        <a:solidFill>
+          <a:schemeClr val="bg1"/>
+        </a:solidFill>
+        <a:effectLst/>
+      </p:bgPr>
+    </p:bg>
+    <p:spTree>
+      <p:nvGrpSpPr>
+        <p:cNvPr id="1" name=""/>
+        <p:cNvGrpSpPr/>
+        <p:nvPr/>
+      </p:nvGrpSpPr>
+      <p:grpSpPr>
+        <a:xfrm>
+          <a:off x="0" y="0"/>
+          <a:ext cx="0" cy="0"/>
+          <a:chOff x="0" y="0"/>
+          <a:chExt cx="0" cy="0"/>
+        </a:xfrm>
+      </p:grpSpPr>
+      <p:sp>
+        <p:nvSpPr>
+          <p:cNvPr id="4" name="Title 3">
+            <a:extLst>
+              <a:ext uri="{FF2B5EF4-FFF2-40B4-BE49-F238E27FC236}">
+                <a16:creationId xmlns:a16="http://schemas.microsoft.com/office/drawing/2014/main" id="{2CDB847B-130F-4EBE-BFA1-E7518EACCADB}"/>
+              </a:ext>
+            </a:extLst>
+          </p:cNvPr>
+          <p:cNvSpPr>
+            <a:spLocks noGrp="1"/>
+          </p:cNvSpPr>
+          <p:nvPr>
+            <p:ph type="title"/>
+          </p:nvPr>
+        </p:nvSpPr>
+        <p:spPr>
+          <a:xfrm>
+            <a:off x="595409" y="121275"/>
+            <a:ext cx="8906731" cy="1325563"/>
+          </a:xfrm>
+        </p:spPr>
+        <p:txBody>
+          <a:bodyPr>
+            <a:normAutofit/>
+          </a:bodyPr>
+          <a:lstStyle/>
+          <a:p>
+            <a:r>
+              <a:rPr lang="en-US" sz="4000" b="1" dirty="0"/>
+              <a:t>RESULT FOR CONSERVATIVE LOSS</a:t>
+            </a:r>
+          </a:p>
+        </p:txBody>
+      </p:sp>
+      <p:sp>
+        <p:nvSpPr>
+          <p:cNvPr id="20" name="Rectangle 19">
+            <a:extLst>
+              <a:ext uri="{FF2B5EF4-FFF2-40B4-BE49-F238E27FC236}">
+                <a16:creationId xmlns:a16="http://schemas.microsoft.com/office/drawing/2014/main" id="{59A309A7-1751-4ABE-A3C1-EEC40366AD89}"/>
+              </a:ext>
+              <a:ext uri="{C183D7F6-B498-43B3-948B-1728B52AA6E4}">
+                <adec:decorative xmlns:adec="http://schemas.microsoft.com/office/drawing/2017/decorative" val="1"/>
+              </a:ext>
+            </a:extLst>
+          </p:cNvPr>
+          <p:cNvSpPr>
+            <a:spLocks noGrp="1" noRot="1" noChangeAspect="1" noMove="1" noResize="1" noEditPoints="1" noAdjustHandles="1" noChangeArrowheads="1" noChangeShapeType="1" noTextEdit="1"/>
+          </p:cNvSpPr>
+          <p:nvPr>
+            <p:extLst>
+              <p:ext uri="{386F3935-93C4-4BCD-93E2-E3B085C9AB24}">
+                <p16:designElem xmlns:p16="http://schemas.microsoft.com/office/powerpoint/2015/main" val="1"/>
+              </p:ext>
+            </p:extLst>
+          </p:nvPr>
+        </p:nvSpPr>
+        <p:spPr>
+          <a:xfrm>
+            <a:off x="10088880" y="0"/>
+            <a:ext cx="2103120" cy="6858000"/>
+          </a:xfrm>
+          <a:prstGeom prst="rect">
+            <a:avLst/>
+          </a:prstGeom>
+          <a:solidFill>
+            <a:schemeClr val="accent1"/>
+          </a:solidFill>
+          <a:ln>
+            <a:noFill/>
+          </a:ln>
+        </p:spPr>
+        <p:style>
+          <a:lnRef idx="2">
+            <a:schemeClr val="accent1">
+              <a:shade val="50000"/>
+            </a:schemeClr>
+          </a:lnRef>
+          <a:fillRef idx="1">
+            <a:schemeClr val="accent1"/>
+          </a:fillRef>
+          <a:effectRef idx="0">
+            <a:schemeClr val="accent1"/>
+          </a:effectRef>
+          <a:fontRef idx="minor">
+            <a:schemeClr val="lt1"/>
+          </a:fontRef>
+        </p:style>
+        <p:txBody>
+          <a:bodyPr rtlCol="0" anchor="ctr"/>
+          <a:lstStyle/>
+          <a:p>
+            <a:pPr algn="ctr"/>
+            <a:endParaRPr lang="en-US"/>
+          </a:p>
+        </p:txBody>
+      </p:sp>
+      <p:sp>
+        <p:nvSpPr>
+          <p:cNvPr id="22" name="Oval 21">
+            <a:extLst>
+              <a:ext uri="{FF2B5EF4-FFF2-40B4-BE49-F238E27FC236}">
+                <a16:creationId xmlns:a16="http://schemas.microsoft.com/office/drawing/2014/main" id="{967D8EB6-EAE1-4F9C-B398-83321E287204}"/>
+              </a:ext>
+              <a:ext uri="{C183D7F6-B498-43B3-948B-1728B52AA6E4}">
+                <adec:decorative xmlns:adec="http://schemas.microsoft.com/office/drawing/2017/decorative" val="1"/>
+              </a:ext>
+            </a:extLst>
+          </p:cNvPr>
+          <p:cNvSpPr>
+            <a:spLocks noGrp="1" noRot="1" noChangeAspect="1" noMove="1" noResize="1" noEditPoints="1" noAdjustHandles="1" noChangeArrowheads="1" noChangeShapeType="1" noTextEdit="1"/>
+          </p:cNvSpPr>
+          <p:nvPr>
+            <p:extLst>
+              <p:ext uri="{386F3935-93C4-4BCD-93E2-E3B085C9AB24}">
+                <p16:designElem xmlns:p16="http://schemas.microsoft.com/office/powerpoint/2015/main" val="1"/>
+              </p:ext>
+            </p:extLst>
+          </p:nvPr>
+        </p:nvSpPr>
+        <p:spPr>
+          <a:xfrm>
+            <a:off x="8915400" y="2358913"/>
+            <a:ext cx="2140172" cy="2140172"/>
+          </a:xfrm>
+          <a:prstGeom prst="ellipse">
+            <a:avLst/>
+          </a:prstGeom>
+          <a:solidFill>
+            <a:srgbClr val="FFFFFF"/>
+          </a:solidFill>
+          <a:ln w="22225">
+            <a:solidFill>
+              <a:schemeClr val="accent1"/>
+            </a:solidFill>
+          </a:ln>
+        </p:spPr>
+        <p:style>
+          <a:lnRef idx="2">
+            <a:schemeClr val="accent1">
+              <a:shade val="50000"/>
+            </a:schemeClr>
+          </a:lnRef>
+          <a:fillRef idx="1">
+            <a:schemeClr val="accent1"/>
+          </a:fillRef>
+          <a:effectRef idx="0">
+            <a:schemeClr val="accent1"/>
+          </a:effectRef>
+          <a:fontRef idx="minor">
+            <a:schemeClr val="lt1"/>
+          </a:fontRef>
+        </p:style>
+        <p:txBody>
+          <a:bodyPr rtlCol="0" anchor="ctr"/>
+          <a:lstStyle/>
+          <a:p>
+            <a:pPr algn="ctr"/>
+            <a:endParaRPr lang="en-US"/>
+          </a:p>
+        </p:txBody>
+      </p:sp>
+      <p:pic>
+        <p:nvPicPr>
+          <p:cNvPr id="10" name="Graphic 9" descr="ReportAdd">
+            <a:extLst>
+              <a:ext uri="{FF2B5EF4-FFF2-40B4-BE49-F238E27FC236}">
+                <a16:creationId xmlns:a16="http://schemas.microsoft.com/office/drawing/2014/main" id="{B6006F1C-FB51-4023-9132-079B892070DF}"/>
+              </a:ext>
+            </a:extLst>
+          </p:cNvPr>
+          <p:cNvPicPr>
+            <a:picLocks noChangeAspect="1"/>
+          </p:cNvPicPr>
+          <p:nvPr/>
+        </p:nvPicPr>
+        <p:blipFill>
+          <a:blip r:embed="rId2">
+            <a:extLst>
+              <a:ext uri="{28A0092B-C50C-407E-A947-70E740481C1C}">
+                <a14:useLocalDpi xmlns:a14="http://schemas.microsoft.com/office/drawing/2010/main" val="0"/>
+              </a:ext>
+              <a:ext uri="{96DAC541-7B7A-43D3-8B79-37D633B846F1}">
+                <asvg:svgBlip xmlns:asvg="http://schemas.microsoft.com/office/drawing/2016/SVG/main" r:embed="rId3"/>
+              </a:ext>
+            </a:extLst>
+          </a:blip>
+          <a:stretch>
+            <a:fillRect/>
+          </a:stretch>
+        </p:blipFill>
+        <p:spPr>
+          <a:xfrm>
+            <a:off x="9413987" y="2857501"/>
+            <a:ext cx="1142998" cy="1142998"/>
+          </a:xfrm>
+          <a:prstGeom prst="rect">
+            <a:avLst/>
+          </a:prstGeom>
+        </p:spPr>
+      </p:pic>
+      <p:cxnSp>
+        <p:nvCxnSpPr>
+          <p:cNvPr id="18" name="Straight Connector 17">
+            <a:extLst>
+              <a:ext uri="{FF2B5EF4-FFF2-40B4-BE49-F238E27FC236}">
+                <a16:creationId xmlns:a16="http://schemas.microsoft.com/office/drawing/2014/main" id="{61A27671-FFF7-4AC5-8E6D-81FD738E5262}"/>
+              </a:ext>
+            </a:extLst>
+          </p:cNvPr>
+          <p:cNvCxnSpPr>
+            <a:cxnSpLocks/>
+          </p:cNvCxnSpPr>
+          <p:nvPr/>
+        </p:nvCxnSpPr>
+        <p:spPr>
+          <a:xfrm>
+            <a:off x="624319" y="1194902"/>
+            <a:ext cx="7310006" cy="0"/>
+          </a:xfrm>
+          <a:prstGeom prst="line">
+            <a:avLst/>
+          </a:prstGeom>
+          <a:ln w="28575">
+            <a:solidFill>
+              <a:srgbClr val="FF0000"/>
+            </a:solidFill>
+            <a:headEnd type="none" w="med" len="med"/>
+            <a:tailEnd type="none" w="med" len="med"/>
+          </a:ln>
+        </p:spPr>
+        <p:style>
+          <a:lnRef idx="1">
+            <a:schemeClr val="accent1"/>
+          </a:lnRef>
+          <a:fillRef idx="0">
+            <a:schemeClr val="accent1"/>
+          </a:fillRef>
+          <a:effectRef idx="0">
+            <a:schemeClr val="accent1"/>
+          </a:effectRef>
+          <a:fontRef idx="minor">
+            <a:schemeClr val="tx1"/>
+          </a:fontRef>
+        </p:style>
+      </p:cxnSp>
+      <p:graphicFrame>
+        <p:nvGraphicFramePr>
+          <p:cNvPr id="13" name="Table 12">
+            <a:extLst>
+              <a:ext uri="{FF2B5EF4-FFF2-40B4-BE49-F238E27FC236}">
+                <a16:creationId xmlns:a16="http://schemas.microsoft.com/office/drawing/2014/main" id="{7C30F62F-A4BE-4DBF-9D08-4731D4C76F74}"/>
+              </a:ext>
+            </a:extLst>
+          </p:cNvPr>
+          <p:cNvGraphicFramePr>
+            <a:graphicFrameLocks noGrp="1"/>
+          </p:cNvGraphicFramePr>
+          <p:nvPr>
+            <p:extLst>
+              <p:ext uri="{D42A27DB-BD31-4B8C-83A1-F6EECF244321}">
+                <p14:modId xmlns:p14="http://schemas.microsoft.com/office/powerpoint/2010/main" val="3464020149"/>
+              </p:ext>
+            </p:extLst>
+          </p:nvPr>
+        </p:nvGraphicFramePr>
+        <p:xfrm>
+          <a:off x="755859" y="1446838"/>
+          <a:ext cx="5605890" cy="4942755"/>
+        </p:xfrm>
+        <a:graphic>
+          <a:graphicData uri="http://schemas.openxmlformats.org/drawingml/2006/table">
+            <a:tbl>
+              <a:tblPr firstRow="1" bandRow="1">
+                <a:tableStyleId>{5C22544A-7EE6-4342-B048-85BDC9FD1C3A}</a:tableStyleId>
+              </a:tblPr>
+              <a:tblGrid>
+                <a:gridCol w="1784673">
+                  <a:extLst>
+                    <a:ext uri="{9D8B030D-6E8A-4147-A177-3AD203B41FA5}">
+                      <a16:colId xmlns:a16="http://schemas.microsoft.com/office/drawing/2014/main" val="3046630061"/>
+                    </a:ext>
+                  </a:extLst>
+                </a:gridCol>
+                <a:gridCol w="838565">
+                  <a:extLst>
+                    <a:ext uri="{9D8B030D-6E8A-4147-A177-3AD203B41FA5}">
+                      <a16:colId xmlns:a16="http://schemas.microsoft.com/office/drawing/2014/main" val="892586369"/>
+                    </a:ext>
+                  </a:extLst>
+                </a:gridCol>
+                <a:gridCol w="737905">
+                  <a:extLst>
+                    <a:ext uri="{9D8B030D-6E8A-4147-A177-3AD203B41FA5}">
+                      <a16:colId xmlns:a16="http://schemas.microsoft.com/office/drawing/2014/main" val="299683461"/>
+                    </a:ext>
+                  </a:extLst>
+                </a:gridCol>
+                <a:gridCol w="1443790">
+                  <a:extLst>
+                    <a:ext uri="{9D8B030D-6E8A-4147-A177-3AD203B41FA5}">
+                      <a16:colId xmlns:a16="http://schemas.microsoft.com/office/drawing/2014/main" val="883393744"/>
+                    </a:ext>
+                  </a:extLst>
+                </a:gridCol>
+                <a:gridCol w="800957">
+                  <a:extLst>
+                    <a:ext uri="{9D8B030D-6E8A-4147-A177-3AD203B41FA5}">
+                      <a16:colId xmlns:a16="http://schemas.microsoft.com/office/drawing/2014/main" val="3296009009"/>
+                    </a:ext>
+                  </a:extLst>
+                </a:gridCol>
+              </a:tblGrid>
+              <a:tr h="914400">
+                <a:tc>
+                  <a:txBody>
+                    <a:bodyPr/>
+                    <a:lstStyle/>
+                    <a:p>
+                      <a:r>
+                        <a:rPr lang="en-US" dirty="0"/>
+                        <a:t>Variable Name</a:t>
+                      </a:r>
+                    </a:p>
+                  </a:txBody>
+                  <a:tcPr/>
+                </a:tc>
+                <a:tc>
+                  <a:txBody>
+                    <a:bodyPr/>
+                    <a:lstStyle/>
+                    <a:p>
+                      <a:r>
+                        <a:rPr lang="en-US" dirty="0" err="1"/>
+                        <a:t>Coeff</a:t>
+                      </a:r>
+                      <a:endParaRPr lang="en-US" dirty="0"/>
+                    </a:p>
+                  </a:txBody>
+                  <a:tcPr/>
+                </a:tc>
+                <a:tc>
+                  <a:txBody>
+                    <a:bodyPr/>
+                    <a:lstStyle/>
+                    <a:p>
+                      <a:r>
+                        <a:rPr lang="en-US" dirty="0"/>
+                        <a:t>Std. Error</a:t>
+                      </a:r>
+                    </a:p>
+                  </a:txBody>
+                  <a:tcPr/>
+                </a:tc>
+                <a:tc>
+                  <a:txBody>
+                    <a:bodyPr/>
+                    <a:lstStyle/>
+                    <a:p>
+                      <a:r>
+                        <a:rPr lang="en-US" dirty="0"/>
+                        <a:t>OR </a:t>
+                      </a:r>
+                    </a:p>
+                    <a:p>
+                      <a:r>
+                        <a:rPr lang="en-US" dirty="0"/>
+                        <a:t>(95% CI)</a:t>
+                      </a:r>
+                    </a:p>
+                  </a:txBody>
+                  <a:tcPr/>
+                </a:tc>
+                <a:tc>
+                  <a:txBody>
+                    <a:bodyPr/>
+                    <a:lstStyle/>
+                    <a:p>
+                      <a:r>
+                        <a:rPr lang="en-US" dirty="0"/>
+                        <a:t>P-Value</a:t>
+                      </a:r>
+                    </a:p>
+                  </a:txBody>
+                  <a:tcPr/>
+                </a:tc>
+                <a:extLst>
+                  <a:ext uri="{0D108BD9-81ED-4DB2-BD59-A6C34878D82A}">
+                    <a16:rowId xmlns:a16="http://schemas.microsoft.com/office/drawing/2014/main" val="176774479"/>
+                  </a:ext>
+                </a:extLst>
+              </a:tr>
+              <a:tr h="703151">
+                <a:tc>
+                  <a:txBody>
+                    <a:bodyPr/>
+                    <a:lstStyle/>
+                    <a:p>
+                      <a:r>
+                        <a:rPr lang="en-US" dirty="0">
+                          <a:solidFill>
+                            <a:srgbClr val="FF0000"/>
+                          </a:solidFill>
+                        </a:rPr>
+                        <a:t>Intercept</a:t>
+                      </a:r>
+                    </a:p>
+                  </a:txBody>
+                  <a:tcPr/>
+                </a:tc>
+                <a:tc>
+                  <a:txBody>
+                    <a:bodyPr/>
+                    <a:lstStyle/>
+                    <a:p>
+                      <a:r>
+                        <a:rPr lang="en-US" dirty="0">
+                          <a:effectLst/>
+                        </a:rPr>
+                        <a:t>3.85</a:t>
+                      </a:r>
+                      <a:endParaRPr lang="en-US" dirty="0"/>
+                    </a:p>
+                  </a:txBody>
+                  <a:tcPr/>
+                </a:tc>
+                <a:tc>
+                  <a:txBody>
+                    <a:bodyPr/>
+                    <a:lstStyle/>
+                    <a:p>
+                      <a:r>
+                        <a:rPr lang="en-US" dirty="0">
+                          <a:effectLst/>
+                        </a:rPr>
+                        <a:t>3.3</a:t>
+                      </a:r>
+                      <a:endParaRPr lang="en-US" dirty="0"/>
+                    </a:p>
+                  </a:txBody>
+                  <a:tcPr/>
+                </a:tc>
+                <a:tc>
+                  <a:txBody>
+                    <a:bodyPr/>
+                    <a:lstStyle/>
+                    <a:p>
+                      <a:r>
+                        <a:rPr lang="en-US" dirty="0"/>
+                        <a:t>-</a:t>
+                      </a:r>
+                    </a:p>
+                  </a:txBody>
+                  <a:tcPr/>
+                </a:tc>
+                <a:tc>
+                  <a:txBody>
+                    <a:bodyPr/>
+                    <a:lstStyle/>
+                    <a:p>
+                      <a:r>
+                        <a:rPr lang="en-US" dirty="0">
+                          <a:effectLst/>
+                        </a:rPr>
+                        <a:t>0.25</a:t>
+                      </a:r>
+                      <a:endParaRPr lang="en-US" dirty="0"/>
+                    </a:p>
+                  </a:txBody>
+                  <a:tcPr/>
+                </a:tc>
+                <a:extLst>
+                  <a:ext uri="{0D108BD9-81ED-4DB2-BD59-A6C34878D82A}">
+                    <a16:rowId xmlns:a16="http://schemas.microsoft.com/office/drawing/2014/main" val="2991107976"/>
+                  </a:ext>
+                </a:extLst>
+              </a:tr>
+              <a:tr h="703151">
+                <a:tc>
+                  <a:txBody>
+                    <a:bodyPr/>
+                    <a:lstStyle/>
+                    <a:p>
+                      <a:r>
+                        <a:rPr lang="en-US" dirty="0">
+                          <a:solidFill>
+                            <a:srgbClr val="FF0000"/>
+                          </a:solidFill>
+                        </a:rPr>
+                        <a:t>Social Grade AB</a:t>
+                      </a:r>
+                    </a:p>
+                  </a:txBody>
+                  <a:tcPr/>
+                </a:tc>
+                <a:tc>
+                  <a:txBody>
+                    <a:bodyPr/>
+                    <a:lstStyle/>
+                    <a:p>
+                      <a:r>
+                        <a:rPr lang="en-US" dirty="0">
+                          <a:effectLst/>
+                        </a:rPr>
+                        <a:t>-0.18</a:t>
+                      </a:r>
+                      <a:endParaRPr lang="en-US" dirty="0"/>
+                    </a:p>
+                  </a:txBody>
+                  <a:tcPr/>
+                </a:tc>
+                <a:tc>
+                  <a:txBody>
+                    <a:bodyPr/>
+                    <a:lstStyle/>
+                    <a:p>
+                      <a:r>
+                        <a:rPr lang="en-US" dirty="0"/>
+                        <a:t>0.07</a:t>
+                      </a:r>
+                    </a:p>
+                  </a:txBody>
+                  <a:tcPr/>
+                </a:tc>
+                <a:tc>
+                  <a:txBody>
+                    <a:bodyPr/>
+                    <a:lstStyle/>
+                    <a:p>
+                      <a:pPr marL="0" marR="0" lvl="0" indent="0" algn="l" defTabSz="914400" rtl="0" eaLnBrk="1" fontAlgn="auto" latinLnBrk="0" hangingPunct="1">
+                        <a:lnSpc>
+                          <a:spcPct val="100000"/>
+                        </a:lnSpc>
+                        <a:spcBef>
+                          <a:spcPts val="0"/>
+                        </a:spcBef>
+                        <a:spcAft>
+                          <a:spcPts val="0"/>
+                        </a:spcAft>
+                        <a:buClrTx/>
+                        <a:buSzTx/>
+                        <a:buFontTx/>
+                        <a:buNone/>
+                        <a:tabLst/>
+                        <a:defRPr/>
+                      </a:pPr>
+                      <a:r>
+                        <a:rPr lang="en-US" dirty="0"/>
+                        <a:t>0.83</a:t>
+                      </a:r>
+                    </a:p>
+                    <a:p>
+                      <a:pPr marL="0" marR="0" lvl="0" indent="0" algn="l" defTabSz="914400" rtl="0" eaLnBrk="1" fontAlgn="auto" latinLnBrk="0" hangingPunct="1">
+                        <a:lnSpc>
+                          <a:spcPct val="100000"/>
+                        </a:lnSpc>
+                        <a:spcBef>
+                          <a:spcPts val="0"/>
+                        </a:spcBef>
+                        <a:spcAft>
+                          <a:spcPts val="0"/>
+                        </a:spcAft>
+                        <a:buClrTx/>
+                        <a:buSzTx/>
+                        <a:buFontTx/>
+                        <a:buNone/>
+                        <a:tabLst/>
+                        <a:defRPr/>
+                      </a:pPr>
+                      <a:r>
+                        <a:rPr lang="en-US" dirty="0"/>
+                        <a:t>(0.71, 0.95)</a:t>
+                      </a:r>
+                    </a:p>
+                    <a:p>
+                      <a:endParaRPr lang="en-US" dirty="0"/>
+                    </a:p>
+                  </a:txBody>
+                  <a:tcPr/>
+                </a:tc>
+                <a:tc>
+                  <a:txBody>
+                    <a:bodyPr/>
+                    <a:lstStyle/>
+                    <a:p>
+                      <a:r>
+                        <a:rPr lang="en-US" dirty="0"/>
+                        <a:t>&lt;0.05</a:t>
+                      </a:r>
+                    </a:p>
+                  </a:txBody>
+                  <a:tcPr/>
+                </a:tc>
+                <a:extLst>
+                  <a:ext uri="{0D108BD9-81ED-4DB2-BD59-A6C34878D82A}">
+                    <a16:rowId xmlns:a16="http://schemas.microsoft.com/office/drawing/2014/main" val="766567647"/>
+                  </a:ext>
+                </a:extLst>
+              </a:tr>
+              <a:tr h="1004502">
+                <a:tc>
+                  <a:txBody>
+                    <a:bodyPr/>
+                    <a:lstStyle/>
+                    <a:p>
+                      <a:r>
+                        <a:rPr lang="en-US" dirty="0">
+                          <a:solidFill>
+                            <a:srgbClr val="FF0000"/>
+                          </a:solidFill>
+                        </a:rPr>
+                        <a:t>Conservative Vote Share 2017</a:t>
+                      </a:r>
+                    </a:p>
+                  </a:txBody>
+                  <a:tcPr/>
+                </a:tc>
+                <a:tc>
+                  <a:txBody>
+                    <a:bodyPr/>
+                    <a:lstStyle/>
+                    <a:p>
+                      <a:r>
+                        <a:rPr lang="en-US" dirty="0">
+                          <a:effectLst/>
+                        </a:rPr>
+                        <a:t>0.22</a:t>
+                      </a:r>
+                      <a:endParaRPr lang="en-US" dirty="0"/>
+                    </a:p>
+                  </a:txBody>
+                  <a:tcPr/>
+                </a:tc>
+                <a:tc>
+                  <a:txBody>
+                    <a:bodyPr/>
+                    <a:lstStyle/>
+                    <a:p>
+                      <a:r>
+                        <a:rPr lang="en-US" dirty="0"/>
+                        <a:t>0.04</a:t>
+                      </a:r>
+                    </a:p>
+                  </a:txBody>
+                  <a:tcPr/>
+                </a:tc>
+                <a:tc>
+                  <a:txBody>
+                    <a:bodyPr/>
+                    <a:lstStyle/>
+                    <a:p>
+                      <a:pPr marL="0" marR="0" lvl="0" indent="0" algn="l" defTabSz="914400" rtl="0" eaLnBrk="1" fontAlgn="auto" latinLnBrk="0" hangingPunct="1">
+                        <a:lnSpc>
+                          <a:spcPct val="100000"/>
+                        </a:lnSpc>
+                        <a:spcBef>
+                          <a:spcPts val="0"/>
+                        </a:spcBef>
+                        <a:spcAft>
+                          <a:spcPts val="0"/>
+                        </a:spcAft>
+                        <a:buClrTx/>
+                        <a:buSzTx/>
+                        <a:buFontTx/>
+                        <a:buNone/>
+                        <a:tabLst/>
+                        <a:defRPr/>
+                      </a:pPr>
+                      <a:r>
+                        <a:rPr lang="en-US" dirty="0"/>
+                        <a:t>1.24</a:t>
+                      </a:r>
+                    </a:p>
+                    <a:p>
+                      <a:pPr marL="0" marR="0" lvl="0" indent="0" algn="l" defTabSz="914400" rtl="0" eaLnBrk="1" fontAlgn="auto" latinLnBrk="0" hangingPunct="1">
+                        <a:lnSpc>
+                          <a:spcPct val="100000"/>
+                        </a:lnSpc>
+                        <a:spcBef>
+                          <a:spcPts val="0"/>
+                        </a:spcBef>
+                        <a:spcAft>
+                          <a:spcPts val="0"/>
+                        </a:spcAft>
+                        <a:buClrTx/>
+                        <a:buSzTx/>
+                        <a:buFontTx/>
+                        <a:buNone/>
+                        <a:tabLst/>
+                        <a:defRPr/>
+                      </a:pPr>
+                      <a:r>
+                        <a:rPr lang="en-US" dirty="0"/>
+                        <a:t>(1.16, 1.36)</a:t>
+                      </a:r>
+                    </a:p>
+                    <a:p>
+                      <a:endParaRPr lang="en-US" dirty="0"/>
+                    </a:p>
+                  </a:txBody>
+                  <a:tcPr/>
+                </a:tc>
+                <a:tc>
+                  <a:txBody>
+                    <a:bodyPr/>
+                    <a:lstStyle/>
+                    <a:p>
+                      <a:r>
+                        <a:rPr lang="en-US" dirty="0"/>
+                        <a:t>&lt;0.05</a:t>
+                      </a:r>
+                    </a:p>
+                  </a:txBody>
+                  <a:tcPr/>
+                </a:tc>
+                <a:extLst>
+                  <a:ext uri="{0D108BD9-81ED-4DB2-BD59-A6C34878D82A}">
+                    <a16:rowId xmlns:a16="http://schemas.microsoft.com/office/drawing/2014/main" val="2414665638"/>
+                  </a:ext>
+                </a:extLst>
+              </a:tr>
+              <a:tr h="703151">
+                <a:tc>
+                  <a:txBody>
+                    <a:bodyPr/>
+                    <a:lstStyle/>
+                    <a:p>
+                      <a:r>
+                        <a:rPr lang="en-US" dirty="0" err="1">
+                          <a:solidFill>
+                            <a:srgbClr val="FF0000"/>
+                          </a:solidFill>
+                        </a:rPr>
+                        <a:t>LibDem</a:t>
+                      </a:r>
+                      <a:r>
+                        <a:rPr lang="en-US" dirty="0">
+                          <a:solidFill>
+                            <a:srgbClr val="FF0000"/>
+                          </a:solidFill>
+                        </a:rPr>
+                        <a:t> Vote Share 2017</a:t>
+                      </a:r>
+                    </a:p>
+                  </a:txBody>
+                  <a:tcPr/>
+                </a:tc>
+                <a:tc>
+                  <a:txBody>
+                    <a:bodyPr/>
+                    <a:lstStyle/>
+                    <a:p>
+                      <a:r>
+                        <a:rPr lang="en-US" dirty="0">
+                          <a:effectLst/>
+                        </a:rPr>
+                        <a:t>0.08</a:t>
+                      </a:r>
+                      <a:endParaRPr lang="en-US" dirty="0"/>
+                    </a:p>
+                  </a:txBody>
+                  <a:tcPr/>
+                </a:tc>
+                <a:tc>
+                  <a:txBody>
+                    <a:bodyPr/>
+                    <a:lstStyle/>
+                    <a:p>
+                      <a:r>
+                        <a:rPr lang="en-US" dirty="0"/>
+                        <a:t>0.03</a:t>
+                      </a:r>
+                    </a:p>
+                  </a:txBody>
+                  <a:tcPr/>
+                </a:tc>
+                <a:tc>
+                  <a:txBody>
+                    <a:bodyPr/>
+                    <a:lstStyle/>
+                    <a:p>
+                      <a:pPr marL="0" marR="0" lvl="0" indent="0" algn="l" defTabSz="914400" rtl="0" eaLnBrk="1" fontAlgn="auto" latinLnBrk="0" hangingPunct="1">
+                        <a:lnSpc>
+                          <a:spcPct val="100000"/>
+                        </a:lnSpc>
+                        <a:spcBef>
+                          <a:spcPts val="0"/>
+                        </a:spcBef>
+                        <a:spcAft>
+                          <a:spcPts val="0"/>
+                        </a:spcAft>
+                        <a:buClrTx/>
+                        <a:buSzTx/>
+                        <a:buFontTx/>
+                        <a:buNone/>
+                        <a:tabLst/>
+                        <a:defRPr/>
+                      </a:pPr>
+                      <a:r>
+                        <a:rPr lang="en-US" dirty="0"/>
+                        <a:t>1.09</a:t>
+                      </a:r>
+                    </a:p>
+                    <a:p>
+                      <a:r>
+                        <a:rPr lang="en-US" dirty="0"/>
+                        <a:t>(1.04, 1.16)</a:t>
+                      </a:r>
+                    </a:p>
+                  </a:txBody>
+                  <a:tcPr/>
+                </a:tc>
+                <a:tc>
+                  <a:txBody>
+                    <a:bodyPr/>
+                    <a:lstStyle/>
+                    <a:p>
+                      <a:r>
+                        <a:rPr lang="en-US" dirty="0"/>
+                        <a:t>&lt;0.05</a:t>
+                      </a:r>
+                    </a:p>
+                  </a:txBody>
+                  <a:tcPr/>
+                </a:tc>
+                <a:extLst>
+                  <a:ext uri="{0D108BD9-81ED-4DB2-BD59-A6C34878D82A}">
+                    <a16:rowId xmlns:a16="http://schemas.microsoft.com/office/drawing/2014/main" val="3182045812"/>
+                  </a:ext>
+                </a:extLst>
+              </a:tr>
+              <a:tr h="703151">
+                <a:tc>
+                  <a:txBody>
+                    <a:bodyPr/>
+                    <a:lstStyle/>
+                    <a:p>
+                      <a:r>
+                        <a:rPr lang="en-US" dirty="0">
+                          <a:solidFill>
+                            <a:srgbClr val="FF0000"/>
+                          </a:solidFill>
+                        </a:rPr>
+                        <a:t>Leave EU Vote</a:t>
+                      </a:r>
+                    </a:p>
+                  </a:txBody>
+                  <a:tcPr/>
+                </a:tc>
+                <a:tc>
+                  <a:txBody>
+                    <a:bodyPr/>
+                    <a:lstStyle/>
+                    <a:p>
+                      <a:r>
+                        <a:rPr lang="en-US" dirty="0">
+                          <a:effectLst/>
+                        </a:rPr>
+                        <a:t>-0.19</a:t>
+                      </a:r>
+                      <a:endParaRPr lang="en-US" dirty="0"/>
+                    </a:p>
+                  </a:txBody>
+                  <a:tcPr/>
+                </a:tc>
+                <a:tc>
+                  <a:txBody>
+                    <a:bodyPr/>
+                    <a:lstStyle/>
+                    <a:p>
+                      <a:r>
+                        <a:rPr lang="en-US" dirty="0"/>
+                        <a:t>0.06</a:t>
+                      </a:r>
+                    </a:p>
+                  </a:txBody>
+                  <a:tcPr/>
+                </a:tc>
+                <a:tc>
+                  <a:txBody>
+                    <a:bodyPr/>
+                    <a:lstStyle/>
+                    <a:p>
+                      <a:r>
+                        <a:rPr lang="en-US" dirty="0"/>
+                        <a:t>0.82</a:t>
+                      </a:r>
+                    </a:p>
+                    <a:p>
+                      <a:r>
+                        <a:rPr lang="en-US" dirty="0"/>
+                        <a:t>(0.73, 0.91)</a:t>
+                      </a:r>
+                    </a:p>
+                  </a:txBody>
+                  <a:tcPr/>
+                </a:tc>
+                <a:tc>
+                  <a:txBody>
+                    <a:bodyPr/>
+                    <a:lstStyle/>
+                    <a:p>
+                      <a:r>
+                        <a:rPr lang="en-US" dirty="0"/>
+                        <a:t>&lt;0.05</a:t>
+                      </a:r>
+                    </a:p>
+                  </a:txBody>
+                  <a:tcPr/>
+                </a:tc>
+                <a:extLst>
+                  <a:ext uri="{0D108BD9-81ED-4DB2-BD59-A6C34878D82A}">
+                    <a16:rowId xmlns:a16="http://schemas.microsoft.com/office/drawing/2014/main" val="1121486022"/>
+                  </a:ext>
+                </a:extLst>
+              </a:tr>
+            </a:tbl>
+          </a:graphicData>
+        </a:graphic>
+      </p:graphicFrame>
+    </p:spTree>
+    <p:extLst>
+      <p:ext uri="{BB962C8B-B14F-4D97-AF65-F5344CB8AC3E}">
+        <p14:creationId xmlns:p14="http://schemas.microsoft.com/office/powerpoint/2010/main" val="3559334554"/>
+      </p:ext>
+    </p:extLst>
+  </p:cSld>
+  <p:clrMapOvr>
+    <a:masterClrMapping/>
+  </p:clrMapOvr>
+</p:sld>
+</file>
+
+<file path=ppt/slides/slide17.xml><?xml version="1.0" encoding="utf-8"?>
 <p:sld xmlns:a="http://schemas.openxmlformats.org/drawingml/2006/main" xmlns:r="http://schemas.openxmlformats.org/officeDocument/2006/relationships" xmlns:p="http://schemas.openxmlformats.org/presentationml/2006/main">
   <p:cSld>
     <p:bg>
@@ -9174,7 +10623,7 @@
                       <m:sSub>
                         <m:sSubPr>
                           <m:ctrlPr>
-                            <a:rPr lang="en-US" i="1">
+                            <a:rPr lang="en-US" i="1" smtClean="0">
                               <a:latin typeface="Cambria Math" panose="02040503050406030204" pitchFamily="18" charset="0"/>
                             </a:rPr>
                           </m:ctrlPr>
@@ -9203,70 +10652,106 @@
                         <m:t>:</m:t>
                       </m:r>
                       <m:r>
-                        <a:rPr lang="en-US" i="1">
+                        <a:rPr lang="en-US" b="0" i="1" smtClean="0">
                           <a:latin typeface="Cambria Math" panose="02040503050406030204" pitchFamily="18" charset="0"/>
                         </a:rPr>
-                        <m:t>𝑜𝑏𝑠𝑒𝑟𝑣𝑒𝑑</m:t>
+                        <m:t>𝑡h𝑒</m:t>
                       </m:r>
                       <m:r>
-                        <a:rPr lang="en-US" i="1">
+                        <a:rPr lang="en-US" b="0" i="1" smtClean="0">
                           <a:latin typeface="Cambria Math" panose="02040503050406030204" pitchFamily="18" charset="0"/>
                         </a:rPr>
                         <m:t> </m:t>
                       </m:r>
                       <m:r>
-                        <a:rPr lang="en-US" i="1">
+                        <a:rPr lang="en-US" b="0" i="1" smtClean="0">
                           <a:latin typeface="Cambria Math" panose="02040503050406030204" pitchFamily="18" charset="0"/>
                         </a:rPr>
-                        <m:t>𝑎𝑛𝑑</m:t>
+                        <m:t>𝑚𝑜𝑑𝑒𝑙</m:t>
                       </m:r>
                       <m:r>
-                        <a:rPr lang="en-US" i="1">
+                        <a:rPr lang="en-US" b="0" i="1" smtClean="0">
                           <a:latin typeface="Cambria Math" panose="02040503050406030204" pitchFamily="18" charset="0"/>
                         </a:rPr>
                         <m:t> </m:t>
                       </m:r>
                       <m:r>
-                        <a:rPr lang="en-US" i="1">
+                        <a:rPr lang="en-US" b="0" i="1" smtClean="0">
                           <a:latin typeface="Cambria Math" panose="02040503050406030204" pitchFamily="18" charset="0"/>
                         </a:rPr>
-                        <m:t>𝑒𝑥𝑝𝑒𝑐𝑡𝑒𝑑</m:t>
+                        <m:t>𝑖𝑠</m:t>
                       </m:r>
                       <m:r>
-                        <a:rPr lang="en-US" i="1">
+                        <a:rPr lang="en-US" b="0" i="1" smtClean="0">
                           <a:latin typeface="Cambria Math" panose="02040503050406030204" pitchFamily="18" charset="0"/>
                         </a:rPr>
                         <m:t> </m:t>
                       </m:r>
                       <m:r>
-                        <a:rPr lang="en-US" i="1">
+                        <a:rPr lang="en-US" b="0" i="1" smtClean="0">
                           <a:latin typeface="Cambria Math" panose="02040503050406030204" pitchFamily="18" charset="0"/>
                         </a:rPr>
-                        <m:t>𝑓𝑟𝑒𝑞𝑢𝑒𝑛𝑐𝑖𝑒𝑠</m:t>
+                        <m:t>𝑎</m:t>
                       </m:r>
                       <m:r>
-                        <a:rPr lang="en-US" i="1">
+                        <a:rPr lang="en-US" b="0" i="1" smtClean="0">
                           <a:latin typeface="Cambria Math" panose="02040503050406030204" pitchFamily="18" charset="0"/>
                         </a:rPr>
                         <m:t> </m:t>
                       </m:r>
                       <m:r>
-                        <a:rPr lang="en-US" i="1">
+                        <a:rPr lang="en-US" b="0" i="1" smtClean="0">
                           <a:latin typeface="Cambria Math" panose="02040503050406030204" pitchFamily="18" charset="0"/>
                         </a:rPr>
-                        <m:t>𝑎𝑟𝑒</m:t>
+                        <m:t>𝑔𝑜𝑜𝑑</m:t>
                       </m:r>
                       <m:r>
-                        <a:rPr lang="en-US" i="1">
+                        <a:rPr lang="en-US" b="0" i="1" smtClean="0">
                           <a:latin typeface="Cambria Math" panose="02040503050406030204" pitchFamily="18" charset="0"/>
                         </a:rPr>
                         <m:t> </m:t>
                       </m:r>
                       <m:r>
-                        <a:rPr lang="en-US" i="1">
+                        <a:rPr lang="en-US" b="0" i="1" smtClean="0">
                           <a:latin typeface="Cambria Math" panose="02040503050406030204" pitchFamily="18" charset="0"/>
                         </a:rPr>
-                        <m:t>𝑠𝑖𝑚𝑖𝑙𝑎𝑟</m:t>
+                        <m:t>𝑓𝑖𝑡</m:t>
+                      </m:r>
+                      <m:r>
+                        <a:rPr lang="en-US" b="0" i="1" smtClean="0">
+                          <a:latin typeface="Cambria Math" panose="02040503050406030204" pitchFamily="18" charset="0"/>
+                        </a:rPr>
+                        <m:t> </m:t>
+                      </m:r>
+                      <m:r>
+                        <a:rPr lang="en-US" b="0" i="1" smtClean="0">
+                          <a:latin typeface="Cambria Math" panose="02040503050406030204" pitchFamily="18" charset="0"/>
+                        </a:rPr>
+                        <m:t>𝑡𝑜</m:t>
+                      </m:r>
+                      <m:r>
+                        <a:rPr lang="en-US" b="0" i="1" smtClean="0">
+                          <a:latin typeface="Cambria Math" panose="02040503050406030204" pitchFamily="18" charset="0"/>
+                        </a:rPr>
+                        <m:t> </m:t>
+                      </m:r>
+                      <m:r>
+                        <a:rPr lang="en-US" b="0" i="1" smtClean="0">
+                          <a:latin typeface="Cambria Math" panose="02040503050406030204" pitchFamily="18" charset="0"/>
+                        </a:rPr>
+                        <m:t>𝑡h𝑒</m:t>
+                      </m:r>
+                      <m:r>
+                        <a:rPr lang="en-US" b="0" i="1" smtClean="0">
+                          <a:latin typeface="Cambria Math" panose="02040503050406030204" pitchFamily="18" charset="0"/>
+                        </a:rPr>
+                        <m:t> </m:t>
+                      </m:r>
+                      <m:r>
+                        <a:rPr lang="en-US" b="0" i="1" smtClean="0">
+                          <a:latin typeface="Cambria Math" panose="02040503050406030204" pitchFamily="18" charset="0"/>
+                        </a:rPr>
+                        <m:t>𝑑𝑎𝑡𝑎</m:t>
                       </m:r>
                     </m:oMath>
                   </m:oMathPara>
@@ -9315,88 +10800,118 @@
                         <m:t>:</m:t>
                       </m:r>
                       <m:r>
-                        <a:rPr lang="en-US" i="1">
+                        <a:rPr lang="en-US" b="0" i="1" smtClean="0">
                           <a:latin typeface="Cambria Math" panose="02040503050406030204" pitchFamily="18" charset="0"/>
                         </a:rPr>
-                        <m:t>𝑜𝑏𝑠𝑒𝑟𝑣𝑒𝑑</m:t>
+                        <m:t>𝑡h𝑒</m:t>
                       </m:r>
                       <m:r>
-                        <a:rPr lang="en-US" i="1">
+                        <a:rPr lang="en-US" b="0" i="1" smtClean="0">
                           <a:latin typeface="Cambria Math" panose="02040503050406030204" pitchFamily="18" charset="0"/>
                         </a:rPr>
                         <m:t> </m:t>
                       </m:r>
                       <m:r>
-                        <a:rPr lang="en-US" i="1">
+                        <a:rPr lang="en-US" b="0" i="1" smtClean="0">
                           <a:latin typeface="Cambria Math" panose="02040503050406030204" pitchFamily="18" charset="0"/>
                         </a:rPr>
-                        <m:t>𝑓𝑟𝑒𝑞𝑢𝑒𝑛𝑐𝑒𝑠</m:t>
+                        <m:t>𝑚𝑜𝑑𝑒𝑙</m:t>
                       </m:r>
                       <m:r>
-                        <a:rPr lang="en-US" i="1">
+                        <a:rPr lang="en-US" b="0" i="1" smtClean="0">
                           <a:latin typeface="Cambria Math" panose="02040503050406030204" pitchFamily="18" charset="0"/>
                         </a:rPr>
                         <m:t> </m:t>
                       </m:r>
                       <m:r>
-                        <a:rPr lang="en-US" i="1">
+                        <a:rPr lang="en-US" b="0" i="1" smtClean="0">
                           <a:latin typeface="Cambria Math" panose="02040503050406030204" pitchFamily="18" charset="0"/>
                         </a:rPr>
-                        <m:t>𝑎𝑟𝑒</m:t>
+                        <m:t>𝑖𝑠</m:t>
                       </m:r>
                       <m:r>
-                        <a:rPr lang="en-US" i="1">
+                        <a:rPr lang="en-US" b="0" i="1" smtClean="0">
                           <a:latin typeface="Cambria Math" panose="02040503050406030204" pitchFamily="18" charset="0"/>
                         </a:rPr>
                         <m:t> </m:t>
                       </m:r>
                       <m:r>
-                        <a:rPr lang="en-US" i="1">
+                        <a:rPr lang="en-US" b="0" i="1" smtClean="0">
                           <a:latin typeface="Cambria Math" panose="02040503050406030204" pitchFamily="18" charset="0"/>
                         </a:rPr>
-                        <m:t>𝑓𝑎𝑟</m:t>
+                        <m:t>𝑛𝑜𝑡</m:t>
                       </m:r>
                       <m:r>
-                        <a:rPr lang="en-US" i="1">
+                        <a:rPr lang="en-US" b="0" i="1" smtClean="0">
                           <a:latin typeface="Cambria Math" panose="02040503050406030204" pitchFamily="18" charset="0"/>
                         </a:rPr>
                         <m:t> </m:t>
                       </m:r>
                       <m:r>
-                        <a:rPr lang="en-US" i="1">
+                        <a:rPr lang="en-US" b="0" i="1" smtClean="0">
                           <a:latin typeface="Cambria Math" panose="02040503050406030204" pitchFamily="18" charset="0"/>
                         </a:rPr>
-                        <m:t>𝑓𝑟𝑜𝑚</m:t>
+                        <m:t>𝑎</m:t>
                       </m:r>
                       <m:r>
-                        <a:rPr lang="en-US" i="1">
+                        <a:rPr lang="en-US" b="0" i="1" smtClean="0">
                           <a:latin typeface="Cambria Math" panose="02040503050406030204" pitchFamily="18" charset="0"/>
                         </a:rPr>
                         <m:t> </m:t>
                       </m:r>
                       <m:r>
-                        <a:rPr lang="en-US" i="1">
+                        <a:rPr lang="en-US" b="0" i="1" smtClean="0">
                           <a:latin typeface="Cambria Math" panose="02040503050406030204" pitchFamily="18" charset="0"/>
                         </a:rPr>
-                        <m:t>𝑒𝑥𝑝𝑒𝑐𝑡𝑒𝑑</m:t>
+                        <m:t>𝑔𝑜𝑜𝑑</m:t>
                       </m:r>
                       <m:r>
-                        <a:rPr lang="en-US" i="1">
+                        <a:rPr lang="en-US" b="0" i="1" smtClean="0">
                           <a:latin typeface="Cambria Math" panose="02040503050406030204" pitchFamily="18" charset="0"/>
                         </a:rPr>
                         <m:t> </m:t>
                       </m:r>
                       <m:r>
-                        <a:rPr lang="en-US" i="1">
+                        <a:rPr lang="en-US" b="0" i="1" smtClean="0">
                           <a:latin typeface="Cambria Math" panose="02040503050406030204" pitchFamily="18" charset="0"/>
                         </a:rPr>
-                        <m:t>𝑓𝑟𝑒𝑞𝑢𝑒𝑛𝑐𝑖𝑒𝑠</m:t>
+                        <m:t>𝑓𝑖𝑡</m:t>
                       </m:r>
                       <m:r>
-                        <a:rPr lang="en-US" i="1">
+                        <a:rPr lang="en-US" b="0" i="1" smtClean="0">
                           <a:latin typeface="Cambria Math" panose="02040503050406030204" pitchFamily="18" charset="0"/>
                         </a:rPr>
-                        <m:t>.  </m:t>
+                        <m:t> </m:t>
+                      </m:r>
+                      <m:r>
+                        <a:rPr lang="en-US" b="0" i="1" smtClean="0">
+                          <a:latin typeface="Cambria Math" panose="02040503050406030204" pitchFamily="18" charset="0"/>
+                        </a:rPr>
+                        <m:t>𝑡𝑜</m:t>
+                      </m:r>
+                      <m:r>
+                        <a:rPr lang="en-US" b="0" i="1" smtClean="0">
+                          <a:latin typeface="Cambria Math" panose="02040503050406030204" pitchFamily="18" charset="0"/>
+                        </a:rPr>
+                        <m:t> </m:t>
+                      </m:r>
+                      <m:r>
+                        <a:rPr lang="en-US" b="0" i="1" smtClean="0">
+                          <a:latin typeface="Cambria Math" panose="02040503050406030204" pitchFamily="18" charset="0"/>
+                        </a:rPr>
+                        <m:t>𝑡h𝑒</m:t>
+                      </m:r>
+                      <m:r>
+                        <a:rPr lang="en-US" b="0" i="1" smtClean="0">
+                          <a:latin typeface="Cambria Math" panose="02040503050406030204" pitchFamily="18" charset="0"/>
+                        </a:rPr>
+                        <m:t> </m:t>
+                      </m:r>
+                      <m:r>
+                        <a:rPr lang="en-US" b="0" i="1" smtClean="0">
+                          <a:latin typeface="Cambria Math" panose="02040503050406030204" pitchFamily="18" charset="0"/>
+                        </a:rPr>
+                        <m:t>𝑑𝑎𝑡𝑎</m:t>
                       </m:r>
                     </m:oMath>
                   </m:oMathPara>
@@ -9895,7 +11410,7 @@
 </p:sld>
 </file>
 
-<file path=ppt/slides/slide16.xml><?xml version="1.0" encoding="utf-8"?>
+<file path=ppt/slides/slide18.xml><?xml version="1.0" encoding="utf-8"?>
 <p:sld xmlns:a="http://schemas.openxmlformats.org/drawingml/2006/main" xmlns:r="http://schemas.openxmlformats.org/officeDocument/2006/relationships" xmlns:p="http://schemas.openxmlformats.org/presentationml/2006/main">
   <p:cSld>
     <p:spTree>
@@ -10131,7 +11646,7 @@
 </p:sld>
 </file>
 
-<file path=ppt/slides/slide17.xml><?xml version="1.0" encoding="utf-8"?>
+<file path=ppt/slides/slide19.xml><?xml version="1.0" encoding="utf-8"?>
 <p:sld xmlns:a="http://schemas.openxmlformats.org/drawingml/2006/main" xmlns:r="http://schemas.openxmlformats.org/officeDocument/2006/relationships" xmlns:p="http://schemas.openxmlformats.org/presentationml/2006/main">
   <p:cSld>
     <p:bg>
@@ -10515,7 +12030,228 @@
 </p:sld>
 </file>
 
-<file path=ppt/slides/slide18.xml><?xml version="1.0" encoding="utf-8"?>
+<file path=ppt/slides/slide2.xml><?xml version="1.0" encoding="utf-8"?>
+<p:sld xmlns:a="http://schemas.openxmlformats.org/drawingml/2006/main" xmlns:r="http://schemas.openxmlformats.org/officeDocument/2006/relationships" xmlns:p="http://schemas.openxmlformats.org/presentationml/2006/main">
+  <p:cSld>
+    <p:spTree>
+      <p:nvGrpSpPr>
+        <p:cNvPr id="1" name=""/>
+        <p:cNvGrpSpPr/>
+        <p:nvPr/>
+      </p:nvGrpSpPr>
+      <p:grpSpPr>
+        <a:xfrm>
+          <a:off x="0" y="0"/>
+          <a:ext cx="0" cy="0"/>
+          <a:chOff x="0" y="0"/>
+          <a:chExt cx="0" cy="0"/>
+        </a:xfrm>
+      </p:grpSpPr>
+      <p:sp>
+        <p:nvSpPr>
+          <p:cNvPr id="26" name="Rectangle 25">
+            <a:extLst>
+              <a:ext uri="{FF2B5EF4-FFF2-40B4-BE49-F238E27FC236}">
+                <a16:creationId xmlns:a16="http://schemas.microsoft.com/office/drawing/2014/main" id="{E20EB187-900F-4AF5-813B-101456D9FD39}"/>
+              </a:ext>
+              <a:ext uri="{C183D7F6-B498-43B3-948B-1728B52AA6E4}">
+                <adec:decorative xmlns:adec="http://schemas.microsoft.com/office/drawing/2017/decorative" val="1"/>
+              </a:ext>
+            </a:extLst>
+          </p:cNvPr>
+          <p:cNvSpPr>
+            <a:spLocks noGrp="1" noRot="1" noChangeAspect="1" noMove="1" noResize="1" noEditPoints="1" noAdjustHandles="1" noChangeArrowheads="1" noChangeShapeType="1" noTextEdit="1"/>
+          </p:cNvSpPr>
+          <p:nvPr>
+            <p:extLst>
+              <p:ext uri="{386F3935-93C4-4BCD-93E2-E3B085C9AB24}">
+                <p16:designElem xmlns:p16="http://schemas.microsoft.com/office/powerpoint/2015/main" val="1"/>
+              </p:ext>
+            </p:extLst>
+          </p:nvPr>
+        </p:nvSpPr>
+        <p:spPr>
+          <a:xfrm>
+            <a:off x="0" y="0"/>
+            <a:ext cx="12192000" cy="6858000"/>
+          </a:xfrm>
+          <a:prstGeom prst="rect">
+            <a:avLst/>
+          </a:prstGeom>
+          <a:solidFill>
+            <a:srgbClr val="000000"/>
+          </a:solidFill>
+          <a:ln>
+            <a:noFill/>
+          </a:ln>
+        </p:spPr>
+        <p:style>
+          <a:lnRef idx="2">
+            <a:schemeClr val="accent1">
+              <a:shade val="50000"/>
+            </a:schemeClr>
+          </a:lnRef>
+          <a:fillRef idx="1">
+            <a:schemeClr val="accent1"/>
+          </a:fillRef>
+          <a:effectRef idx="0">
+            <a:schemeClr val="accent1"/>
+          </a:effectRef>
+          <a:fontRef idx="minor">
+            <a:schemeClr val="lt1"/>
+          </a:fontRef>
+        </p:style>
+        <p:txBody>
+          <a:bodyPr rtlCol="0" anchor="ctr"/>
+          <a:lstStyle/>
+          <a:p>
+            <a:pPr algn="ctr"/>
+            <a:endParaRPr lang="en-US"/>
+          </a:p>
+        </p:txBody>
+      </p:sp>
+      <p:pic>
+        <p:nvPicPr>
+          <p:cNvPr id="7" name="Picture 6" descr="A close up of a sign&#10;&#10;Description automatically generated">
+            <a:extLst>
+              <a:ext uri="{FF2B5EF4-FFF2-40B4-BE49-F238E27FC236}">
+                <a16:creationId xmlns:a16="http://schemas.microsoft.com/office/drawing/2014/main" id="{0ACBD36B-9E84-4190-980C-4507C3EC63F6}"/>
+              </a:ext>
+            </a:extLst>
+          </p:cNvPr>
+          <p:cNvPicPr>
+            <a:picLocks noChangeAspect="1"/>
+          </p:cNvPicPr>
+          <p:nvPr/>
+        </p:nvPicPr>
+        <p:blipFill rotWithShape="1">
+          <a:blip r:embed="rId2">
+            <a:alphaModFix amt="20000"/>
+            <a:extLst>
+              <a:ext uri="{28A0092B-C50C-407E-A947-70E740481C1C}">
+                <a14:useLocalDpi xmlns:a14="http://schemas.microsoft.com/office/drawing/2010/main" val="0"/>
+              </a:ext>
+            </a:extLst>
+          </a:blip>
+          <a:srcRect/>
+          <a:stretch/>
+        </p:blipFill>
+        <p:spPr>
+          <a:xfrm>
+            <a:off x="20" y="3"/>
+            <a:ext cx="12191980" cy="6857999"/>
+          </a:xfrm>
+          <a:prstGeom prst="rect">
+            <a:avLst/>
+          </a:prstGeom>
+        </p:spPr>
+      </p:pic>
+      <p:sp>
+        <p:nvSpPr>
+          <p:cNvPr id="4" name="Title 3">
+            <a:extLst>
+              <a:ext uri="{FF2B5EF4-FFF2-40B4-BE49-F238E27FC236}">
+                <a16:creationId xmlns:a16="http://schemas.microsoft.com/office/drawing/2014/main" id="{2CDB847B-130F-4EBE-BFA1-E7518EACCADB}"/>
+              </a:ext>
+            </a:extLst>
+          </p:cNvPr>
+          <p:cNvSpPr>
+            <a:spLocks noGrp="1"/>
+          </p:cNvSpPr>
+          <p:nvPr>
+            <p:ph type="ctrTitle"/>
+          </p:nvPr>
+        </p:nvSpPr>
+        <p:spPr>
+          <a:xfrm>
+            <a:off x="4387349" y="1200152"/>
+            <a:ext cx="6897171" cy="4457696"/>
+          </a:xfrm>
+        </p:spPr>
+        <p:txBody>
+          <a:bodyPr anchor="ctr">
+            <a:normAutofit/>
+          </a:bodyPr>
+          <a:lstStyle/>
+          <a:p>
+            <a:pPr algn="l"/>
+            <a:r>
+              <a:rPr lang="en-US" sz="8000">
+                <a:solidFill>
+                  <a:srgbClr val="FFFFFF"/>
+                </a:solidFill>
+              </a:rPr>
+              <a:t>STUDY BACKGROUND &amp; OBJECTIVES</a:t>
+            </a:r>
+          </a:p>
+        </p:txBody>
+      </p:sp>
+      <p:cxnSp>
+        <p:nvCxnSpPr>
+          <p:cNvPr id="28" name="Straight Connector 27">
+            <a:extLst>
+              <a:ext uri="{FF2B5EF4-FFF2-40B4-BE49-F238E27FC236}">
+                <a16:creationId xmlns:a16="http://schemas.microsoft.com/office/drawing/2014/main" id="{624D17C8-E9C2-48A4-AA36-D7048A6CCC41}"/>
+              </a:ext>
+              <a:ext uri="{C183D7F6-B498-43B3-948B-1728B52AA6E4}">
+                <adec:decorative xmlns:adec="http://schemas.microsoft.com/office/drawing/2017/decorative" val="1"/>
+              </a:ext>
+            </a:extLst>
+          </p:cNvPr>
+          <p:cNvCxnSpPr>
+            <a:cxnSpLocks noGrp="1" noRot="1" noChangeAspect="1" noMove="1" noResize="1" noEditPoints="1" noAdjustHandles="1" noChangeArrowheads="1" noChangeShapeType="1"/>
+          </p:cNvCxnSpPr>
+          <p:nvPr>
+            <p:extLst>
+              <p:ext uri="{386F3935-93C4-4BCD-93E2-E3B085C9AB24}">
+                <p16:designElem xmlns:p16="http://schemas.microsoft.com/office/powerpoint/2015/main" val="1"/>
+              </p:ext>
+            </p:extLst>
+          </p:nvPr>
+        </p:nvCxnSpPr>
+        <p:spPr>
+          <a:xfrm>
+            <a:off x="4055891" y="2286000"/>
+            <a:ext cx="0" cy="2286000"/>
+          </a:xfrm>
+          <a:prstGeom prst="line">
+            <a:avLst/>
+          </a:prstGeom>
+          <a:ln w="19050">
+            <a:solidFill>
+              <a:srgbClr val="FFFFFF"/>
+            </a:solidFill>
+          </a:ln>
+        </p:spPr>
+        <p:style>
+          <a:lnRef idx="1">
+            <a:schemeClr val="accent1"/>
+          </a:lnRef>
+          <a:fillRef idx="0">
+            <a:schemeClr val="accent1"/>
+          </a:fillRef>
+          <a:effectRef idx="0">
+            <a:schemeClr val="accent1"/>
+          </a:effectRef>
+          <a:fontRef idx="minor">
+            <a:schemeClr val="tx1"/>
+          </a:fontRef>
+        </p:style>
+      </p:cxnSp>
+    </p:spTree>
+    <p:extLst>
+      <p:ext uri="{BB962C8B-B14F-4D97-AF65-F5344CB8AC3E}">
+        <p14:creationId xmlns:p14="http://schemas.microsoft.com/office/powerpoint/2010/main" val="650518175"/>
+      </p:ext>
+    </p:extLst>
+  </p:cSld>
+  <p:clrMapOvr>
+    <a:masterClrMapping/>
+  </p:clrMapOvr>
+</p:sld>
+</file>
+
+<file path=ppt/slides/slide20.xml><?xml version="1.0" encoding="utf-8"?>
 <p:sld xmlns:a="http://schemas.openxmlformats.org/drawingml/2006/main" xmlns:r="http://schemas.openxmlformats.org/officeDocument/2006/relationships" xmlns:p="http://schemas.openxmlformats.org/presentationml/2006/main">
   <p:cSld>
     <p:bg>
@@ -10814,6 +12550,9 @@
           <a:lstStyle/>
           <a:p>
             <a:pPr>
+              <a:buClr>
+                <a:srgbClr val="C00000"/>
+              </a:buClr>
               <a:buFont typeface="Wingdings" panose="05000000000000000000" pitchFamily="2" charset="2"/>
               <a:buChar char="§"/>
             </a:pPr>
@@ -10824,6 +12563,9 @@
           </a:p>
           <a:p>
             <a:pPr>
+              <a:buClr>
+                <a:srgbClr val="C00000"/>
+              </a:buClr>
               <a:buFont typeface="Wingdings" panose="05000000000000000000" pitchFamily="2" charset="2"/>
               <a:buChar char="§"/>
             </a:pPr>
@@ -10834,6 +12576,9 @@
           </a:p>
           <a:p>
             <a:pPr>
+              <a:buClr>
+                <a:srgbClr val="C00000"/>
+              </a:buClr>
               <a:buFont typeface="Wingdings" panose="05000000000000000000" pitchFamily="2" charset="2"/>
               <a:buChar char="§"/>
             </a:pPr>
@@ -10860,7 +12605,7 @@
 </p:sld>
 </file>
 
-<file path=ppt/slides/slide19.xml><?xml version="1.0" encoding="utf-8"?>
+<file path=ppt/slides/slide21.xml><?xml version="1.0" encoding="utf-8"?>
 <p:sld xmlns:a="http://schemas.openxmlformats.org/drawingml/2006/main" xmlns:r="http://schemas.openxmlformats.org/officeDocument/2006/relationships" xmlns:p="http://schemas.openxmlformats.org/presentationml/2006/main">
   <p:cSld>
     <p:spTree>
@@ -11004,228 +12749,7 @@
 </p:sld>
 </file>
 
-<file path=ppt/slides/slide2.xml><?xml version="1.0" encoding="utf-8"?>
-<p:sld xmlns:a="http://schemas.openxmlformats.org/drawingml/2006/main" xmlns:r="http://schemas.openxmlformats.org/officeDocument/2006/relationships" xmlns:p="http://schemas.openxmlformats.org/presentationml/2006/main">
-  <p:cSld>
-    <p:spTree>
-      <p:nvGrpSpPr>
-        <p:cNvPr id="1" name=""/>
-        <p:cNvGrpSpPr/>
-        <p:nvPr/>
-      </p:nvGrpSpPr>
-      <p:grpSpPr>
-        <a:xfrm>
-          <a:off x="0" y="0"/>
-          <a:ext cx="0" cy="0"/>
-          <a:chOff x="0" y="0"/>
-          <a:chExt cx="0" cy="0"/>
-        </a:xfrm>
-      </p:grpSpPr>
-      <p:sp>
-        <p:nvSpPr>
-          <p:cNvPr id="26" name="Rectangle 25">
-            <a:extLst>
-              <a:ext uri="{FF2B5EF4-FFF2-40B4-BE49-F238E27FC236}">
-                <a16:creationId xmlns:a16="http://schemas.microsoft.com/office/drawing/2014/main" id="{E20EB187-900F-4AF5-813B-101456D9FD39}"/>
-              </a:ext>
-              <a:ext uri="{C183D7F6-B498-43B3-948B-1728B52AA6E4}">
-                <adec:decorative xmlns:adec="http://schemas.microsoft.com/office/drawing/2017/decorative" val="1"/>
-              </a:ext>
-            </a:extLst>
-          </p:cNvPr>
-          <p:cNvSpPr>
-            <a:spLocks noGrp="1" noRot="1" noChangeAspect="1" noMove="1" noResize="1" noEditPoints="1" noAdjustHandles="1" noChangeArrowheads="1" noChangeShapeType="1" noTextEdit="1"/>
-          </p:cNvSpPr>
-          <p:nvPr>
-            <p:extLst>
-              <p:ext uri="{386F3935-93C4-4BCD-93E2-E3B085C9AB24}">
-                <p16:designElem xmlns:p16="http://schemas.microsoft.com/office/powerpoint/2015/main" val="1"/>
-              </p:ext>
-            </p:extLst>
-          </p:nvPr>
-        </p:nvSpPr>
-        <p:spPr>
-          <a:xfrm>
-            <a:off x="0" y="0"/>
-            <a:ext cx="12192000" cy="6858000"/>
-          </a:xfrm>
-          <a:prstGeom prst="rect">
-            <a:avLst/>
-          </a:prstGeom>
-          <a:solidFill>
-            <a:srgbClr val="000000"/>
-          </a:solidFill>
-          <a:ln>
-            <a:noFill/>
-          </a:ln>
-        </p:spPr>
-        <p:style>
-          <a:lnRef idx="2">
-            <a:schemeClr val="accent1">
-              <a:shade val="50000"/>
-            </a:schemeClr>
-          </a:lnRef>
-          <a:fillRef idx="1">
-            <a:schemeClr val="accent1"/>
-          </a:fillRef>
-          <a:effectRef idx="0">
-            <a:schemeClr val="accent1"/>
-          </a:effectRef>
-          <a:fontRef idx="minor">
-            <a:schemeClr val="lt1"/>
-          </a:fontRef>
-        </p:style>
-        <p:txBody>
-          <a:bodyPr rtlCol="0" anchor="ctr"/>
-          <a:lstStyle/>
-          <a:p>
-            <a:pPr algn="ctr"/>
-            <a:endParaRPr lang="en-US"/>
-          </a:p>
-        </p:txBody>
-      </p:sp>
-      <p:pic>
-        <p:nvPicPr>
-          <p:cNvPr id="7" name="Picture 6" descr="A close up of a sign&#10;&#10;Description automatically generated">
-            <a:extLst>
-              <a:ext uri="{FF2B5EF4-FFF2-40B4-BE49-F238E27FC236}">
-                <a16:creationId xmlns:a16="http://schemas.microsoft.com/office/drawing/2014/main" id="{0ACBD36B-9E84-4190-980C-4507C3EC63F6}"/>
-              </a:ext>
-            </a:extLst>
-          </p:cNvPr>
-          <p:cNvPicPr>
-            <a:picLocks noChangeAspect="1"/>
-          </p:cNvPicPr>
-          <p:nvPr/>
-        </p:nvPicPr>
-        <p:blipFill rotWithShape="1">
-          <a:blip r:embed="rId2">
-            <a:alphaModFix amt="20000"/>
-            <a:extLst>
-              <a:ext uri="{28A0092B-C50C-407E-A947-70E740481C1C}">
-                <a14:useLocalDpi xmlns:a14="http://schemas.microsoft.com/office/drawing/2010/main" val="0"/>
-              </a:ext>
-            </a:extLst>
-          </a:blip>
-          <a:srcRect/>
-          <a:stretch/>
-        </p:blipFill>
-        <p:spPr>
-          <a:xfrm>
-            <a:off x="20" y="3"/>
-            <a:ext cx="12191980" cy="6857999"/>
-          </a:xfrm>
-          <a:prstGeom prst="rect">
-            <a:avLst/>
-          </a:prstGeom>
-        </p:spPr>
-      </p:pic>
-      <p:sp>
-        <p:nvSpPr>
-          <p:cNvPr id="4" name="Title 3">
-            <a:extLst>
-              <a:ext uri="{FF2B5EF4-FFF2-40B4-BE49-F238E27FC236}">
-                <a16:creationId xmlns:a16="http://schemas.microsoft.com/office/drawing/2014/main" id="{2CDB847B-130F-4EBE-BFA1-E7518EACCADB}"/>
-              </a:ext>
-            </a:extLst>
-          </p:cNvPr>
-          <p:cNvSpPr>
-            <a:spLocks noGrp="1"/>
-          </p:cNvSpPr>
-          <p:nvPr>
-            <p:ph type="ctrTitle"/>
-          </p:nvPr>
-        </p:nvSpPr>
-        <p:spPr>
-          <a:xfrm>
-            <a:off x="4387349" y="1200152"/>
-            <a:ext cx="6897171" cy="4457696"/>
-          </a:xfrm>
-        </p:spPr>
-        <p:txBody>
-          <a:bodyPr anchor="ctr">
-            <a:normAutofit/>
-          </a:bodyPr>
-          <a:lstStyle/>
-          <a:p>
-            <a:pPr algn="l"/>
-            <a:r>
-              <a:rPr lang="en-US" sz="8000">
-                <a:solidFill>
-                  <a:srgbClr val="FFFFFF"/>
-                </a:solidFill>
-              </a:rPr>
-              <a:t>STUDY BACKGROUND &amp; OBJECTIVES</a:t>
-            </a:r>
-          </a:p>
-        </p:txBody>
-      </p:sp>
-      <p:cxnSp>
-        <p:nvCxnSpPr>
-          <p:cNvPr id="28" name="Straight Connector 27">
-            <a:extLst>
-              <a:ext uri="{FF2B5EF4-FFF2-40B4-BE49-F238E27FC236}">
-                <a16:creationId xmlns:a16="http://schemas.microsoft.com/office/drawing/2014/main" id="{624D17C8-E9C2-48A4-AA36-D7048A6CCC41}"/>
-              </a:ext>
-              <a:ext uri="{C183D7F6-B498-43B3-948B-1728B52AA6E4}">
-                <adec:decorative xmlns:adec="http://schemas.microsoft.com/office/drawing/2017/decorative" val="1"/>
-              </a:ext>
-            </a:extLst>
-          </p:cNvPr>
-          <p:cNvCxnSpPr>
-            <a:cxnSpLocks noGrp="1" noRot="1" noChangeAspect="1" noMove="1" noResize="1" noEditPoints="1" noAdjustHandles="1" noChangeArrowheads="1" noChangeShapeType="1"/>
-          </p:cNvCxnSpPr>
-          <p:nvPr>
-            <p:extLst>
-              <p:ext uri="{386F3935-93C4-4BCD-93E2-E3B085C9AB24}">
-                <p16:designElem xmlns:p16="http://schemas.microsoft.com/office/powerpoint/2015/main" val="1"/>
-              </p:ext>
-            </p:extLst>
-          </p:nvPr>
-        </p:nvCxnSpPr>
-        <p:spPr>
-          <a:xfrm>
-            <a:off x="4055891" y="2286000"/>
-            <a:ext cx="0" cy="2286000"/>
-          </a:xfrm>
-          <a:prstGeom prst="line">
-            <a:avLst/>
-          </a:prstGeom>
-          <a:ln w="19050">
-            <a:solidFill>
-              <a:srgbClr val="FFFFFF"/>
-            </a:solidFill>
-          </a:ln>
-        </p:spPr>
-        <p:style>
-          <a:lnRef idx="1">
-            <a:schemeClr val="accent1"/>
-          </a:lnRef>
-          <a:fillRef idx="0">
-            <a:schemeClr val="accent1"/>
-          </a:fillRef>
-          <a:effectRef idx="0">
-            <a:schemeClr val="accent1"/>
-          </a:effectRef>
-          <a:fontRef idx="minor">
-            <a:schemeClr val="tx1"/>
-          </a:fontRef>
-        </p:style>
-      </p:cxnSp>
-    </p:spTree>
-    <p:extLst>
-      <p:ext uri="{BB962C8B-B14F-4D97-AF65-F5344CB8AC3E}">
-        <p14:creationId xmlns:p14="http://schemas.microsoft.com/office/powerpoint/2010/main" val="650518175"/>
-      </p:ext>
-    </p:extLst>
-  </p:cSld>
-  <p:clrMapOvr>
-    <a:masterClrMapping/>
-  </p:clrMapOvr>
-</p:sld>
-</file>
-
-<file path=ppt/slides/slide20.xml><?xml version="1.0" encoding="utf-8"?>
+<file path=ppt/slides/slide22.xml><?xml version="1.0" encoding="utf-8"?>
 <p:sld xmlns:a="http://schemas.openxmlformats.org/drawingml/2006/main" xmlns:r="http://schemas.openxmlformats.org/officeDocument/2006/relationships" xmlns:p="http://schemas.openxmlformats.org/presentationml/2006/main">
   <p:cSld>
     <p:spTree>
@@ -12149,7 +13673,24 @@
                 <a:latin typeface="Browallia New" panose="020B0604020202020204" pitchFamily="34" charset="-34"/>
                 <a:cs typeface="Browallia New" panose="020B0604020202020204" pitchFamily="34" charset="-34"/>
               </a:rPr>
-              <a:t> lost a large proportion of the seats up for election?</a:t>
+              <a:t> </a:t>
+            </a:r>
+            <a:r>
+              <a:rPr lang="en-US" dirty="0">
+                <a:solidFill>
+                  <a:srgbClr val="FF0000"/>
+                </a:solidFill>
+                <a:latin typeface="Browallia New" panose="020B0604020202020204" pitchFamily="34" charset="-34"/>
+                <a:cs typeface="Browallia New" panose="020B0604020202020204" pitchFamily="34" charset="-34"/>
+              </a:rPr>
+              <a:t>lost</a:t>
+            </a:r>
+            <a:r>
+              <a:rPr lang="en-US" dirty="0">
+                <a:latin typeface="Browallia New" panose="020B0604020202020204" pitchFamily="34" charset="-34"/>
+                <a:cs typeface="Browallia New" panose="020B0604020202020204" pitchFamily="34" charset="-34"/>
+              </a:rPr>
+              <a:t> a large proportion of the seats up for election?</a:t>
             </a:r>
           </a:p>
           <a:p>
@@ -12172,7 +13713,24 @@
                 <a:latin typeface="Browallia New" panose="020B0604020202020204" pitchFamily="34" charset="-34"/>
                 <a:cs typeface="Browallia New" panose="020B0604020202020204" pitchFamily="34" charset="-34"/>
               </a:rPr>
-              <a:t> lost a large proportion of the seats up for election? </a:t>
+              <a:t> </a:t>
+            </a:r>
+            <a:r>
+              <a:rPr lang="en-US" dirty="0">
+                <a:solidFill>
+                  <a:srgbClr val="FF0000"/>
+                </a:solidFill>
+                <a:latin typeface="Browallia New" panose="020B0604020202020204" pitchFamily="34" charset="-34"/>
+                <a:cs typeface="Browallia New" panose="020B0604020202020204" pitchFamily="34" charset="-34"/>
+              </a:rPr>
+              <a:t>lost</a:t>
+            </a:r>
+            <a:r>
+              <a:rPr lang="en-US" dirty="0">
+                <a:latin typeface="Browallia New" panose="020B0604020202020204" pitchFamily="34" charset="-34"/>
+                <a:cs typeface="Browallia New" panose="020B0604020202020204" pitchFamily="34" charset="-34"/>
+              </a:rPr>
+              <a:t> a large proportion of the seats up for election? </a:t>
             </a:r>
           </a:p>
           <a:p>
@@ -12223,7 +13781,24 @@
                 <a:latin typeface="Browallia New" panose="020B0604020202020204" pitchFamily="34" charset="-34"/>
                 <a:cs typeface="Browallia New" panose="020B0604020202020204" pitchFamily="34" charset="-34"/>
               </a:rPr>
-              <a:t> made the largest gains? </a:t>
+              <a:t> made the largest </a:t>
+            </a:r>
+            <a:r>
+              <a:rPr lang="en-US" dirty="0">
+                <a:solidFill>
+                  <a:srgbClr val="00B050"/>
+                </a:solidFill>
+                <a:latin typeface="Browallia New" panose="020B0604020202020204" pitchFamily="34" charset="-34"/>
+                <a:cs typeface="Browallia New" panose="020B0604020202020204" pitchFamily="34" charset="-34"/>
+              </a:rPr>
+              <a:t>gains</a:t>
+            </a:r>
+            <a:r>
+              <a:rPr lang="en-US" dirty="0">
+                <a:latin typeface="Browallia New" panose="020B0604020202020204" pitchFamily="34" charset="-34"/>
+                <a:cs typeface="Browallia New" panose="020B0604020202020204" pitchFamily="34" charset="-34"/>
+              </a:rPr>
+              <a:t>? </a:t>
             </a:r>
           </a:p>
           <a:p>
@@ -13711,6 +15286,786 @@
 <file path=ppt/slides/slide7.xml><?xml version="1.0" encoding="utf-8"?>
 <p:sld xmlns:a="http://schemas.openxmlformats.org/drawingml/2006/main" xmlns:r="http://schemas.openxmlformats.org/officeDocument/2006/relationships" xmlns:p="http://schemas.openxmlformats.org/presentationml/2006/main">
   <p:cSld>
+    <p:bg>
+      <p:bgPr>
+        <a:solidFill>
+          <a:schemeClr val="bg1"/>
+        </a:solidFill>
+        <a:effectLst/>
+      </p:bgPr>
+    </p:bg>
+    <p:spTree>
+      <p:nvGrpSpPr>
+        <p:cNvPr id="1" name=""/>
+        <p:cNvGrpSpPr/>
+        <p:nvPr/>
+      </p:nvGrpSpPr>
+      <p:grpSpPr>
+        <a:xfrm>
+          <a:off x="0" y="0"/>
+          <a:ext cx="0" cy="0"/>
+          <a:chOff x="0" y="0"/>
+          <a:chExt cx="0" cy="0"/>
+        </a:xfrm>
+      </p:grpSpPr>
+      <p:sp>
+        <p:nvSpPr>
+          <p:cNvPr id="4" name="Title 3">
+            <a:extLst>
+              <a:ext uri="{FF2B5EF4-FFF2-40B4-BE49-F238E27FC236}">
+                <a16:creationId xmlns:a16="http://schemas.microsoft.com/office/drawing/2014/main" id="{2CDB847B-130F-4EBE-BFA1-E7518EACCADB}"/>
+              </a:ext>
+            </a:extLst>
+          </p:cNvPr>
+          <p:cNvSpPr>
+            <a:spLocks noGrp="1"/>
+          </p:cNvSpPr>
+          <p:nvPr>
+            <p:ph type="title"/>
+          </p:nvPr>
+        </p:nvSpPr>
+        <p:spPr>
+          <a:xfrm>
+            <a:off x="843319" y="349423"/>
+            <a:ext cx="8906731" cy="1325563"/>
+          </a:xfrm>
+        </p:spPr>
+        <p:txBody>
+          <a:bodyPr>
+            <a:normAutofit/>
+          </a:bodyPr>
+          <a:lstStyle/>
+          <a:p>
+            <a:r>
+              <a:rPr lang="en-US" sz="4000" b="1" dirty="0"/>
+              <a:t>VARIABLE TRANSFORMATION</a:t>
+            </a:r>
+          </a:p>
+        </p:txBody>
+      </p:sp>
+      <p:sp>
+        <p:nvSpPr>
+          <p:cNvPr id="20" name="Rectangle 19">
+            <a:extLst>
+              <a:ext uri="{FF2B5EF4-FFF2-40B4-BE49-F238E27FC236}">
+                <a16:creationId xmlns:a16="http://schemas.microsoft.com/office/drawing/2014/main" id="{59A309A7-1751-4ABE-A3C1-EEC40366AD89}"/>
+              </a:ext>
+              <a:ext uri="{C183D7F6-B498-43B3-948B-1728B52AA6E4}">
+                <adec:decorative xmlns:adec="http://schemas.microsoft.com/office/drawing/2017/decorative" val="1"/>
+              </a:ext>
+            </a:extLst>
+          </p:cNvPr>
+          <p:cNvSpPr>
+            <a:spLocks noGrp="1" noRot="1" noChangeAspect="1" noMove="1" noResize="1" noEditPoints="1" noAdjustHandles="1" noChangeArrowheads="1" noChangeShapeType="1" noTextEdit="1"/>
+          </p:cNvSpPr>
+          <p:nvPr>
+            <p:extLst>
+              <p:ext uri="{386F3935-93C4-4BCD-93E2-E3B085C9AB24}">
+                <p16:designElem xmlns:p16="http://schemas.microsoft.com/office/powerpoint/2015/main" val="1"/>
+              </p:ext>
+            </p:extLst>
+          </p:nvPr>
+        </p:nvSpPr>
+        <p:spPr>
+          <a:xfrm>
+            <a:off x="10088880" y="0"/>
+            <a:ext cx="2103120" cy="6858000"/>
+          </a:xfrm>
+          <a:prstGeom prst="rect">
+            <a:avLst/>
+          </a:prstGeom>
+          <a:solidFill>
+            <a:schemeClr val="accent1"/>
+          </a:solidFill>
+          <a:ln>
+            <a:noFill/>
+          </a:ln>
+        </p:spPr>
+        <p:style>
+          <a:lnRef idx="2">
+            <a:schemeClr val="accent1">
+              <a:shade val="50000"/>
+            </a:schemeClr>
+          </a:lnRef>
+          <a:fillRef idx="1">
+            <a:schemeClr val="accent1"/>
+          </a:fillRef>
+          <a:effectRef idx="0">
+            <a:schemeClr val="accent1"/>
+          </a:effectRef>
+          <a:fontRef idx="minor">
+            <a:schemeClr val="lt1"/>
+          </a:fontRef>
+        </p:style>
+        <p:txBody>
+          <a:bodyPr rtlCol="0" anchor="ctr"/>
+          <a:lstStyle/>
+          <a:p>
+            <a:pPr algn="ctr"/>
+            <a:endParaRPr lang="en-US"/>
+          </a:p>
+        </p:txBody>
+      </p:sp>
+      <p:sp>
+        <p:nvSpPr>
+          <p:cNvPr id="22" name="Oval 21">
+            <a:extLst>
+              <a:ext uri="{FF2B5EF4-FFF2-40B4-BE49-F238E27FC236}">
+                <a16:creationId xmlns:a16="http://schemas.microsoft.com/office/drawing/2014/main" id="{967D8EB6-EAE1-4F9C-B398-83321E287204}"/>
+              </a:ext>
+              <a:ext uri="{C183D7F6-B498-43B3-948B-1728B52AA6E4}">
+                <adec:decorative xmlns:adec="http://schemas.microsoft.com/office/drawing/2017/decorative" val="1"/>
+              </a:ext>
+            </a:extLst>
+          </p:cNvPr>
+          <p:cNvSpPr>
+            <a:spLocks noGrp="1" noRot="1" noChangeAspect="1" noMove="1" noResize="1" noEditPoints="1" noAdjustHandles="1" noChangeArrowheads="1" noChangeShapeType="1" noTextEdit="1"/>
+          </p:cNvSpPr>
+          <p:nvPr>
+            <p:extLst>
+              <p:ext uri="{386F3935-93C4-4BCD-93E2-E3B085C9AB24}">
+                <p16:designElem xmlns:p16="http://schemas.microsoft.com/office/powerpoint/2015/main" val="1"/>
+              </p:ext>
+            </p:extLst>
+          </p:nvPr>
+        </p:nvSpPr>
+        <p:spPr>
+          <a:xfrm>
+            <a:off x="8915400" y="2358913"/>
+            <a:ext cx="2140172" cy="2140172"/>
+          </a:xfrm>
+          <a:prstGeom prst="ellipse">
+            <a:avLst/>
+          </a:prstGeom>
+          <a:solidFill>
+            <a:srgbClr val="FFFFFF"/>
+          </a:solidFill>
+          <a:ln w="22225">
+            <a:solidFill>
+              <a:schemeClr val="accent1"/>
+            </a:solidFill>
+          </a:ln>
+        </p:spPr>
+        <p:style>
+          <a:lnRef idx="2">
+            <a:schemeClr val="accent1">
+              <a:shade val="50000"/>
+            </a:schemeClr>
+          </a:lnRef>
+          <a:fillRef idx="1">
+            <a:schemeClr val="accent1"/>
+          </a:fillRef>
+          <a:effectRef idx="0">
+            <a:schemeClr val="accent1"/>
+          </a:effectRef>
+          <a:fontRef idx="minor">
+            <a:schemeClr val="lt1"/>
+          </a:fontRef>
+        </p:style>
+        <p:txBody>
+          <a:bodyPr rtlCol="0" anchor="ctr"/>
+          <a:lstStyle/>
+          <a:p>
+            <a:pPr algn="ctr"/>
+            <a:endParaRPr lang="en-US"/>
+          </a:p>
+        </p:txBody>
+      </p:sp>
+      <p:pic>
+        <p:nvPicPr>
+          <p:cNvPr id="10" name="Graphic 9" descr="ReportAdd">
+            <a:extLst>
+              <a:ext uri="{FF2B5EF4-FFF2-40B4-BE49-F238E27FC236}">
+                <a16:creationId xmlns:a16="http://schemas.microsoft.com/office/drawing/2014/main" id="{B6006F1C-FB51-4023-9132-079B892070DF}"/>
+              </a:ext>
+            </a:extLst>
+          </p:cNvPr>
+          <p:cNvPicPr>
+            <a:picLocks noChangeAspect="1"/>
+          </p:cNvPicPr>
+          <p:nvPr/>
+        </p:nvPicPr>
+        <p:blipFill>
+          <a:blip r:embed="rId2">
+            <a:extLst>
+              <a:ext uri="{28A0092B-C50C-407E-A947-70E740481C1C}">
+                <a14:useLocalDpi xmlns:a14="http://schemas.microsoft.com/office/drawing/2010/main" val="0"/>
+              </a:ext>
+              <a:ext uri="{96DAC541-7B7A-43D3-8B79-37D633B846F1}">
+                <asvg:svgBlip xmlns:asvg="http://schemas.microsoft.com/office/drawing/2016/SVG/main" r:embed="rId3"/>
+              </a:ext>
+            </a:extLst>
+          </a:blip>
+          <a:stretch>
+            <a:fillRect/>
+          </a:stretch>
+        </p:blipFill>
+        <p:spPr>
+          <a:xfrm>
+            <a:off x="9413987" y="2857501"/>
+            <a:ext cx="1142998" cy="1142998"/>
+          </a:xfrm>
+          <a:prstGeom prst="rect">
+            <a:avLst/>
+          </a:prstGeom>
+        </p:spPr>
+      </p:pic>
+      <p:cxnSp>
+        <p:nvCxnSpPr>
+          <p:cNvPr id="21" name="Straight Connector 20">
+            <a:extLst>
+              <a:ext uri="{FF2B5EF4-FFF2-40B4-BE49-F238E27FC236}">
+                <a16:creationId xmlns:a16="http://schemas.microsoft.com/office/drawing/2014/main" id="{AF417F85-C3CA-437B-85AD-211465A75419}"/>
+              </a:ext>
+            </a:extLst>
+          </p:cNvPr>
+          <p:cNvCxnSpPr>
+            <a:cxnSpLocks/>
+          </p:cNvCxnSpPr>
+          <p:nvPr/>
+        </p:nvCxnSpPr>
+        <p:spPr>
+          <a:xfrm>
+            <a:off x="872229" y="1423050"/>
+            <a:ext cx="7522210" cy="0"/>
+          </a:xfrm>
+          <a:prstGeom prst="line">
+            <a:avLst/>
+          </a:prstGeom>
+          <a:ln w="28575">
+            <a:solidFill>
+              <a:srgbClr val="FF0000"/>
+            </a:solidFill>
+            <a:headEnd type="none" w="med" len="med"/>
+            <a:tailEnd type="none" w="med" len="med"/>
+          </a:ln>
+        </p:spPr>
+        <p:style>
+          <a:lnRef idx="1">
+            <a:schemeClr val="accent1"/>
+          </a:lnRef>
+          <a:fillRef idx="0">
+            <a:schemeClr val="accent1"/>
+          </a:fillRef>
+          <a:effectRef idx="0">
+            <a:schemeClr val="accent1"/>
+          </a:effectRef>
+          <a:fontRef idx="minor">
+            <a:schemeClr val="tx1"/>
+          </a:fontRef>
+        </p:style>
+      </p:cxnSp>
+      <mc:AlternateContent xmlns:mc="http://schemas.openxmlformats.org/markup-compatibility/2006">
+        <mc:Choice xmlns:a14="http://schemas.microsoft.com/office/drawing/2010/main" Requires="a14">
+          <p:sp>
+            <p:nvSpPr>
+              <p:cNvPr id="2" name="TextBox 1">
+                <a:extLst>
+                  <a:ext uri="{FF2B5EF4-FFF2-40B4-BE49-F238E27FC236}">
+                    <a16:creationId xmlns:a16="http://schemas.microsoft.com/office/drawing/2014/main" id="{63472DEE-C699-49A9-8C21-645D0CE339BC}"/>
+                  </a:ext>
+                </a:extLst>
+              </p:cNvPr>
+              <p:cNvSpPr txBox="1"/>
+              <p:nvPr/>
+            </p:nvSpPr>
+            <p:spPr>
+              <a:xfrm>
+                <a:off x="872228" y="2133873"/>
+                <a:ext cx="7052561" cy="935192"/>
+              </a:xfrm>
+              <a:prstGeom prst="rect">
+                <a:avLst/>
+              </a:prstGeom>
+              <a:noFill/>
+            </p:spPr>
+            <p:txBody>
+              <a:bodyPr wrap="square" lIns="0" tIns="0" rIns="0" bIns="0" rtlCol="0">
+                <a:spAutoFit/>
+              </a:bodyPr>
+              <a:lstStyle/>
+              <a:p>
+                <a14:m>
+                  <m:oMathPara xmlns:m="http://schemas.openxmlformats.org/officeDocument/2006/math">
+                    <m:oMathParaPr>
+                      <m:jc m:val="centerGroup"/>
+                    </m:oMathParaPr>
+                    <m:oMath xmlns:m="http://schemas.openxmlformats.org/officeDocument/2006/math">
+                      <m:r>
+                        <a:rPr lang="en-US" sz="3200" b="0" i="1" smtClean="0">
+                          <a:solidFill>
+                            <a:schemeClr val="tx1"/>
+                          </a:solidFill>
+                          <a:latin typeface="Cambria Math" panose="02040503050406030204" pitchFamily="18" charset="0"/>
+                        </a:rPr>
+                        <m:t>𝑝𝑟𝑜𝑝𝑜𝑟𝑡𝑖𝑜𝑛</m:t>
+                      </m:r>
+                      <m:r>
+                        <a:rPr lang="en-US" sz="3200" b="0" i="1" smtClean="0">
+                          <a:solidFill>
+                            <a:schemeClr val="tx1"/>
+                          </a:solidFill>
+                          <a:latin typeface="Cambria Math" panose="02040503050406030204" pitchFamily="18" charset="0"/>
+                        </a:rPr>
+                        <m:t> </m:t>
+                      </m:r>
+                      <m:r>
+                        <a:rPr lang="en-US" sz="3200" b="0" i="1" smtClean="0">
+                          <a:solidFill>
+                            <a:schemeClr val="tx1"/>
+                          </a:solidFill>
+                          <a:latin typeface="Cambria Math" panose="02040503050406030204" pitchFamily="18" charset="0"/>
+                        </a:rPr>
+                        <m:t>𝑐h𝑎𝑛𝑔𝑒</m:t>
+                      </m:r>
+                      <m:r>
+                        <a:rPr lang="en-US" sz="3200" b="0" i="1" smtClean="0">
+                          <a:latin typeface="Cambria Math" panose="02040503050406030204" pitchFamily="18" charset="0"/>
+                        </a:rPr>
+                        <m:t>= </m:t>
+                      </m:r>
+                      <m:f>
+                        <m:fPr>
+                          <m:ctrlPr>
+                            <a:rPr lang="en-US" sz="3200" b="0" i="1" smtClean="0">
+                              <a:latin typeface="Cambria Math" panose="02040503050406030204" pitchFamily="18" charset="0"/>
+                            </a:rPr>
+                          </m:ctrlPr>
+                        </m:fPr>
+                        <m:num>
+                          <m:r>
+                            <a:rPr lang="en-US" sz="3200" b="0" i="1" smtClean="0">
+                              <a:latin typeface="Cambria Math" panose="02040503050406030204" pitchFamily="18" charset="0"/>
+                            </a:rPr>
+                            <m:t>𝑐h𝑎𝑛𝑔𝑒</m:t>
+                          </m:r>
+                        </m:num>
+                        <m:den>
+                          <m:r>
+                            <a:rPr lang="en-US" sz="3200" b="0" i="1" smtClean="0">
+                              <a:latin typeface="Cambria Math" panose="02040503050406030204" pitchFamily="18" charset="0"/>
+                            </a:rPr>
+                            <m:t>𝑎𝑣𝑎𝑖𝑙𝑎𝑏𝑙𝑒</m:t>
+                          </m:r>
+                          <m:r>
+                            <a:rPr lang="en-US" sz="3200" b="0" i="1" smtClean="0">
+                              <a:latin typeface="Cambria Math" panose="02040503050406030204" pitchFamily="18" charset="0"/>
+                            </a:rPr>
+                            <m:t> </m:t>
+                          </m:r>
+                          <m:r>
+                            <a:rPr lang="en-US" sz="3200" b="0" i="1" smtClean="0">
+                              <a:latin typeface="Cambria Math" panose="02040503050406030204" pitchFamily="18" charset="0"/>
+                            </a:rPr>
+                            <m:t>𝑠𝑒𝑎𝑡𝑠</m:t>
+                          </m:r>
+                        </m:den>
+                      </m:f>
+                    </m:oMath>
+                  </m:oMathPara>
+                </a14:m>
+                <a:endParaRPr lang="en-US" sz="3200" dirty="0"/>
+              </a:p>
+            </p:txBody>
+          </p:sp>
+        </mc:Choice>
+        <mc:Fallback>
+          <p:sp>
+            <p:nvSpPr>
+              <p:cNvPr id="2" name="TextBox 1">
+                <a:extLst>
+                  <a:ext uri="{FF2B5EF4-FFF2-40B4-BE49-F238E27FC236}">
+                    <a16:creationId xmlns:a16="http://schemas.microsoft.com/office/drawing/2014/main" id="{63472DEE-C699-49A9-8C21-645D0CE339BC}"/>
+                  </a:ext>
+                </a:extLst>
+              </p:cNvPr>
+              <p:cNvSpPr txBox="1">
+                <a:spLocks noRot="1" noChangeAspect="1" noMove="1" noResize="1" noEditPoints="1" noAdjustHandles="1" noChangeArrowheads="1" noChangeShapeType="1" noTextEdit="1"/>
+              </p:cNvSpPr>
+              <p:nvPr/>
+            </p:nvSpPr>
+            <p:spPr>
+              <a:xfrm>
+                <a:off x="872228" y="2133873"/>
+                <a:ext cx="7052561" cy="935192"/>
+              </a:xfrm>
+              <a:prstGeom prst="rect">
+                <a:avLst/>
+              </a:prstGeom>
+              <a:blipFill>
+                <a:blip r:embed="rId4"/>
+                <a:stretch>
+                  <a:fillRect/>
+                </a:stretch>
+              </a:blipFill>
+            </p:spPr>
+            <p:txBody>
+              <a:bodyPr/>
+              <a:lstStyle/>
+              <a:p>
+                <a:r>
+                  <a:rPr lang="en-US">
+                    <a:noFill/>
+                  </a:rPr>
+                  <a:t> </a:t>
+                </a:r>
+              </a:p>
+            </p:txBody>
+          </p:sp>
+        </mc:Fallback>
+      </mc:AlternateContent>
+      <mc:AlternateContent xmlns:mc="http://schemas.openxmlformats.org/markup-compatibility/2006">
+        <mc:Choice xmlns:a14="http://schemas.microsoft.com/office/drawing/2010/main" Requires="a14">
+          <p:sp>
+            <p:nvSpPr>
+              <p:cNvPr id="16" name="TextBox 15">
+                <a:extLst>
+                  <a:ext uri="{FF2B5EF4-FFF2-40B4-BE49-F238E27FC236}">
+                    <a16:creationId xmlns:a16="http://schemas.microsoft.com/office/drawing/2014/main" id="{F6AC3E13-F5D2-491C-B256-9B454E05A93B}"/>
+                  </a:ext>
+                </a:extLst>
+              </p:cNvPr>
+              <p:cNvSpPr txBox="1"/>
+              <p:nvPr/>
+            </p:nvSpPr>
+            <p:spPr>
+              <a:xfrm>
+                <a:off x="843319" y="4499085"/>
+                <a:ext cx="7052561" cy="1107996"/>
+              </a:xfrm>
+              <a:prstGeom prst="rect">
+                <a:avLst/>
+              </a:prstGeom>
+              <a:noFill/>
+            </p:spPr>
+            <p:txBody>
+              <a:bodyPr wrap="square" lIns="0" tIns="0" rIns="0" bIns="0" rtlCol="0">
+                <a:spAutoFit/>
+              </a:bodyPr>
+              <a:lstStyle/>
+              <a:p>
+                <a14:m>
+                  <m:oMathPara xmlns:m="http://schemas.openxmlformats.org/officeDocument/2006/math">
+                    <m:oMathParaPr>
+                      <m:jc m:val="centerGroup"/>
+                    </m:oMathParaPr>
+                    <m:oMath xmlns:m="http://schemas.openxmlformats.org/officeDocument/2006/math">
+                      <m:r>
+                        <a:rPr lang="en-US" sz="2400" b="0" i="1" smtClean="0">
+                          <a:latin typeface="Cambria Math" panose="02040503050406030204" pitchFamily="18" charset="0"/>
+                        </a:rPr>
+                        <m:t>𝑙𝑎𝑟𝑔𝑒</m:t>
+                      </m:r>
+                      <m:r>
+                        <a:rPr lang="en-US" sz="2400" b="0" i="1" smtClean="0">
+                          <a:latin typeface="Cambria Math" panose="02040503050406030204" pitchFamily="18" charset="0"/>
+                        </a:rPr>
+                        <m:t> </m:t>
+                      </m:r>
+                      <m:r>
+                        <a:rPr lang="en-US" sz="2400" b="1" i="1" smtClean="0">
+                          <a:solidFill>
+                            <a:srgbClr val="FF0000"/>
+                          </a:solidFill>
+                          <a:latin typeface="Cambria Math" panose="02040503050406030204" pitchFamily="18" charset="0"/>
+                        </a:rPr>
+                        <m:t>𝒍𝒐𝒔𝒔</m:t>
+                      </m:r>
+                      <m:r>
+                        <a:rPr lang="en-US" sz="2400" b="0" i="1" smtClean="0">
+                          <a:latin typeface="Cambria Math" panose="02040503050406030204" pitchFamily="18" charset="0"/>
+                        </a:rPr>
+                        <m:t> </m:t>
+                      </m:r>
+                      <m:r>
+                        <a:rPr lang="en-US" sz="2400" b="0" i="1" smtClean="0">
+                          <a:latin typeface="Cambria Math" panose="02040503050406030204" pitchFamily="18" charset="0"/>
+                        </a:rPr>
+                        <m:t>𝑜𝑟</m:t>
+                      </m:r>
+                      <m:r>
+                        <a:rPr lang="en-US" sz="2400" b="0" i="1" smtClean="0">
+                          <a:latin typeface="Cambria Math" panose="02040503050406030204" pitchFamily="18" charset="0"/>
+                        </a:rPr>
+                        <m:t> </m:t>
+                      </m:r>
+                      <m:r>
+                        <a:rPr lang="en-US" sz="2400" b="0" i="1" smtClean="0">
+                          <a:latin typeface="Cambria Math" panose="02040503050406030204" pitchFamily="18" charset="0"/>
+                        </a:rPr>
+                        <m:t>𝑛𝑜𝑡</m:t>
+                      </m:r>
+                      <m:r>
+                        <a:rPr lang="en-US" sz="2400" b="0" i="1" smtClean="0">
+                          <a:latin typeface="Cambria Math" panose="02040503050406030204" pitchFamily="18" charset="0"/>
+                        </a:rPr>
+                        <m:t> </m:t>
+                      </m:r>
+                      <m:d>
+                        <m:dPr>
+                          <m:ctrlPr>
+                            <a:rPr lang="en-US" sz="2400" b="0" i="1" smtClean="0">
+                              <a:latin typeface="Cambria Math" panose="02040503050406030204" pitchFamily="18" charset="0"/>
+                            </a:rPr>
+                          </m:ctrlPr>
+                        </m:dPr>
+                        <m:e>
+                          <m:r>
+                            <a:rPr lang="en-US" sz="2400" b="0" i="1" smtClean="0">
+                              <a:latin typeface="Cambria Math" panose="02040503050406030204" pitchFamily="18" charset="0"/>
+                            </a:rPr>
+                            <m:t>𝐶𝑜𝑛𝑠𝑒𝑟𝑣𝑎𝑡𝑖𝑣𝑒</m:t>
+                          </m:r>
+                          <m:r>
+                            <a:rPr lang="en-US" sz="2400" b="0" i="1" smtClean="0">
+                              <a:latin typeface="Cambria Math" panose="02040503050406030204" pitchFamily="18" charset="0"/>
+                            </a:rPr>
+                            <m:t>, </m:t>
+                          </m:r>
+                          <m:r>
+                            <a:rPr lang="en-US" sz="2400" b="0" i="1" smtClean="0">
+                              <a:latin typeface="Cambria Math" panose="02040503050406030204" pitchFamily="18" charset="0"/>
+                            </a:rPr>
+                            <m:t>𝐿𝑎𝑏𝑜𝑢𝑟</m:t>
+                          </m:r>
+                        </m:e>
+                      </m:d>
+                      <m:r>
+                        <a:rPr lang="en-US" sz="2400" b="0" i="1" smtClean="0">
+                          <a:latin typeface="Cambria Math" panose="02040503050406030204" pitchFamily="18" charset="0"/>
+                        </a:rPr>
+                        <m:t> </m:t>
+                      </m:r>
+                    </m:oMath>
+                  </m:oMathPara>
+                </a14:m>
+                <a:endParaRPr lang="en-US" sz="2400" b="0" i="1" dirty="0">
+                  <a:latin typeface="Cambria Math" panose="02040503050406030204" pitchFamily="18" charset="0"/>
+                </a:endParaRPr>
+              </a:p>
+              <a:p>
+                <a14:m>
+                  <m:oMathPara xmlns:m="http://schemas.openxmlformats.org/officeDocument/2006/math">
+                    <m:oMathParaPr>
+                      <m:jc m:val="centerGroup"/>
+                    </m:oMathParaPr>
+                    <m:oMath xmlns:m="http://schemas.openxmlformats.org/officeDocument/2006/math">
+                      <m:r>
+                        <a:rPr lang="en-US" sz="2400" b="0" i="1" smtClean="0">
+                          <a:latin typeface="Cambria Math" panose="02040503050406030204" pitchFamily="18" charset="0"/>
+                        </a:rPr>
+                        <m:t>𝑙𝑎𝑟𝑔𝑒</m:t>
+                      </m:r>
+                      <m:r>
+                        <a:rPr lang="en-US" sz="2400" b="0" i="1" smtClean="0">
+                          <a:latin typeface="Cambria Math" panose="02040503050406030204" pitchFamily="18" charset="0"/>
+                        </a:rPr>
+                        <m:t> </m:t>
+                      </m:r>
+                      <m:r>
+                        <a:rPr lang="en-US" sz="2400" b="1" i="1" smtClean="0">
+                          <a:solidFill>
+                            <a:srgbClr val="FF0000"/>
+                          </a:solidFill>
+                          <a:latin typeface="Cambria Math" panose="02040503050406030204" pitchFamily="18" charset="0"/>
+                        </a:rPr>
+                        <m:t>𝒈𝒂𝒊𝒏</m:t>
+                      </m:r>
+                      <m:r>
+                        <a:rPr lang="en-US" sz="2400" b="0" i="1" smtClean="0">
+                          <a:latin typeface="Cambria Math" panose="02040503050406030204" pitchFamily="18" charset="0"/>
+                        </a:rPr>
+                        <m:t> </m:t>
+                      </m:r>
+                      <m:r>
+                        <a:rPr lang="en-US" sz="2400" b="0" i="1" smtClean="0">
+                          <a:latin typeface="Cambria Math" panose="02040503050406030204" pitchFamily="18" charset="0"/>
+                        </a:rPr>
+                        <m:t>𝑜𝑟</m:t>
+                      </m:r>
+                      <m:r>
+                        <a:rPr lang="en-US" sz="2400" b="0" i="1" smtClean="0">
+                          <a:latin typeface="Cambria Math" panose="02040503050406030204" pitchFamily="18" charset="0"/>
+                        </a:rPr>
+                        <m:t> </m:t>
+                      </m:r>
+                      <m:r>
+                        <a:rPr lang="en-US" sz="2400" b="0" i="1" smtClean="0">
+                          <a:latin typeface="Cambria Math" panose="02040503050406030204" pitchFamily="18" charset="0"/>
+                        </a:rPr>
+                        <m:t>𝑛𝑜𝑡</m:t>
+                      </m:r>
+                      <m:r>
+                        <a:rPr lang="en-US" sz="2400" b="0" i="1" smtClean="0">
+                          <a:latin typeface="Cambria Math" panose="02040503050406030204" pitchFamily="18" charset="0"/>
+                        </a:rPr>
+                        <m:t> (</m:t>
+                      </m:r>
+                      <m:r>
+                        <a:rPr lang="en-US" sz="2400" b="0" i="1" smtClean="0">
+                          <a:latin typeface="Cambria Math" panose="02040503050406030204" pitchFamily="18" charset="0"/>
+                        </a:rPr>
+                        <m:t>𝐿𝑖𝑏𝐷𝑒𝑚</m:t>
+                      </m:r>
+                      <m:r>
+                        <a:rPr lang="en-US" sz="2400" b="0" i="1" smtClean="0">
+                          <a:latin typeface="Cambria Math" panose="02040503050406030204" pitchFamily="18" charset="0"/>
+                        </a:rPr>
+                        <m:t>, </m:t>
+                      </m:r>
+                      <m:r>
+                        <a:rPr lang="en-US" sz="2400" b="0" i="1" smtClean="0">
+                          <a:latin typeface="Cambria Math" panose="02040503050406030204" pitchFamily="18" charset="0"/>
+                        </a:rPr>
+                        <m:t>𝐼𝑛𝑑𝑒𝑝𝑒𝑛𝑑𝑒𝑛𝑡𝑠</m:t>
+                      </m:r>
+                      <m:r>
+                        <a:rPr lang="en-US" sz="2400" b="0" i="1" smtClean="0">
+                          <a:latin typeface="Cambria Math" panose="02040503050406030204" pitchFamily="18" charset="0"/>
+                        </a:rPr>
+                        <m:t>, </m:t>
+                      </m:r>
+                      <m:r>
+                        <a:rPr lang="en-US" sz="2400" b="0" i="1" smtClean="0">
+                          <a:latin typeface="Cambria Math" panose="02040503050406030204" pitchFamily="18" charset="0"/>
+                        </a:rPr>
+                        <m:t>𝐺𝑟𝑒𝑒𝑛𝑠</m:t>
+                      </m:r>
+                      <m:r>
+                        <a:rPr lang="en-US" sz="2400" b="0" i="1" smtClean="0">
+                          <a:latin typeface="Cambria Math" panose="02040503050406030204" pitchFamily="18" charset="0"/>
+                        </a:rPr>
+                        <m:t>)</m:t>
+                      </m:r>
+                    </m:oMath>
+                  </m:oMathPara>
+                </a14:m>
+                <a:endParaRPr lang="en-US" sz="2400" b="0" dirty="0"/>
+              </a:p>
+              <a:p>
+                <a:endParaRPr lang="en-US" sz="2400" dirty="0"/>
+              </a:p>
+            </p:txBody>
+          </p:sp>
+        </mc:Choice>
+        <mc:Fallback>
+          <p:sp>
+            <p:nvSpPr>
+              <p:cNvPr id="16" name="TextBox 15">
+                <a:extLst>
+                  <a:ext uri="{FF2B5EF4-FFF2-40B4-BE49-F238E27FC236}">
+                    <a16:creationId xmlns:a16="http://schemas.microsoft.com/office/drawing/2014/main" id="{F6AC3E13-F5D2-491C-B256-9B454E05A93B}"/>
+                  </a:ext>
+                </a:extLst>
+              </p:cNvPr>
+              <p:cNvSpPr txBox="1">
+                <a:spLocks noRot="1" noChangeAspect="1" noMove="1" noResize="1" noEditPoints="1" noAdjustHandles="1" noChangeArrowheads="1" noChangeShapeType="1" noTextEdit="1"/>
+              </p:cNvSpPr>
+              <p:nvPr/>
+            </p:nvSpPr>
+            <p:spPr>
+              <a:xfrm>
+                <a:off x="843319" y="4499085"/>
+                <a:ext cx="7052561" cy="1107996"/>
+              </a:xfrm>
+              <a:prstGeom prst="rect">
+                <a:avLst/>
+              </a:prstGeom>
+              <a:blipFill>
+                <a:blip r:embed="rId5"/>
+                <a:stretch>
+                  <a:fillRect l="-691" r="-778"/>
+                </a:stretch>
+              </a:blipFill>
+            </p:spPr>
+            <p:txBody>
+              <a:bodyPr/>
+              <a:lstStyle/>
+              <a:p>
+                <a:r>
+                  <a:rPr lang="en-US">
+                    <a:noFill/>
+                  </a:rPr>
+                  <a:t> </a:t>
+                </a:r>
+              </a:p>
+            </p:txBody>
+          </p:sp>
+        </mc:Fallback>
+      </mc:AlternateContent>
+      <p:sp>
+        <p:nvSpPr>
+          <p:cNvPr id="19" name="Rectangle 18">
+            <a:extLst>
+              <a:ext uri="{FF2B5EF4-FFF2-40B4-BE49-F238E27FC236}">
+                <a16:creationId xmlns:a16="http://schemas.microsoft.com/office/drawing/2014/main" id="{72901836-BCB3-42D7-93C1-CBB604380E6F}"/>
+              </a:ext>
+            </a:extLst>
+          </p:cNvPr>
+          <p:cNvSpPr/>
+          <p:nvPr/>
+        </p:nvSpPr>
+        <p:spPr>
+          <a:xfrm>
+            <a:off x="872228" y="3877055"/>
+            <a:ext cx="3681483" cy="622030"/>
+          </a:xfrm>
+          <a:prstGeom prst="rect">
+            <a:avLst/>
+          </a:prstGeom>
+          <a:ln>
+            <a:solidFill>
+              <a:schemeClr val="bg1"/>
+            </a:solidFill>
+          </a:ln>
+        </p:spPr>
+        <p:style>
+          <a:lnRef idx="2">
+            <a:schemeClr val="accent1">
+              <a:shade val="50000"/>
+            </a:schemeClr>
+          </a:lnRef>
+          <a:fillRef idx="1">
+            <a:schemeClr val="accent1"/>
+          </a:fillRef>
+          <a:effectRef idx="0">
+            <a:schemeClr val="accent1"/>
+          </a:effectRef>
+          <a:fontRef idx="minor">
+            <a:schemeClr val="lt1"/>
+          </a:fontRef>
+        </p:style>
+        <p:txBody>
+          <a:bodyPr rtlCol="0" anchor="ctr"/>
+          <a:lstStyle/>
+          <a:p>
+            <a:pPr algn="ctr"/>
+            <a:r>
+              <a:rPr lang="en-US" sz="3200" i="1" dirty="0">
+                <a:latin typeface="Times New Roman" panose="02020603050405020304" pitchFamily="18" charset="0"/>
+                <a:cs typeface="Times New Roman" panose="02020603050405020304" pitchFamily="18" charset="0"/>
+              </a:rPr>
+              <a:t>binary change</a:t>
+            </a:r>
+          </a:p>
+        </p:txBody>
+      </p:sp>
+    </p:spTree>
+    <p:extLst>
+      <p:ext uri="{BB962C8B-B14F-4D97-AF65-F5344CB8AC3E}">
+        <p14:creationId xmlns:p14="http://schemas.microsoft.com/office/powerpoint/2010/main" val="2257128927"/>
+      </p:ext>
+    </p:extLst>
+  </p:cSld>
+  <p:clrMapOvr>
+    <a:masterClrMapping/>
+  </p:clrMapOvr>
+</p:sld>
+</file>
+
+<file path=ppt/slides/slide8.xml><?xml version="1.0" encoding="utf-8"?>
+<p:sld xmlns:a="http://schemas.openxmlformats.org/drawingml/2006/main" xmlns:r="http://schemas.openxmlformats.org/officeDocument/2006/relationships" xmlns:p="http://schemas.openxmlformats.org/presentationml/2006/main">
+  <p:cSld>
     <p:spTree>
       <p:nvGrpSpPr>
         <p:cNvPr id="1" name=""/>
@@ -13929,7 +16284,7 @@
 </p:sld>
 </file>
 
-<file path=ppt/slides/slide8.xml><?xml version="1.0" encoding="utf-8"?>
+<file path=ppt/slides/slide9.xml><?xml version="1.0" encoding="utf-8"?>
 <p:sld xmlns:a="http://schemas.openxmlformats.org/drawingml/2006/main" xmlns:r="http://schemas.openxmlformats.org/officeDocument/2006/relationships" xmlns:p="http://schemas.openxmlformats.org/presentationml/2006/main">
   <p:cSld>
     <p:bg>
@@ -13956,132 +16311,6 @@
       </p:grpSpPr>
       <p:sp>
         <p:nvSpPr>
-          <p:cNvPr id="10" name="Rectangle 9">
-            <a:extLst>
-              <a:ext uri="{FF2B5EF4-FFF2-40B4-BE49-F238E27FC236}">
-                <a16:creationId xmlns:a16="http://schemas.microsoft.com/office/drawing/2014/main" id="{6753252F-4873-4F63-801D-CC719279A7D5}"/>
-              </a:ext>
-              <a:ext uri="{C183D7F6-B498-43B3-948B-1728B52AA6E4}">
-                <adec:decorative xmlns:adec="http://schemas.microsoft.com/office/drawing/2017/decorative" val="1"/>
-              </a:ext>
-            </a:extLst>
-          </p:cNvPr>
-          <p:cNvSpPr>
-            <a:spLocks noGrp="1" noRot="1" noChangeAspect="1" noMove="1" noResize="1" noEditPoints="1" noAdjustHandles="1" noChangeArrowheads="1" noChangeShapeType="1" noTextEdit="1"/>
-          </p:cNvSpPr>
-          <p:nvPr>
-            <p:extLst>
-              <p:ext uri="{386F3935-93C4-4BCD-93E2-E3B085C9AB24}">
-                <p16:designElem xmlns:p16="http://schemas.microsoft.com/office/powerpoint/2015/main" val="1"/>
-              </p:ext>
-            </p:extLst>
-          </p:nvPr>
-        </p:nvSpPr>
-        <p:spPr>
-          <a:xfrm>
-            <a:off x="0" y="0"/>
-            <a:ext cx="12192000" cy="6858000"/>
-          </a:xfrm>
-          <a:prstGeom prst="rect">
-            <a:avLst/>
-          </a:prstGeom>
-          <a:solidFill>
-            <a:srgbClr val="FFFFFF"/>
-          </a:solidFill>
-          <a:ln>
-            <a:noFill/>
-          </a:ln>
-        </p:spPr>
-        <p:style>
-          <a:lnRef idx="2">
-            <a:schemeClr val="accent1">
-              <a:shade val="50000"/>
-            </a:schemeClr>
-          </a:lnRef>
-          <a:fillRef idx="1">
-            <a:schemeClr val="accent1"/>
-          </a:fillRef>
-          <a:effectRef idx="0">
-            <a:schemeClr val="accent1"/>
-          </a:effectRef>
-          <a:fontRef idx="minor">
-            <a:schemeClr val="lt1"/>
-          </a:fontRef>
-        </p:style>
-        <p:txBody>
-          <a:bodyPr rtlCol="0" anchor="ctr"/>
-          <a:lstStyle/>
-          <a:p>
-            <a:pPr algn="ctr"/>
-            <a:endParaRPr lang="en-US"/>
-          </a:p>
-        </p:txBody>
-      </p:sp>
-      <p:sp>
-        <p:nvSpPr>
-          <p:cNvPr id="12" name="Rectangle 11">
-            <a:extLst>
-              <a:ext uri="{FF2B5EF4-FFF2-40B4-BE49-F238E27FC236}">
-                <a16:creationId xmlns:a16="http://schemas.microsoft.com/office/drawing/2014/main" id="{047C8CCB-F95D-4249-92DD-651249D3535A}"/>
-              </a:ext>
-              <a:ext uri="{C183D7F6-B498-43B3-948B-1728B52AA6E4}">
-                <adec:decorative xmlns:adec="http://schemas.microsoft.com/office/drawing/2017/decorative" val="1"/>
-              </a:ext>
-            </a:extLst>
-          </p:cNvPr>
-          <p:cNvSpPr>
-            <a:spLocks noGrp="1" noRot="1" noChangeAspect="1" noMove="1" noResize="1" noEditPoints="1" noAdjustHandles="1" noChangeArrowheads="1" noChangeShapeType="1" noTextEdit="1"/>
-          </p:cNvSpPr>
-          <p:nvPr>
-            <p:extLst>
-              <p:ext uri="{386F3935-93C4-4BCD-93E2-E3B085C9AB24}">
-                <p16:designElem xmlns:p16="http://schemas.microsoft.com/office/powerpoint/2015/main" val="1"/>
-              </p:ext>
-            </p:extLst>
-          </p:nvPr>
-        </p:nvSpPr>
-        <p:spPr>
-          <a:xfrm>
-            <a:off x="0" y="0"/>
-            <a:ext cx="2013557" cy="6858000"/>
-          </a:xfrm>
-          <a:prstGeom prst="rect">
-            <a:avLst/>
-          </a:prstGeom>
-          <a:solidFill>
-            <a:srgbClr val="7F7F7F"/>
-          </a:solidFill>
-          <a:ln>
-            <a:noFill/>
-          </a:ln>
-        </p:spPr>
-        <p:style>
-          <a:lnRef idx="2">
-            <a:schemeClr val="accent1">
-              <a:shade val="50000"/>
-            </a:schemeClr>
-          </a:lnRef>
-          <a:fillRef idx="1">
-            <a:schemeClr val="accent1"/>
-          </a:fillRef>
-          <a:effectRef idx="0">
-            <a:schemeClr val="accent1"/>
-          </a:effectRef>
-          <a:fontRef idx="minor">
-            <a:schemeClr val="lt1"/>
-          </a:fontRef>
-        </p:style>
-        <p:txBody>
-          <a:bodyPr rtlCol="0" anchor="ctr"/>
-          <a:lstStyle/>
-          <a:p>
-            <a:pPr algn="ctr"/>
-            <a:endParaRPr lang="en-US"/>
-          </a:p>
-        </p:txBody>
-      </p:sp>
-      <p:sp>
-        <p:nvSpPr>
           <p:cNvPr id="2" name="Title 1">
             <a:extLst>
               <a:ext uri="{FF2B5EF4-FFF2-40B4-BE49-F238E27FC236}">
@@ -14098,18 +16327,20 @@
         </p:nvSpPr>
         <p:spPr>
           <a:xfrm>
-            <a:off x="640080" y="2074363"/>
-            <a:ext cx="2752354" cy="2709275"/>
+            <a:off x="118225" y="1649197"/>
+            <a:ext cx="2743200" cy="2743200"/>
           </a:xfrm>
           <a:prstGeom prst="ellipse">
             <a:avLst/>
           </a:prstGeom>
           <a:solidFill>
-            <a:srgbClr val="262626"/>
+            <a:schemeClr val="accent1">
+              <a:alpha val="97000"/>
+            </a:schemeClr>
           </a:solidFill>
           <a:ln w="174625" cmpd="thinThick">
             <a:solidFill>
-              <a:srgbClr val="262626"/>
+              <a:srgbClr val="002060"/>
             </a:solidFill>
           </a:ln>
         </p:spPr>
@@ -14121,13 +16352,10 @@
           <a:p>
             <a:pPr algn="ctr"/>
             <a:r>
-              <a:rPr lang="en-US" sz="2600" kern="1200">
+              <a:rPr lang="en-US" sz="2600" b="1" dirty="0">
                 <a:solidFill>
                   <a:srgbClr val="FFFFFF"/>
                 </a:solidFill>
-                <a:latin typeface="+mj-lt"/>
-                <a:ea typeface="+mj-ea"/>
-                <a:cs typeface="+mj-cs"/>
               </a:rPr>
               <a:t>INITIAL INSIGHTS</a:t>
             </a:r>
@@ -14136,10 +16364,10 @@
       </p:sp>
       <p:pic>
         <p:nvPicPr>
-          <p:cNvPr id="5" name="Content Placeholder 3">
-            <a:extLst>
-              <a:ext uri="{FF2B5EF4-FFF2-40B4-BE49-F238E27FC236}">
-                <a16:creationId xmlns:a16="http://schemas.microsoft.com/office/drawing/2014/main" id="{B20F2344-66DA-47AE-AA70-F6BEA49D9DDD}"/>
+          <p:cNvPr id="42" name="Content Placeholder 3">
+            <a:extLst>
+              <a:ext uri="{FF2B5EF4-FFF2-40B4-BE49-F238E27FC236}">
+                <a16:creationId xmlns:a16="http://schemas.microsoft.com/office/drawing/2014/main" id="{612FFCE4-4F7B-4031-A216-B1E38991A157}"/>
               </a:ext>
             </a:extLst>
           </p:cNvPr>
@@ -14174,10 +16402,274 @@
       </p:pic>
       <p:sp>
         <p:nvSpPr>
-          <p:cNvPr id="8" name="TextBox 7">
-            <a:extLst>
-              <a:ext uri="{FF2B5EF4-FFF2-40B4-BE49-F238E27FC236}">
-                <a16:creationId xmlns:a16="http://schemas.microsoft.com/office/drawing/2014/main" id="{88AE7458-5846-429F-BF23-6C740BDA4298}"/>
+          <p:cNvPr id="44" name="TextBox 43">
+            <a:extLst>
+              <a:ext uri="{FF2B5EF4-FFF2-40B4-BE49-F238E27FC236}">
+                <a16:creationId xmlns:a16="http://schemas.microsoft.com/office/drawing/2014/main" id="{CA4CD896-21AA-4830-82DF-1AFD319D5DC1}"/>
+              </a:ext>
+            </a:extLst>
+          </p:cNvPr>
+          <p:cNvSpPr txBox="1"/>
+          <p:nvPr/>
+        </p:nvSpPr>
+        <p:spPr>
+          <a:xfrm>
+            <a:off x="4492605" y="5746990"/>
+            <a:ext cx="1293865" cy="276999"/>
+          </a:xfrm>
+          <a:prstGeom prst="rect">
+            <a:avLst/>
+          </a:prstGeom>
+          <a:noFill/>
+        </p:spPr>
+        <p:txBody>
+          <a:bodyPr wrap="square" rtlCol="0">
+            <a:spAutoFit/>
+          </a:bodyPr>
+          <a:lstStyle/>
+          <a:p>
+            <a:r>
+              <a:rPr lang="en-US" sz="1200" b="1" dirty="0">
+                <a:solidFill>
+                  <a:schemeClr val="accent1">
+                    <a:lumMod val="75000"/>
+                  </a:schemeClr>
+                </a:solidFill>
+              </a:rPr>
+              <a:t>Conservative</a:t>
+            </a:r>
+            <a:endParaRPr lang="en-US" sz="1200" dirty="0">
+              <a:solidFill>
+                <a:schemeClr val="accent1">
+                  <a:lumMod val="75000"/>
+                </a:schemeClr>
+              </a:solidFill>
+            </a:endParaRPr>
+          </a:p>
+        </p:txBody>
+      </p:sp>
+      <p:sp>
+        <p:nvSpPr>
+          <p:cNvPr id="45" name="TextBox 44">
+            <a:extLst>
+              <a:ext uri="{FF2B5EF4-FFF2-40B4-BE49-F238E27FC236}">
+                <a16:creationId xmlns:a16="http://schemas.microsoft.com/office/drawing/2014/main" id="{1640B203-7BDC-46F3-BF90-FAE1150D269C}"/>
+              </a:ext>
+            </a:extLst>
+          </p:cNvPr>
+          <p:cNvSpPr txBox="1"/>
+          <p:nvPr/>
+        </p:nvSpPr>
+        <p:spPr>
+          <a:xfrm>
+            <a:off x="5988200" y="5740640"/>
+            <a:ext cx="580458" cy="276999"/>
+          </a:xfrm>
+          <a:prstGeom prst="rect">
+            <a:avLst/>
+          </a:prstGeom>
+          <a:noFill/>
+        </p:spPr>
+        <p:txBody>
+          <a:bodyPr wrap="square" rtlCol="0">
+            <a:spAutoFit/>
+          </a:bodyPr>
+          <a:lstStyle/>
+          <a:p>
+            <a:r>
+              <a:rPr lang="en-US" sz="1200" b="1" dirty="0">
+                <a:solidFill>
+                  <a:srgbClr val="00B050"/>
+                </a:solidFill>
+              </a:rPr>
+              <a:t>Green</a:t>
+            </a:r>
+            <a:endParaRPr lang="en-US" sz="1200" dirty="0">
+              <a:solidFill>
+                <a:srgbClr val="00B050"/>
+              </a:solidFill>
+            </a:endParaRPr>
+          </a:p>
+        </p:txBody>
+      </p:sp>
+      <p:sp>
+        <p:nvSpPr>
+          <p:cNvPr id="47" name="TextBox 46">
+            <a:extLst>
+              <a:ext uri="{FF2B5EF4-FFF2-40B4-BE49-F238E27FC236}">
+                <a16:creationId xmlns:a16="http://schemas.microsoft.com/office/drawing/2014/main" id="{E36F5E16-2E13-429A-A7BE-9A76D054C795}"/>
+              </a:ext>
+            </a:extLst>
+          </p:cNvPr>
+          <p:cNvSpPr txBox="1"/>
+          <p:nvPr/>
+        </p:nvSpPr>
+        <p:spPr>
+          <a:xfrm>
+            <a:off x="7008021" y="5746990"/>
+            <a:ext cx="1167986" cy="276999"/>
+          </a:xfrm>
+          <a:prstGeom prst="rect">
+            <a:avLst/>
+          </a:prstGeom>
+          <a:noFill/>
+        </p:spPr>
+        <p:txBody>
+          <a:bodyPr wrap="square" rtlCol="0">
+            <a:spAutoFit/>
+          </a:bodyPr>
+          <a:lstStyle/>
+          <a:p>
+            <a:r>
+              <a:rPr lang="en-US" sz="1200" b="1" dirty="0">
+                <a:solidFill>
+                  <a:schemeClr val="bg2">
+                    <a:lumMod val="25000"/>
+                  </a:schemeClr>
+                </a:solidFill>
+              </a:rPr>
+              <a:t>Independents</a:t>
+            </a:r>
+            <a:endParaRPr lang="en-US" sz="1200" dirty="0">
+              <a:solidFill>
+                <a:schemeClr val="bg2">
+                  <a:lumMod val="25000"/>
+                </a:schemeClr>
+              </a:solidFill>
+            </a:endParaRPr>
+          </a:p>
+        </p:txBody>
+      </p:sp>
+      <p:sp>
+        <p:nvSpPr>
+          <p:cNvPr id="49" name="TextBox 48">
+            <a:extLst>
+              <a:ext uri="{FF2B5EF4-FFF2-40B4-BE49-F238E27FC236}">
+                <a16:creationId xmlns:a16="http://schemas.microsoft.com/office/drawing/2014/main" id="{B4FA2383-1B95-4A5E-904B-69E07D3EA04D}"/>
+              </a:ext>
+            </a:extLst>
+          </p:cNvPr>
+          <p:cNvSpPr txBox="1"/>
+          <p:nvPr/>
+        </p:nvSpPr>
+        <p:spPr>
+          <a:xfrm>
+            <a:off x="8432024" y="5736782"/>
+            <a:ext cx="1167986" cy="276999"/>
+          </a:xfrm>
+          <a:prstGeom prst="rect">
+            <a:avLst/>
+          </a:prstGeom>
+          <a:noFill/>
+        </p:spPr>
+        <p:txBody>
+          <a:bodyPr wrap="square" rtlCol="0">
+            <a:spAutoFit/>
+          </a:bodyPr>
+          <a:lstStyle/>
+          <a:p>
+            <a:r>
+              <a:rPr lang="en-US" sz="1200" b="1" dirty="0" err="1">
+                <a:solidFill>
+                  <a:srgbClr val="FF0000"/>
+                </a:solidFill>
+              </a:rPr>
+              <a:t>Labour</a:t>
+            </a:r>
+            <a:endParaRPr lang="en-US" sz="1200" dirty="0"/>
+          </a:p>
+        </p:txBody>
+      </p:sp>
+      <p:sp>
+        <p:nvSpPr>
+          <p:cNvPr id="52" name="TextBox 51">
+            <a:extLst>
+              <a:ext uri="{FF2B5EF4-FFF2-40B4-BE49-F238E27FC236}">
+                <a16:creationId xmlns:a16="http://schemas.microsoft.com/office/drawing/2014/main" id="{621C240A-5A63-4AD4-A30C-7862FA99A951}"/>
+              </a:ext>
+            </a:extLst>
+          </p:cNvPr>
+          <p:cNvSpPr txBox="1"/>
+          <p:nvPr/>
+        </p:nvSpPr>
+        <p:spPr>
+          <a:xfrm>
+            <a:off x="9296129" y="5736782"/>
+            <a:ext cx="1486487" cy="276999"/>
+          </a:xfrm>
+          <a:prstGeom prst="rect">
+            <a:avLst/>
+          </a:prstGeom>
+          <a:noFill/>
+        </p:spPr>
+        <p:txBody>
+          <a:bodyPr wrap="square" rtlCol="0">
+            <a:spAutoFit/>
+          </a:bodyPr>
+          <a:lstStyle/>
+          <a:p>
+            <a:r>
+              <a:rPr lang="en-US" sz="1200" b="1" dirty="0">
+                <a:solidFill>
+                  <a:srgbClr val="FFC000"/>
+                </a:solidFill>
+              </a:rPr>
+              <a:t>Liberal Democrats</a:t>
+            </a:r>
+            <a:endParaRPr lang="en-US" sz="1200" dirty="0">
+              <a:solidFill>
+                <a:srgbClr val="FFC000"/>
+              </a:solidFill>
+            </a:endParaRPr>
+          </a:p>
+        </p:txBody>
+      </p:sp>
+      <p:sp>
+        <p:nvSpPr>
+          <p:cNvPr id="53" name="TextBox 52">
+            <a:extLst>
+              <a:ext uri="{FF2B5EF4-FFF2-40B4-BE49-F238E27FC236}">
+                <a16:creationId xmlns:a16="http://schemas.microsoft.com/office/drawing/2014/main" id="{4CE09C3E-2FA2-4C6E-BC20-B4ADB83C4C7E}"/>
+              </a:ext>
+            </a:extLst>
+          </p:cNvPr>
+          <p:cNvSpPr txBox="1"/>
+          <p:nvPr/>
+        </p:nvSpPr>
+        <p:spPr>
+          <a:xfrm rot="16200000">
+            <a:off x="2781048" y="2816725"/>
+            <a:ext cx="2133600" cy="369332"/>
+          </a:xfrm>
+          <a:prstGeom prst="rect">
+            <a:avLst/>
+          </a:prstGeom>
+          <a:noFill/>
+        </p:spPr>
+        <p:txBody>
+          <a:bodyPr wrap="square" rtlCol="0">
+            <a:spAutoFit/>
+          </a:bodyPr>
+          <a:lstStyle/>
+          <a:p>
+            <a:r>
+              <a:rPr lang="en-US" b="1" dirty="0">
+                <a:solidFill>
+                  <a:srgbClr val="FF0000"/>
+                </a:solidFill>
+              </a:rPr>
+              <a:t>Proportion Change</a:t>
+            </a:r>
+            <a:endParaRPr lang="en-US" dirty="0"/>
+          </a:p>
+        </p:txBody>
+      </p:sp>
+      <p:sp>
+        <p:nvSpPr>
+          <p:cNvPr id="54" name="TextBox 53">
+            <a:extLst>
+              <a:ext uri="{FF2B5EF4-FFF2-40B4-BE49-F238E27FC236}">
+                <a16:creationId xmlns:a16="http://schemas.microsoft.com/office/drawing/2014/main" id="{21427591-341F-45AE-B05F-477514C87829}"/>
               </a:ext>
             </a:extLst>
           </p:cNvPr>
@@ -14215,424 +16707,211 @@
           </a:p>
         </p:txBody>
       </p:sp>
-      <p:sp>
-        <p:nvSpPr>
-          <p:cNvPr id="9" name="TextBox 8">
-            <a:extLst>
-              <a:ext uri="{FF2B5EF4-FFF2-40B4-BE49-F238E27FC236}">
-                <a16:creationId xmlns:a16="http://schemas.microsoft.com/office/drawing/2014/main" id="{B7B759A3-ABD8-44EE-83F4-0855DC39DA9A}"/>
-              </a:ext>
-            </a:extLst>
-          </p:cNvPr>
-          <p:cNvSpPr txBox="1"/>
-          <p:nvPr/>
-        </p:nvSpPr>
-        <p:spPr>
-          <a:xfrm>
-            <a:off x="4492605" y="5746990"/>
-            <a:ext cx="1293865" cy="276999"/>
-          </a:xfrm>
-          <a:prstGeom prst="rect">
-            <a:avLst/>
-          </a:prstGeom>
-          <a:noFill/>
-        </p:spPr>
-        <p:txBody>
-          <a:bodyPr wrap="square" rtlCol="0">
-            <a:spAutoFit/>
-          </a:bodyPr>
-          <a:lstStyle/>
-          <a:p>
-            <a:r>
-              <a:rPr lang="en-US" sz="1200" b="1" dirty="0">
-                <a:solidFill>
-                  <a:schemeClr val="accent1">
-                    <a:lumMod val="75000"/>
-                  </a:schemeClr>
-                </a:solidFill>
-              </a:rPr>
-              <a:t>Conservative</a:t>
-            </a:r>
-            <a:endParaRPr lang="en-US" sz="1200" dirty="0">
-              <a:solidFill>
-                <a:schemeClr val="accent1">
-                  <a:lumMod val="75000"/>
-                </a:schemeClr>
-              </a:solidFill>
-            </a:endParaRPr>
-          </a:p>
-        </p:txBody>
-      </p:sp>
-      <p:sp>
-        <p:nvSpPr>
-          <p:cNvPr id="11" name="TextBox 10">
-            <a:extLst>
-              <a:ext uri="{FF2B5EF4-FFF2-40B4-BE49-F238E27FC236}">
-                <a16:creationId xmlns:a16="http://schemas.microsoft.com/office/drawing/2014/main" id="{29823FB8-4E1B-4A08-8620-3B5050D5D685}"/>
-              </a:ext>
-            </a:extLst>
-          </p:cNvPr>
-          <p:cNvSpPr txBox="1"/>
-          <p:nvPr/>
-        </p:nvSpPr>
-        <p:spPr>
-          <a:xfrm>
-            <a:off x="5988200" y="5740640"/>
-            <a:ext cx="580458" cy="276999"/>
-          </a:xfrm>
-          <a:prstGeom prst="rect">
-            <a:avLst/>
-          </a:prstGeom>
-          <a:noFill/>
-        </p:spPr>
-        <p:txBody>
-          <a:bodyPr wrap="square" rtlCol="0">
-            <a:spAutoFit/>
-          </a:bodyPr>
-          <a:lstStyle/>
-          <a:p>
-            <a:r>
-              <a:rPr lang="en-US" sz="1200" b="1" dirty="0">
-                <a:solidFill>
-                  <a:srgbClr val="00B050"/>
-                </a:solidFill>
-              </a:rPr>
-              <a:t>Green</a:t>
-            </a:r>
-            <a:endParaRPr lang="en-US" sz="1200" dirty="0">
-              <a:solidFill>
-                <a:srgbClr val="00B050"/>
-              </a:solidFill>
-            </a:endParaRPr>
-          </a:p>
-        </p:txBody>
-      </p:sp>
-      <p:sp>
-        <p:nvSpPr>
-          <p:cNvPr id="13" name="TextBox 12">
-            <a:extLst>
-              <a:ext uri="{FF2B5EF4-FFF2-40B4-BE49-F238E27FC236}">
-                <a16:creationId xmlns:a16="http://schemas.microsoft.com/office/drawing/2014/main" id="{C79C5584-BB34-45E8-8F34-0627CAB1FD0F}"/>
-              </a:ext>
-            </a:extLst>
-          </p:cNvPr>
-          <p:cNvSpPr txBox="1"/>
-          <p:nvPr/>
-        </p:nvSpPr>
-        <p:spPr>
-          <a:xfrm>
-            <a:off x="7008021" y="5746990"/>
-            <a:ext cx="1167986" cy="276999"/>
-          </a:xfrm>
-          <a:prstGeom prst="rect">
-            <a:avLst/>
-          </a:prstGeom>
-          <a:noFill/>
-        </p:spPr>
-        <p:txBody>
-          <a:bodyPr wrap="square" rtlCol="0">
-            <a:spAutoFit/>
-          </a:bodyPr>
-          <a:lstStyle/>
-          <a:p>
-            <a:r>
-              <a:rPr lang="en-US" sz="1200" b="1" dirty="0">
-                <a:solidFill>
-                  <a:schemeClr val="bg2">
-                    <a:lumMod val="25000"/>
-                  </a:schemeClr>
-                </a:solidFill>
-              </a:rPr>
-              <a:t>Independents</a:t>
-            </a:r>
-            <a:endParaRPr lang="en-US" sz="1200" dirty="0">
-              <a:solidFill>
-                <a:schemeClr val="bg2">
-                  <a:lumMod val="25000"/>
-                </a:schemeClr>
-              </a:solidFill>
-            </a:endParaRPr>
-          </a:p>
-        </p:txBody>
-      </p:sp>
-      <p:sp>
-        <p:nvSpPr>
-          <p:cNvPr id="14" name="TextBox 13">
-            <a:extLst>
-              <a:ext uri="{FF2B5EF4-FFF2-40B4-BE49-F238E27FC236}">
-                <a16:creationId xmlns:a16="http://schemas.microsoft.com/office/drawing/2014/main" id="{7572C823-52AD-4099-A1BD-88EF52DAA265}"/>
-              </a:ext>
-            </a:extLst>
-          </p:cNvPr>
-          <p:cNvSpPr txBox="1"/>
-          <p:nvPr/>
-        </p:nvSpPr>
-        <p:spPr>
-          <a:xfrm>
-            <a:off x="8432024" y="5736782"/>
-            <a:ext cx="1167986" cy="276999"/>
-          </a:xfrm>
-          <a:prstGeom prst="rect">
-            <a:avLst/>
-          </a:prstGeom>
-          <a:noFill/>
-        </p:spPr>
-        <p:txBody>
-          <a:bodyPr wrap="square" rtlCol="0">
-            <a:spAutoFit/>
-          </a:bodyPr>
-          <a:lstStyle/>
-          <a:p>
-            <a:r>
-              <a:rPr lang="en-US" sz="1200" b="1" dirty="0" err="1">
-                <a:solidFill>
-                  <a:srgbClr val="FF0000"/>
-                </a:solidFill>
-              </a:rPr>
-              <a:t>Labour</a:t>
-            </a:r>
-            <a:endParaRPr lang="en-US" sz="1200" dirty="0"/>
-          </a:p>
-        </p:txBody>
-      </p:sp>
-      <p:sp>
-        <p:nvSpPr>
-          <p:cNvPr id="15" name="TextBox 14">
-            <a:extLst>
-              <a:ext uri="{FF2B5EF4-FFF2-40B4-BE49-F238E27FC236}">
-                <a16:creationId xmlns:a16="http://schemas.microsoft.com/office/drawing/2014/main" id="{AA8A40EE-7608-4D6A-9944-838168AF5DBA}"/>
-              </a:ext>
-            </a:extLst>
-          </p:cNvPr>
-          <p:cNvSpPr txBox="1"/>
-          <p:nvPr/>
-        </p:nvSpPr>
-        <p:spPr>
-          <a:xfrm>
-            <a:off x="9296129" y="5736782"/>
-            <a:ext cx="1486487" cy="276999"/>
-          </a:xfrm>
-          <a:prstGeom prst="rect">
-            <a:avLst/>
-          </a:prstGeom>
-          <a:noFill/>
-        </p:spPr>
-        <p:txBody>
-          <a:bodyPr wrap="square" rtlCol="0">
-            <a:spAutoFit/>
-          </a:bodyPr>
-          <a:lstStyle/>
-          <a:p>
-            <a:r>
-              <a:rPr lang="en-US" sz="1200" b="1" dirty="0">
-                <a:solidFill>
-                  <a:srgbClr val="FFC000"/>
-                </a:solidFill>
-              </a:rPr>
-              <a:t>Liberal Democrat</a:t>
-            </a:r>
-            <a:endParaRPr lang="en-US" sz="1200" dirty="0">
-              <a:solidFill>
-                <a:srgbClr val="FFC000"/>
-              </a:solidFill>
-            </a:endParaRPr>
-          </a:p>
-        </p:txBody>
-      </p:sp>
-      <p:sp>
-        <p:nvSpPr>
-          <p:cNvPr id="16" name="TextBox 15">
-            <a:extLst>
-              <a:ext uri="{FF2B5EF4-FFF2-40B4-BE49-F238E27FC236}">
-                <a16:creationId xmlns:a16="http://schemas.microsoft.com/office/drawing/2014/main" id="{E39AC8F7-D0D6-4C6A-8152-46C3809FF439}"/>
-              </a:ext>
-            </a:extLst>
-          </p:cNvPr>
-          <p:cNvSpPr txBox="1"/>
-          <p:nvPr/>
-        </p:nvSpPr>
-        <p:spPr>
-          <a:xfrm rot="16200000">
-            <a:off x="2781048" y="2816725"/>
-            <a:ext cx="2133600" cy="369332"/>
-          </a:xfrm>
-          <a:prstGeom prst="rect">
-            <a:avLst/>
-          </a:prstGeom>
-          <a:noFill/>
-        </p:spPr>
-        <p:txBody>
-          <a:bodyPr wrap="square" rtlCol="0">
-            <a:spAutoFit/>
-          </a:bodyPr>
-          <a:lstStyle/>
-          <a:p>
-            <a:r>
-              <a:rPr lang="en-US" b="1" dirty="0">
-                <a:solidFill>
-                  <a:srgbClr val="FF0000"/>
-                </a:solidFill>
-              </a:rPr>
-              <a:t>Proportion Change</a:t>
-            </a:r>
-            <a:endParaRPr lang="en-US" dirty="0"/>
-          </a:p>
-        </p:txBody>
-      </p:sp>
-    </p:spTree>
-    <p:extLst>
-      <p:ext uri="{BB962C8B-B14F-4D97-AF65-F5344CB8AC3E}">
-        <p14:creationId xmlns:p14="http://schemas.microsoft.com/office/powerpoint/2010/main" val="3978462961"/>
-      </p:ext>
-    </p:extLst>
-  </p:cSld>
-  <p:clrMapOvr>
-    <a:masterClrMapping/>
-  </p:clrMapOvr>
-</p:sld>
-</file>
-
-<file path=ppt/slides/slide9.xml><?xml version="1.0" encoding="utf-8"?>
-<p:sld xmlns:a="http://schemas.openxmlformats.org/drawingml/2006/main" xmlns:r="http://schemas.openxmlformats.org/officeDocument/2006/relationships" xmlns:p="http://schemas.openxmlformats.org/presentationml/2006/main">
-  <p:cSld>
-    <p:spTree>
-      <p:nvGrpSpPr>
-        <p:cNvPr id="1" name=""/>
-        <p:cNvGrpSpPr/>
-        <p:nvPr/>
-      </p:nvGrpSpPr>
-      <p:grpSpPr>
-        <a:xfrm>
-          <a:off x="0" y="0"/>
-          <a:ext cx="0" cy="0"/>
-          <a:chOff x="0" y="0"/>
-          <a:chExt cx="0" cy="0"/>
-        </a:xfrm>
-      </p:grpSpPr>
-      <p:sp>
-        <p:nvSpPr>
-          <p:cNvPr id="2" name="Title 1">
-            <a:extLst>
-              <a:ext uri="{FF2B5EF4-FFF2-40B4-BE49-F238E27FC236}">
-                <a16:creationId xmlns:a16="http://schemas.microsoft.com/office/drawing/2014/main" id="{7DFBF24B-9FAA-4B6D-A7D4-408C1B0DE107}"/>
-              </a:ext>
-            </a:extLst>
-          </p:cNvPr>
-          <p:cNvSpPr>
-            <a:spLocks noGrp="1"/>
-          </p:cNvSpPr>
-          <p:nvPr>
-            <p:ph type="title"/>
-          </p:nvPr>
-        </p:nvSpPr>
-        <p:spPr>
-          <a:xfrm>
-            <a:off x="118225" y="1649197"/>
-            <a:ext cx="2743200" cy="2743200"/>
-          </a:xfrm>
-          <a:prstGeom prst="ellipse">
-            <a:avLst/>
-          </a:prstGeom>
-          <a:solidFill>
-            <a:srgbClr val="262626"/>
-          </a:solidFill>
-          <a:ln w="174625" cmpd="thinThick">
-            <a:solidFill>
-              <a:srgbClr val="262626"/>
-            </a:solidFill>
-          </a:ln>
-        </p:spPr>
-        <p:txBody>
-          <a:bodyPr vert="horz" lIns="91440" tIns="45720" rIns="91440" bIns="45720" rtlCol="0" anchor="ctr">
-            <a:normAutofit/>
-          </a:bodyPr>
-          <a:lstStyle/>
-          <a:p>
-            <a:pPr algn="ctr"/>
-            <a:r>
-              <a:rPr lang="en-US" sz="2600">
-                <a:solidFill>
-                  <a:srgbClr val="FFFFFF"/>
-                </a:solidFill>
-              </a:rPr>
-              <a:t>INITIAL INSIGHTS</a:t>
-            </a:r>
-          </a:p>
-        </p:txBody>
-      </p:sp>
-      <p:pic>
-        <p:nvPicPr>
-          <p:cNvPr id="46" name="Content Placeholder 12">
-            <a:extLst>
-              <a:ext uri="{FF2B5EF4-FFF2-40B4-BE49-F238E27FC236}">
-                <a16:creationId xmlns:a16="http://schemas.microsoft.com/office/drawing/2014/main" id="{6C895078-5D50-4633-84F2-E3FFDE9C4F7D}"/>
-              </a:ext>
-            </a:extLst>
-          </p:cNvPr>
-          <p:cNvPicPr>
-            <a:picLocks noChangeAspect="1"/>
-          </p:cNvPicPr>
-          <p:nvPr/>
-        </p:nvPicPr>
-        <p:blipFill>
-          <a:blip r:embed="rId2"/>
-          <a:stretch>
-            <a:fillRect/>
-          </a:stretch>
-        </p:blipFill>
-        <p:spPr>
-          <a:xfrm>
-            <a:off x="3000273" y="600077"/>
-            <a:ext cx="9073502" cy="5057775"/>
-          </a:xfrm>
-          <a:prstGeom prst="rect">
-            <a:avLst/>
-          </a:prstGeom>
-        </p:spPr>
-      </p:pic>
-      <p:sp>
-        <p:nvSpPr>
-          <p:cNvPr id="29" name="TextBox 28">
-            <a:extLst>
-              <a:ext uri="{FF2B5EF4-FFF2-40B4-BE49-F238E27FC236}">
-                <a16:creationId xmlns:a16="http://schemas.microsoft.com/office/drawing/2014/main" id="{9B07E80F-2C7F-421F-B31D-050D9BA98EDC}"/>
-              </a:ext>
-            </a:extLst>
-          </p:cNvPr>
-          <p:cNvSpPr txBox="1"/>
-          <p:nvPr/>
-        </p:nvSpPr>
-        <p:spPr>
-          <a:xfrm>
-            <a:off x="2861427" y="5796260"/>
-            <a:ext cx="8410575" cy="923330"/>
-          </a:xfrm>
-          <a:prstGeom prst="rect">
-            <a:avLst/>
-          </a:prstGeom>
-          <a:noFill/>
-        </p:spPr>
-        <p:txBody>
-          <a:bodyPr wrap="square" rtlCol="0">
-            <a:spAutoFit/>
-          </a:bodyPr>
-          <a:lstStyle/>
-          <a:p>
-            <a:r>
-              <a:rPr lang="en-US" b="1" dirty="0">
-                <a:solidFill>
-                  <a:srgbClr val="FF0000"/>
-                </a:solidFill>
-              </a:rPr>
-              <a:t>Fig 2. </a:t>
-            </a:r>
-            <a:r>
-              <a:rPr lang="en-US" dirty="0"/>
-              <a:t>	Scatterplot indicating a class divide in choice of support for Conservative 	where AB &amp; C1 had a negative relationship with Conservative, C2 &amp; DE had a 	positive relationship for Conservative.</a:t>
-            </a:r>
-          </a:p>
-        </p:txBody>
-      </p:sp>
+      <mc:AlternateContent xmlns:mc="http://schemas.openxmlformats.org/markup-compatibility/2006">
+        <mc:Choice xmlns:a14="http://schemas.microsoft.com/office/drawing/2010/main" Requires="a14">
+          <p:sp>
+            <p:nvSpPr>
+              <p:cNvPr id="25" name="TextBox 24">
+                <a:extLst>
+                  <a:ext uri="{FF2B5EF4-FFF2-40B4-BE49-F238E27FC236}">
+                    <a16:creationId xmlns:a16="http://schemas.microsoft.com/office/drawing/2014/main" id="{47D05124-1948-42A9-A8E1-2F0F2A49A37D}"/>
+                  </a:ext>
+                </a:extLst>
+              </p:cNvPr>
+              <p:cNvSpPr txBox="1"/>
+              <p:nvPr/>
+            </p:nvSpPr>
+            <p:spPr>
+              <a:xfrm>
+                <a:off x="3853946" y="1212759"/>
+                <a:ext cx="226023" cy="276999"/>
+              </a:xfrm>
+              <a:prstGeom prst="rect">
+                <a:avLst/>
+              </a:prstGeom>
+              <a:noFill/>
+            </p:spPr>
+            <p:txBody>
+              <a:bodyPr wrap="none" lIns="0" tIns="0" rIns="0" bIns="0" rtlCol="0">
+                <a:spAutoFit/>
+              </a:bodyPr>
+              <a:lstStyle/>
+              <a:p>
+                <a14:m>
+                  <m:oMathPara xmlns:m="http://schemas.openxmlformats.org/officeDocument/2006/math">
+                    <m:oMathParaPr>
+                      <m:jc m:val="centerGroup"/>
+                    </m:oMathParaPr>
+                    <m:oMath xmlns:m="http://schemas.openxmlformats.org/officeDocument/2006/math">
+                      <m:r>
+                        <a:rPr lang="en-US" i="1" smtClean="0">
+                          <a:solidFill>
+                            <a:srgbClr val="FF0000"/>
+                          </a:solidFill>
+                          <a:latin typeface="Cambria Math" panose="02040503050406030204" pitchFamily="18" charset="0"/>
+                          <a:ea typeface="Cambria Math" panose="02040503050406030204" pitchFamily="18" charset="0"/>
+                        </a:rPr>
+                        <m:t>+</m:t>
+                      </m:r>
+                    </m:oMath>
+                  </m:oMathPara>
+                </a14:m>
+                <a:endParaRPr lang="en-US" dirty="0">
+                  <a:solidFill>
+                    <a:srgbClr val="FF0000"/>
+                  </a:solidFill>
+                </a:endParaRPr>
+              </a:p>
+            </p:txBody>
+          </p:sp>
+        </mc:Choice>
+        <mc:Fallback>
+          <p:sp>
+            <p:nvSpPr>
+              <p:cNvPr id="25" name="TextBox 24">
+                <a:extLst>
+                  <a:ext uri="{FF2B5EF4-FFF2-40B4-BE49-F238E27FC236}">
+                    <a16:creationId xmlns:a16="http://schemas.microsoft.com/office/drawing/2014/main" id="{47D05124-1948-42A9-A8E1-2F0F2A49A37D}"/>
+                  </a:ext>
+                </a:extLst>
+              </p:cNvPr>
+              <p:cNvSpPr txBox="1">
+                <a:spLocks noRot="1" noChangeAspect="1" noMove="1" noResize="1" noEditPoints="1" noAdjustHandles="1" noChangeArrowheads="1" noChangeShapeType="1" noTextEdit="1"/>
+              </p:cNvSpPr>
+              <p:nvPr/>
+            </p:nvSpPr>
+            <p:spPr>
+              <a:xfrm>
+                <a:off x="3853946" y="1212759"/>
+                <a:ext cx="226023" cy="276999"/>
+              </a:xfrm>
+              <a:prstGeom prst="rect">
+                <a:avLst/>
+              </a:prstGeom>
+              <a:blipFill>
+                <a:blip r:embed="rId3"/>
+                <a:stretch>
+                  <a:fillRect l="-21622" r="-21622" b="-6667"/>
+                </a:stretch>
+              </a:blipFill>
+            </p:spPr>
+            <p:txBody>
+              <a:bodyPr/>
+              <a:lstStyle/>
+              <a:p>
+                <a:r>
+                  <a:rPr lang="en-US">
+                    <a:noFill/>
+                  </a:rPr>
+                  <a:t> </a:t>
+                </a:r>
+              </a:p>
+            </p:txBody>
+          </p:sp>
+        </mc:Fallback>
+      </mc:AlternateContent>
+      <mc:AlternateContent xmlns:mc="http://schemas.openxmlformats.org/markup-compatibility/2006">
+        <mc:Choice xmlns:a14="http://schemas.microsoft.com/office/drawing/2010/main" Requires="a14">
+          <p:sp>
+            <p:nvSpPr>
+              <p:cNvPr id="56" name="TextBox 55">
+                <a:extLst>
+                  <a:ext uri="{FF2B5EF4-FFF2-40B4-BE49-F238E27FC236}">
+                    <a16:creationId xmlns:a16="http://schemas.microsoft.com/office/drawing/2014/main" id="{E0755838-6260-42EF-9575-4902ACEC9541}"/>
+                  </a:ext>
+                </a:extLst>
+              </p:cNvPr>
+              <p:cNvSpPr txBox="1"/>
+              <p:nvPr/>
+            </p:nvSpPr>
+            <p:spPr>
+              <a:xfrm>
+                <a:off x="3806490" y="4115398"/>
+                <a:ext cx="226023" cy="276999"/>
+              </a:xfrm>
+              <a:prstGeom prst="rect">
+                <a:avLst/>
+              </a:prstGeom>
+              <a:noFill/>
+            </p:spPr>
+            <p:txBody>
+              <a:bodyPr wrap="none" lIns="0" tIns="0" rIns="0" bIns="0" rtlCol="0">
+                <a:spAutoFit/>
+              </a:bodyPr>
+              <a:lstStyle/>
+              <a:p>
+                <a14:m>
+                  <m:oMathPara xmlns:m="http://schemas.openxmlformats.org/officeDocument/2006/math">
+                    <m:oMathParaPr>
+                      <m:jc m:val="centerGroup"/>
+                    </m:oMathParaPr>
+                    <m:oMath xmlns:m="http://schemas.openxmlformats.org/officeDocument/2006/math">
+                      <m:r>
+                        <a:rPr lang="en-US" b="0" i="1" smtClean="0">
+                          <a:solidFill>
+                            <a:srgbClr val="FF0000"/>
+                          </a:solidFill>
+                          <a:latin typeface="Cambria Math" panose="02040503050406030204" pitchFamily="18" charset="0"/>
+                        </a:rPr>
+                        <m:t>−</m:t>
+                      </m:r>
+                    </m:oMath>
+                  </m:oMathPara>
+                </a14:m>
+                <a:endParaRPr lang="en-US" dirty="0">
+                  <a:solidFill>
+                    <a:srgbClr val="FF0000"/>
+                  </a:solidFill>
+                </a:endParaRPr>
+              </a:p>
+            </p:txBody>
+          </p:sp>
+        </mc:Choice>
+        <mc:Fallback>
+          <p:sp>
+            <p:nvSpPr>
+              <p:cNvPr id="56" name="TextBox 55">
+                <a:extLst>
+                  <a:ext uri="{FF2B5EF4-FFF2-40B4-BE49-F238E27FC236}">
+                    <a16:creationId xmlns:a16="http://schemas.microsoft.com/office/drawing/2014/main" id="{E0755838-6260-42EF-9575-4902ACEC9541}"/>
+                  </a:ext>
+                </a:extLst>
+              </p:cNvPr>
+              <p:cNvSpPr txBox="1">
+                <a:spLocks noRot="1" noChangeAspect="1" noMove="1" noResize="1" noEditPoints="1" noAdjustHandles="1" noChangeArrowheads="1" noChangeShapeType="1" noTextEdit="1"/>
+              </p:cNvSpPr>
+              <p:nvPr/>
+            </p:nvSpPr>
+            <p:spPr>
+              <a:xfrm>
+                <a:off x="3806490" y="4115398"/>
+                <a:ext cx="226023" cy="276999"/>
+              </a:xfrm>
+              <a:prstGeom prst="rect">
+                <a:avLst/>
+              </a:prstGeom>
+              <a:blipFill>
+                <a:blip r:embed="rId4"/>
+                <a:stretch>
+                  <a:fillRect l="-5263" r="-2632"/>
+                </a:stretch>
+              </a:blipFill>
+            </p:spPr>
+            <p:txBody>
+              <a:bodyPr/>
+              <a:lstStyle/>
+              <a:p>
+                <a:r>
+                  <a:rPr lang="en-US">
+                    <a:noFill/>
+                  </a:rPr>
+                  <a:t> </a:t>
+                </a:r>
+              </a:p>
+            </p:txBody>
+          </p:sp>
+        </mc:Fallback>
+      </mc:AlternateContent>
     </p:spTree>
     <p:extLst>
       <p:ext uri="{BB962C8B-B14F-4D97-AF65-F5344CB8AC3E}">
